--- a/俄羅斯方塊.pptx
+++ b/俄羅斯方塊.pptx
@@ -6,36 +6,40 @@
   </p:sldMasterIdLst>
   <p:sldIdLst>
     <p:sldId id="258" r:id="rId2"/>
-    <p:sldId id="257" r:id="rId3"/>
-    <p:sldId id="259" r:id="rId4"/>
-    <p:sldId id="260" r:id="rId5"/>
-    <p:sldId id="261" r:id="rId6"/>
-    <p:sldId id="262" r:id="rId7"/>
-    <p:sldId id="263" r:id="rId8"/>
-    <p:sldId id="264" r:id="rId9"/>
-    <p:sldId id="265" r:id="rId10"/>
-    <p:sldId id="266" r:id="rId11"/>
-    <p:sldId id="268" r:id="rId12"/>
-    <p:sldId id="269" r:id="rId13"/>
-    <p:sldId id="270" r:id="rId14"/>
-    <p:sldId id="271" r:id="rId15"/>
-    <p:sldId id="272" r:id="rId16"/>
-    <p:sldId id="273" r:id="rId17"/>
-    <p:sldId id="274" r:id="rId18"/>
-    <p:sldId id="275" r:id="rId19"/>
-    <p:sldId id="276" r:id="rId20"/>
-    <p:sldId id="277" r:id="rId21"/>
-    <p:sldId id="278" r:id="rId22"/>
-    <p:sldId id="279" r:id="rId23"/>
-    <p:sldId id="280" r:id="rId24"/>
-    <p:sldId id="281" r:id="rId25"/>
-    <p:sldId id="282" r:id="rId26"/>
-    <p:sldId id="283" r:id="rId27"/>
-    <p:sldId id="284" r:id="rId28"/>
-    <p:sldId id="285" r:id="rId29"/>
-    <p:sldId id="286" r:id="rId30"/>
-    <p:sldId id="287" r:id="rId31"/>
-    <p:sldId id="267" r:id="rId32"/>
+    <p:sldId id="288" r:id="rId3"/>
+    <p:sldId id="257" r:id="rId4"/>
+    <p:sldId id="259" r:id="rId5"/>
+    <p:sldId id="260" r:id="rId6"/>
+    <p:sldId id="261" r:id="rId7"/>
+    <p:sldId id="262" r:id="rId8"/>
+    <p:sldId id="263" r:id="rId9"/>
+    <p:sldId id="264" r:id="rId10"/>
+    <p:sldId id="265" r:id="rId11"/>
+    <p:sldId id="269" r:id="rId12"/>
+    <p:sldId id="270" r:id="rId13"/>
+    <p:sldId id="271" r:id="rId14"/>
+    <p:sldId id="272" r:id="rId15"/>
+    <p:sldId id="273" r:id="rId16"/>
+    <p:sldId id="274" r:id="rId17"/>
+    <p:sldId id="291" r:id="rId18"/>
+    <p:sldId id="289" r:id="rId19"/>
+    <p:sldId id="290" r:id="rId20"/>
+    <p:sldId id="266" r:id="rId21"/>
+    <p:sldId id="268" r:id="rId22"/>
+    <p:sldId id="275" r:id="rId23"/>
+    <p:sldId id="276" r:id="rId24"/>
+    <p:sldId id="277" r:id="rId25"/>
+    <p:sldId id="278" r:id="rId26"/>
+    <p:sldId id="279" r:id="rId27"/>
+    <p:sldId id="280" r:id="rId28"/>
+    <p:sldId id="281" r:id="rId29"/>
+    <p:sldId id="282" r:id="rId30"/>
+    <p:sldId id="283" r:id="rId31"/>
+    <p:sldId id="284" r:id="rId32"/>
+    <p:sldId id="285" r:id="rId33"/>
+    <p:sldId id="286" r:id="rId34"/>
+    <p:sldId id="287" r:id="rId35"/>
+    <p:sldId id="267" r:id="rId36"/>
   </p:sldIdLst>
   <p:sldSz cx="12192000" cy="6858000"/>
   <p:notesSz cx="6858000" cy="9144000"/>
@@ -134,6 +138,11 @@
       </a:defRPr>
     </a:lvl9pPr>
   </p:defaultTextStyle>
+  <p:extLst>
+    <p:ext uri="{EFAFB233-063F-42B5-8137-9DF3F51BA10A}">
+      <p15:sldGuideLst xmlns:p15="http://schemas.microsoft.com/office/powerpoint/2012/main"/>
+    </p:ext>
+  </p:extLst>
 </p:presentation>
 </file>
 
@@ -284,7 +293,7 @@
           <a:p>
             <a:fld id="{D81A15EB-9603-4396-9651-D4838FCBDE5A}" type="datetimeFigureOut">
               <a:rPr lang="zh-TW" altLang="en-US" smtClean="0"/>
-              <a:t>2020/10/22</a:t>
+              <a:t>2020/10/23</a:t>
             </a:fld>
             <a:endParaRPr lang="zh-TW" altLang="en-US"/>
           </a:p>
@@ -354,13 +363,13 @@
   <p:clrMapOvr>
     <a:masterClrMapping/>
   </p:clrMapOvr>
-  <mc:AlternateContent xmlns:mc="http://schemas.openxmlformats.org/markup-compatibility/2006">
-    <mc:Choice xmlns:p14="http://schemas.microsoft.com/office/powerpoint/2010/main" Requires="p14">
+  <mc:AlternateContent xmlns:mc="http://schemas.openxmlformats.org/markup-compatibility/2006" xmlns:p14="http://schemas.microsoft.com/office/powerpoint/2010/main">
+    <mc:Choice Requires="p14">
       <p:transition spd="slow" p14:dur="1600">
         <p14:gallery dir="l"/>
       </p:transition>
     </mc:Choice>
-    <mc:Fallback>
+    <mc:Fallback xmlns="">
       <p:transition spd="slow">
         <p:fade/>
       </p:transition>
@@ -494,7 +503,7 @@
           <a:p>
             <a:fld id="{D81A15EB-9603-4396-9651-D4838FCBDE5A}" type="datetimeFigureOut">
               <a:rPr lang="zh-TW" altLang="en-US" smtClean="0"/>
-              <a:t>2020/10/22</a:t>
+              <a:t>2020/10/23</a:t>
             </a:fld>
             <a:endParaRPr lang="zh-TW" altLang="en-US"/>
           </a:p>
@@ -564,13 +573,13 @@
   <p:clrMapOvr>
     <a:masterClrMapping/>
   </p:clrMapOvr>
-  <mc:AlternateContent xmlns:mc="http://schemas.openxmlformats.org/markup-compatibility/2006">
-    <mc:Choice xmlns:p14="http://schemas.microsoft.com/office/powerpoint/2010/main" Requires="p14">
+  <mc:AlternateContent xmlns:mc="http://schemas.openxmlformats.org/markup-compatibility/2006" xmlns:p14="http://schemas.microsoft.com/office/powerpoint/2010/main">
+    <mc:Choice Requires="p14">
       <p:transition spd="slow" p14:dur="1600">
         <p14:gallery dir="l"/>
       </p:transition>
     </mc:Choice>
-    <mc:Fallback>
+    <mc:Fallback xmlns="">
       <p:transition spd="slow">
         <p:fade/>
       </p:transition>
@@ -714,7 +723,7 @@
           <a:p>
             <a:fld id="{D81A15EB-9603-4396-9651-D4838FCBDE5A}" type="datetimeFigureOut">
               <a:rPr lang="zh-TW" altLang="en-US" smtClean="0"/>
-              <a:t>2020/10/22</a:t>
+              <a:t>2020/10/23</a:t>
             </a:fld>
             <a:endParaRPr lang="zh-TW" altLang="en-US"/>
           </a:p>
@@ -784,13 +793,13 @@
   <p:clrMapOvr>
     <a:masterClrMapping/>
   </p:clrMapOvr>
-  <mc:AlternateContent xmlns:mc="http://schemas.openxmlformats.org/markup-compatibility/2006">
-    <mc:Choice xmlns:p14="http://schemas.microsoft.com/office/powerpoint/2010/main" Requires="p14">
+  <mc:AlternateContent xmlns:mc="http://schemas.openxmlformats.org/markup-compatibility/2006" xmlns:p14="http://schemas.microsoft.com/office/powerpoint/2010/main">
+    <mc:Choice Requires="p14">
       <p:transition spd="slow" p14:dur="1600">
         <p14:gallery dir="l"/>
       </p:transition>
     </mc:Choice>
-    <mc:Fallback>
+    <mc:Fallback xmlns="">
       <p:transition spd="slow">
         <p:fade/>
       </p:transition>
@@ -972,7 +981,7 @@
           <a:p>
             <a:fld id="{D81A15EB-9603-4396-9651-D4838FCBDE5A}" type="datetimeFigureOut">
               <a:rPr lang="zh-TW" altLang="en-US" smtClean="0"/>
-              <a:t>2020/10/22</a:t>
+              <a:t>2020/10/23</a:t>
             </a:fld>
             <a:endParaRPr lang="zh-TW" altLang="en-US"/>
           </a:p>
@@ -1042,13 +1051,13 @@
   <p:clrMapOvr>
     <a:masterClrMapping/>
   </p:clrMapOvr>
-  <mc:AlternateContent xmlns:mc="http://schemas.openxmlformats.org/markup-compatibility/2006">
-    <mc:Choice xmlns:p14="http://schemas.microsoft.com/office/powerpoint/2010/main" Requires="p14">
+  <mc:AlternateContent xmlns:mc="http://schemas.openxmlformats.org/markup-compatibility/2006" xmlns:p14="http://schemas.microsoft.com/office/powerpoint/2010/main">
+    <mc:Choice Requires="p14">
       <p:transition spd="slow" p14:dur="1600">
         <p14:gallery dir="l"/>
       </p:transition>
     </mc:Choice>
-    <mc:Fallback>
+    <mc:Fallback xmlns="">
       <p:transition spd="slow">
         <p:fade/>
       </p:transition>
@@ -1259,7 +1268,7 @@
           <a:p>
             <a:fld id="{D81A15EB-9603-4396-9651-D4838FCBDE5A}" type="datetimeFigureOut">
               <a:rPr lang="zh-TW" altLang="en-US" smtClean="0"/>
-              <a:t>2020/10/22</a:t>
+              <a:t>2020/10/23</a:t>
             </a:fld>
             <a:endParaRPr lang="zh-TW" altLang="en-US"/>
           </a:p>
@@ -1329,13 +1338,13 @@
   <p:clrMapOvr>
     <a:masterClrMapping/>
   </p:clrMapOvr>
-  <mc:AlternateContent xmlns:mc="http://schemas.openxmlformats.org/markup-compatibility/2006">
-    <mc:Choice xmlns:p14="http://schemas.microsoft.com/office/powerpoint/2010/main" Requires="p14">
+  <mc:AlternateContent xmlns:mc="http://schemas.openxmlformats.org/markup-compatibility/2006" xmlns:p14="http://schemas.microsoft.com/office/powerpoint/2010/main">
+    <mc:Choice Requires="p14">
       <p:transition spd="slow" p14:dur="1600">
         <p14:gallery dir="l"/>
       </p:transition>
     </mc:Choice>
-    <mc:Fallback>
+    <mc:Fallback xmlns="">
       <p:transition spd="slow">
         <p:fade/>
       </p:transition>
@@ -1536,7 +1545,7 @@
           <a:p>
             <a:fld id="{D81A15EB-9603-4396-9651-D4838FCBDE5A}" type="datetimeFigureOut">
               <a:rPr lang="zh-TW" altLang="en-US" smtClean="0"/>
-              <a:t>2020/10/22</a:t>
+              <a:t>2020/10/23</a:t>
             </a:fld>
             <a:endParaRPr lang="zh-TW" altLang="en-US"/>
           </a:p>
@@ -1606,13 +1615,13 @@
   <p:clrMapOvr>
     <a:masterClrMapping/>
   </p:clrMapOvr>
-  <mc:AlternateContent xmlns:mc="http://schemas.openxmlformats.org/markup-compatibility/2006">
-    <mc:Choice xmlns:p14="http://schemas.microsoft.com/office/powerpoint/2010/main" Requires="p14">
+  <mc:AlternateContent xmlns:mc="http://schemas.openxmlformats.org/markup-compatibility/2006" xmlns:p14="http://schemas.microsoft.com/office/powerpoint/2010/main">
+    <mc:Choice Requires="p14">
       <p:transition spd="slow" p14:dur="1600">
         <p14:gallery dir="l"/>
       </p:transition>
     </mc:Choice>
-    <mc:Fallback>
+    <mc:Fallback xmlns="">
       <p:transition spd="slow">
         <p:fade/>
       </p:transition>
@@ -1960,7 +1969,7 @@
           <a:p>
             <a:fld id="{D81A15EB-9603-4396-9651-D4838FCBDE5A}" type="datetimeFigureOut">
               <a:rPr lang="zh-TW" altLang="en-US" smtClean="0"/>
-              <a:t>2020/10/22</a:t>
+              <a:t>2020/10/23</a:t>
             </a:fld>
             <a:endParaRPr lang="zh-TW" altLang="en-US"/>
           </a:p>
@@ -2030,13 +2039,13 @@
   <p:clrMapOvr>
     <a:masterClrMapping/>
   </p:clrMapOvr>
-  <mc:AlternateContent xmlns:mc="http://schemas.openxmlformats.org/markup-compatibility/2006">
-    <mc:Choice xmlns:p14="http://schemas.microsoft.com/office/powerpoint/2010/main" Requires="p14">
+  <mc:AlternateContent xmlns:mc="http://schemas.openxmlformats.org/markup-compatibility/2006" xmlns:p14="http://schemas.microsoft.com/office/powerpoint/2010/main">
+    <mc:Choice Requires="p14">
       <p:transition spd="slow" p14:dur="1600">
         <p14:gallery dir="l"/>
       </p:transition>
     </mc:Choice>
-    <mc:Fallback>
+    <mc:Fallback xmlns="">
       <p:transition spd="slow">
         <p:fade/>
       </p:transition>
@@ -2113,7 +2122,7 @@
           <a:p>
             <a:fld id="{D81A15EB-9603-4396-9651-D4838FCBDE5A}" type="datetimeFigureOut">
               <a:rPr lang="zh-TW" altLang="en-US" smtClean="0"/>
-              <a:t>2020/10/22</a:t>
+              <a:t>2020/10/23</a:t>
             </a:fld>
             <a:endParaRPr lang="zh-TW" altLang="en-US"/>
           </a:p>
@@ -2183,13 +2192,13 @@
   <p:clrMapOvr>
     <a:masterClrMapping/>
   </p:clrMapOvr>
-  <mc:AlternateContent xmlns:mc="http://schemas.openxmlformats.org/markup-compatibility/2006">
-    <mc:Choice xmlns:p14="http://schemas.microsoft.com/office/powerpoint/2010/main" Requires="p14">
+  <mc:AlternateContent xmlns:mc="http://schemas.openxmlformats.org/markup-compatibility/2006" xmlns:p14="http://schemas.microsoft.com/office/powerpoint/2010/main">
+    <mc:Choice Requires="p14">
       <p:transition spd="slow" p14:dur="1600">
         <p14:gallery dir="l"/>
       </p:transition>
     </mc:Choice>
-    <mc:Fallback>
+    <mc:Fallback xmlns="">
       <p:transition spd="slow">
         <p:fade/>
       </p:transition>
@@ -2238,7 +2247,7 @@
           <a:p>
             <a:fld id="{D81A15EB-9603-4396-9651-D4838FCBDE5A}" type="datetimeFigureOut">
               <a:rPr lang="zh-TW" altLang="en-US" smtClean="0"/>
-              <a:t>2020/10/22</a:t>
+              <a:t>2020/10/23</a:t>
             </a:fld>
             <a:endParaRPr lang="zh-TW" altLang="en-US"/>
           </a:p>
@@ -2308,13 +2317,13 @@
   <p:clrMapOvr>
     <a:masterClrMapping/>
   </p:clrMapOvr>
-  <mc:AlternateContent xmlns:mc="http://schemas.openxmlformats.org/markup-compatibility/2006">
-    <mc:Choice xmlns:p14="http://schemas.microsoft.com/office/powerpoint/2010/main" Requires="p14">
+  <mc:AlternateContent xmlns:mc="http://schemas.openxmlformats.org/markup-compatibility/2006" xmlns:p14="http://schemas.microsoft.com/office/powerpoint/2010/main">
+    <mc:Choice Requires="p14">
       <p:transition spd="slow" p14:dur="1600">
         <p14:gallery dir="l"/>
       </p:transition>
     </mc:Choice>
-    <mc:Fallback>
+    <mc:Fallback xmlns="">
       <p:transition spd="slow">
         <p:fade/>
       </p:transition>
@@ -2561,7 +2570,7 @@
           <a:p>
             <a:fld id="{D81A15EB-9603-4396-9651-D4838FCBDE5A}" type="datetimeFigureOut">
               <a:rPr lang="zh-TW" altLang="en-US" smtClean="0"/>
-              <a:t>2020/10/22</a:t>
+              <a:t>2020/10/23</a:t>
             </a:fld>
             <a:endParaRPr lang="zh-TW" altLang="en-US"/>
           </a:p>
@@ -2631,13 +2640,13 @@
   <p:clrMapOvr>
     <a:masterClrMapping/>
   </p:clrMapOvr>
-  <mc:AlternateContent xmlns:mc="http://schemas.openxmlformats.org/markup-compatibility/2006">
-    <mc:Choice xmlns:p14="http://schemas.microsoft.com/office/powerpoint/2010/main" Requires="p14">
+  <mc:AlternateContent xmlns:mc="http://schemas.openxmlformats.org/markup-compatibility/2006" xmlns:p14="http://schemas.microsoft.com/office/powerpoint/2010/main">
+    <mc:Choice Requires="p14">
       <p:transition spd="slow" p14:dur="1600">
         <p14:gallery dir="l"/>
       </p:transition>
     </mc:Choice>
-    <mc:Fallback>
+    <mc:Fallback xmlns="">
       <p:transition spd="slow">
         <p:fade/>
       </p:transition>
@@ -2861,7 +2870,7 @@
           <a:p>
             <a:fld id="{D81A15EB-9603-4396-9651-D4838FCBDE5A}" type="datetimeFigureOut">
               <a:rPr lang="zh-TW" altLang="en-US" smtClean="0"/>
-              <a:t>2020/10/22</a:t>
+              <a:t>2020/10/23</a:t>
             </a:fld>
             <a:endParaRPr lang="zh-TW" altLang="en-US"/>
           </a:p>
@@ -2931,13 +2940,13 @@
   <p:clrMapOvr>
     <a:masterClrMapping/>
   </p:clrMapOvr>
-  <mc:AlternateContent xmlns:mc="http://schemas.openxmlformats.org/markup-compatibility/2006">
-    <mc:Choice xmlns:p14="http://schemas.microsoft.com/office/powerpoint/2010/main" Requires="p14">
+  <mc:AlternateContent xmlns:mc="http://schemas.openxmlformats.org/markup-compatibility/2006" xmlns:p14="http://schemas.microsoft.com/office/powerpoint/2010/main">
+    <mc:Choice Requires="p14">
       <p:transition spd="slow" p14:dur="1600">
         <p14:gallery dir="l"/>
       </p:transition>
     </mc:Choice>
-    <mc:Fallback>
+    <mc:Fallback xmlns="">
       <p:transition spd="slow">
         <p:fade/>
       </p:transition>
@@ -3123,7 +3132,7 @@
           <a:p>
             <a:fld id="{D81A15EB-9603-4396-9651-D4838FCBDE5A}" type="datetimeFigureOut">
               <a:rPr lang="zh-TW" altLang="en-US" smtClean="0"/>
-              <a:t>2020/10/22</a:t>
+              <a:t>2020/10/23</a:t>
             </a:fld>
             <a:endParaRPr lang="zh-TW" altLang="en-US"/>
           </a:p>
@@ -3240,13 +3249,13 @@
     <p:sldLayoutId id="2147483658" r:id="rId10"/>
     <p:sldLayoutId id="2147483659" r:id="rId11"/>
   </p:sldLayoutIdLst>
-  <mc:AlternateContent xmlns:mc="http://schemas.openxmlformats.org/markup-compatibility/2006">
-    <mc:Choice xmlns:p14="http://schemas.microsoft.com/office/powerpoint/2010/main" Requires="p14">
+  <mc:AlternateContent xmlns:mc="http://schemas.openxmlformats.org/markup-compatibility/2006" xmlns:p14="http://schemas.microsoft.com/office/powerpoint/2010/main">
+    <mc:Choice Requires="p14">
       <p:transition spd="slow" p14:dur="1600">
         <p14:gallery dir="l"/>
       </p:transition>
     </mc:Choice>
-    <mc:Fallback>
+    <mc:Fallback xmlns="">
       <p:transition spd="slow">
         <p:fade/>
       </p:transition>
@@ -3618,13 +3627,13 @@
   <p:clrMapOvr>
     <a:masterClrMapping/>
   </p:clrMapOvr>
-  <mc:AlternateContent xmlns:mc="http://schemas.openxmlformats.org/markup-compatibility/2006">
-    <mc:Choice xmlns:p14="http://schemas.microsoft.com/office/powerpoint/2010/main" Requires="p14">
+  <mc:AlternateContent xmlns:mc="http://schemas.openxmlformats.org/markup-compatibility/2006" xmlns:p14="http://schemas.microsoft.com/office/powerpoint/2010/main">
+    <mc:Choice Requires="p14">
       <p:transition spd="slow" p14:dur="1600">
         <p14:gallery dir="l"/>
       </p:transition>
     </mc:Choice>
-    <mc:Fallback>
+    <mc:Fallback xmlns="">
       <p:transition spd="slow">
         <p:fade/>
       </p:transition>
@@ -3672,12 +3681,8 @@
           <a:lstStyle/>
           <a:p>
             <a:r>
-              <a:rPr lang="en-US" altLang="zh-TW" dirty="0"/>
-              <a:t>JS</a:t>
-            </a:r>
-            <a:r>
               <a:rPr lang="zh-TW" altLang="en-US" dirty="0"/>
-              <a:t> 時間函數</a:t>
+              <a:t>路徑圖形</a:t>
             </a:r>
           </a:p>
         </p:txBody>
@@ -3698,381 +3703,160 @@
             <p:ph idx="1"/>
           </p:nvPr>
         </p:nvSpPr>
-        <p:spPr>
-          <a:xfrm>
-            <a:off x="195943" y="1825625"/>
-            <a:ext cx="11740243" cy="4351338"/>
-          </a:xfrm>
-        </p:spPr>
+        <p:spPr/>
         <p:txBody>
           <a:bodyPr/>
           <a:lstStyle/>
           <a:p>
             <a:r>
-              <a:rPr lang="en-US" altLang="zh-TW" b="0" dirty="0" err="1">
-                <a:effectLst/>
-                <a:latin typeface="Consolas" panose="020B0609020204030204" pitchFamily="49" charset="0"/>
-              </a:rPr>
-              <a:t>setInterval</a:t>
-            </a:r>
-            <a:r>
-              <a:rPr lang="en-US" altLang="zh-TW" b="0" dirty="0">
-                <a:effectLst/>
-                <a:latin typeface="Consolas" panose="020B0609020204030204" pitchFamily="49" charset="0"/>
-              </a:rPr>
+              <a:rPr lang="zh-TW" altLang="en-US" dirty="0"/>
+              <a:t>路徑開始與封閉： </a:t>
+            </a:r>
+            <a:r>
+              <a:rPr lang="en-US" altLang="zh-TW" dirty="0" err="1"/>
+              <a:t>beginPath</a:t>
+            </a:r>
+            <a:r>
+              <a:rPr lang="en-US" altLang="zh-TW" dirty="0"/>
+              <a:t>() / </a:t>
+            </a:r>
+            <a:r>
+              <a:rPr lang="en-US" altLang="zh-TW" dirty="0" err="1"/>
+              <a:t>closePath</a:t>
+            </a:r>
+            <a:r>
+              <a:rPr lang="en-US" altLang="zh-TW" dirty="0"/>
+              <a:t> ()</a:t>
+            </a:r>
+          </a:p>
+          <a:p>
+            <a:endParaRPr lang="en-US" altLang="zh-TW" dirty="0"/>
+          </a:p>
+          <a:p>
+            <a:r>
+              <a:rPr lang="zh-TW" altLang="en-US" dirty="0"/>
+              <a:t>設定移動與移置線條：</a:t>
+            </a:r>
+            <a:r>
+              <a:rPr lang="en-US" altLang="zh-TW" dirty="0" err="1"/>
+              <a:t>moveTo</a:t>
+            </a:r>
+            <a:r>
+              <a:rPr lang="en-US" altLang="zh-TW" dirty="0"/>
               <a:t>(</a:t>
             </a:r>
             <a:r>
-              <a:rPr lang="en-US" altLang="zh-TW" b="0" dirty="0" err="1">
-                <a:solidFill>
-                  <a:srgbClr val="0070C0"/>
-                </a:solidFill>
-                <a:effectLst/>
-                <a:latin typeface="Consolas" panose="020B0609020204030204" pitchFamily="49" charset="0"/>
-              </a:rPr>
-              <a:t>function</a:t>
-            </a:r>
-            <a:r>
-              <a:rPr lang="en-US" altLang="zh-TW" b="0" dirty="0" err="1">
-                <a:effectLst/>
-                <a:latin typeface="Consolas" panose="020B0609020204030204" pitchFamily="49" charset="0"/>
-              </a:rPr>
-              <a:t>,</a:t>
-            </a:r>
-            <a:r>
-              <a:rPr lang="en-US" altLang="zh-TW" b="0" dirty="0" err="1">
-                <a:solidFill>
-                  <a:srgbClr val="00B0F0"/>
-                </a:solidFill>
-                <a:effectLst/>
-                <a:latin typeface="Consolas" panose="020B0609020204030204" pitchFamily="49" charset="0"/>
-              </a:rPr>
-              <a:t>time</a:t>
-            </a:r>
-            <a:r>
-              <a:rPr lang="en-US" altLang="zh-TW" b="0" dirty="0">
-                <a:effectLst/>
-                <a:latin typeface="Consolas" panose="020B0609020204030204" pitchFamily="49" charset="0"/>
-              </a:rPr>
-              <a:t>);</a:t>
-            </a:r>
-          </a:p>
-          <a:p>
-            <a:pPr marL="457200" lvl="1" indent="0">
-              <a:buNone/>
-            </a:pPr>
-            <a:r>
-              <a:rPr lang="zh-TW" altLang="en-US" sz="2800" dirty="0">
-                <a:latin typeface="Consolas" panose="020B0609020204030204" pitchFamily="49" charset="0"/>
-              </a:rPr>
-              <a:t>每</a:t>
-            </a:r>
-            <a:r>
-              <a:rPr lang="en-US" altLang="zh-TW" sz="2800" b="0" dirty="0">
-                <a:solidFill>
-                  <a:srgbClr val="00B0F0"/>
-                </a:solidFill>
-                <a:effectLst/>
-                <a:latin typeface="Consolas" panose="020B0609020204030204" pitchFamily="49" charset="0"/>
-              </a:rPr>
-              <a:t>time</a:t>
-            </a:r>
-            <a:r>
-              <a:rPr lang="zh-TW" altLang="en-US" sz="2800" b="0" dirty="0">
-                <a:effectLst/>
-                <a:latin typeface="Consolas" panose="020B0609020204030204" pitchFamily="49" charset="0"/>
-              </a:rPr>
-              <a:t>的時間，執行一次</a:t>
-            </a:r>
-            <a:r>
-              <a:rPr lang="en-US" altLang="zh-TW" sz="2800" b="0" dirty="0">
-                <a:solidFill>
-                  <a:srgbClr val="0070C0"/>
-                </a:solidFill>
-                <a:effectLst/>
-                <a:latin typeface="Consolas" panose="020B0609020204030204" pitchFamily="49" charset="0"/>
-              </a:rPr>
-              <a:t>function</a:t>
-            </a:r>
-            <a:r>
-              <a:rPr lang="zh-TW" altLang="en-US" sz="2800" b="0" dirty="0">
-                <a:effectLst/>
-                <a:latin typeface="Consolas" panose="020B0609020204030204" pitchFamily="49" charset="0"/>
-              </a:rPr>
-              <a:t>；</a:t>
-            </a:r>
-            <a:r>
-              <a:rPr lang="en-US" altLang="zh-TW" sz="2800" b="0" dirty="0">
-                <a:solidFill>
-                  <a:srgbClr val="0070C0"/>
-                </a:solidFill>
-                <a:effectLst/>
-                <a:latin typeface="Consolas" panose="020B0609020204030204" pitchFamily="49" charset="0"/>
-              </a:rPr>
-              <a:t>function</a:t>
-            </a:r>
-            <a:r>
-              <a:rPr lang="zh-TW" altLang="en-US" sz="2800" b="0" dirty="0">
-                <a:effectLst/>
-                <a:latin typeface="Consolas" panose="020B0609020204030204" pitchFamily="49" charset="0"/>
-              </a:rPr>
-              <a:t>不須加上括號。循環</a:t>
-            </a:r>
-            <a:endParaRPr lang="en-US" altLang="zh-TW" sz="2800" b="0" dirty="0">
-              <a:effectLst/>
-              <a:latin typeface="Consolas" panose="020B0609020204030204" pitchFamily="49" charset="0"/>
-            </a:endParaRPr>
-          </a:p>
-          <a:p>
-            <a:pPr marL="457200" lvl="1" indent="0">
-              <a:buNone/>
-            </a:pPr>
-            <a:endParaRPr lang="en-US" altLang="zh-TW" sz="2800" b="0" dirty="0">
-              <a:effectLst/>
-              <a:latin typeface="Consolas" panose="020B0609020204030204" pitchFamily="49" charset="0"/>
-            </a:endParaRPr>
-          </a:p>
-          <a:p>
-            <a:r>
-              <a:rPr lang="en-US" altLang="zh-TW" b="0" dirty="0" err="1">
-                <a:effectLst/>
-                <a:latin typeface="Consolas" panose="020B0609020204030204" pitchFamily="49" charset="0"/>
-              </a:rPr>
-              <a:t>setTimeout</a:t>
-            </a:r>
-            <a:r>
-              <a:rPr lang="en-US" altLang="zh-TW" b="0" dirty="0">
-                <a:effectLst/>
-                <a:latin typeface="Consolas" panose="020B0609020204030204" pitchFamily="49" charset="0"/>
-              </a:rPr>
+              <a:rPr lang="en-US" altLang="zh-TW" dirty="0" err="1"/>
+              <a:t>x,y</a:t>
+            </a:r>
+            <a:r>
+              <a:rPr lang="en-US" altLang="zh-TW" dirty="0"/>
+              <a:t>) / </a:t>
+            </a:r>
+            <a:r>
+              <a:rPr lang="en-US" altLang="zh-TW" dirty="0" err="1"/>
+              <a:t>lineTo</a:t>
+            </a:r>
+            <a:r>
+              <a:rPr lang="en-US" altLang="zh-TW" dirty="0"/>
               <a:t>(</a:t>
             </a:r>
             <a:r>
-              <a:rPr lang="en-US" altLang="zh-TW" b="0" dirty="0" err="1">
-                <a:solidFill>
-                  <a:srgbClr val="0070C0"/>
-                </a:solidFill>
-                <a:effectLst/>
-                <a:latin typeface="Consolas" panose="020B0609020204030204" pitchFamily="49" charset="0"/>
-              </a:rPr>
-              <a:t>function</a:t>
-            </a:r>
-            <a:r>
-              <a:rPr lang="en-US" altLang="zh-TW" b="0" dirty="0" err="1">
-                <a:effectLst/>
-                <a:latin typeface="Consolas" panose="020B0609020204030204" pitchFamily="49" charset="0"/>
-              </a:rPr>
-              <a:t>,</a:t>
-            </a:r>
-            <a:r>
-              <a:rPr lang="en-US" altLang="zh-TW" b="0" dirty="0" err="1">
-                <a:solidFill>
-                  <a:srgbClr val="00B0F0"/>
-                </a:solidFill>
-                <a:effectLst/>
-                <a:latin typeface="Consolas" panose="020B0609020204030204" pitchFamily="49" charset="0"/>
-              </a:rPr>
-              <a:t>time</a:t>
-            </a:r>
-            <a:r>
-              <a:rPr lang="en-US" altLang="zh-TW" b="0" dirty="0">
-                <a:effectLst/>
-                <a:latin typeface="Consolas" panose="020B0609020204030204" pitchFamily="49" charset="0"/>
-              </a:rPr>
-              <a:t>);</a:t>
-            </a:r>
-          </a:p>
-          <a:p>
-            <a:pPr marL="457200" lvl="1" indent="0">
-              <a:buNone/>
-            </a:pPr>
-            <a:r>
-              <a:rPr lang="zh-TW" altLang="en-US" sz="2800" dirty="0">
-                <a:latin typeface="Consolas" panose="020B0609020204030204" pitchFamily="49" charset="0"/>
-              </a:rPr>
-              <a:t>每</a:t>
-            </a:r>
-            <a:r>
-              <a:rPr lang="en-US" altLang="zh-TW" sz="2800" b="0" dirty="0">
-                <a:solidFill>
-                  <a:srgbClr val="00B0F0"/>
-                </a:solidFill>
-                <a:effectLst/>
-                <a:latin typeface="Consolas" panose="020B0609020204030204" pitchFamily="49" charset="0"/>
-              </a:rPr>
-              <a:t>time</a:t>
-            </a:r>
-            <a:r>
-              <a:rPr lang="zh-TW" altLang="en-US" sz="2800" b="0" dirty="0">
-                <a:effectLst/>
-                <a:latin typeface="Consolas" panose="020B0609020204030204" pitchFamily="49" charset="0"/>
-              </a:rPr>
-              <a:t>的時間，執行一次</a:t>
-            </a:r>
-            <a:r>
-              <a:rPr lang="en-US" altLang="zh-TW" sz="2800" b="0" dirty="0">
-                <a:solidFill>
-                  <a:srgbClr val="0070C0"/>
-                </a:solidFill>
-                <a:effectLst/>
-                <a:latin typeface="Consolas" panose="020B0609020204030204" pitchFamily="49" charset="0"/>
-              </a:rPr>
-              <a:t>function</a:t>
-            </a:r>
-            <a:r>
-              <a:rPr lang="zh-TW" altLang="en-US" sz="2800" b="0" dirty="0">
-                <a:effectLst/>
-                <a:latin typeface="Consolas" panose="020B0609020204030204" pitchFamily="49" charset="0"/>
-              </a:rPr>
-              <a:t>；</a:t>
-            </a:r>
-            <a:r>
-              <a:rPr lang="en-US" altLang="zh-TW" sz="2800" b="0" dirty="0">
-                <a:solidFill>
-                  <a:srgbClr val="0070C0"/>
-                </a:solidFill>
-                <a:effectLst/>
-                <a:latin typeface="Consolas" panose="020B0609020204030204" pitchFamily="49" charset="0"/>
-              </a:rPr>
-              <a:t>function</a:t>
-            </a:r>
-            <a:r>
-              <a:rPr lang="zh-TW" altLang="en-US" sz="2800" b="0" dirty="0">
-                <a:effectLst/>
-                <a:latin typeface="Consolas" panose="020B0609020204030204" pitchFamily="49" charset="0"/>
-              </a:rPr>
-              <a:t>不須加上括號。單次</a:t>
-            </a:r>
-            <a:endParaRPr lang="en-US" altLang="zh-TW" sz="2800" b="0" dirty="0">
-              <a:effectLst/>
-              <a:latin typeface="Consolas" panose="020B0609020204030204" pitchFamily="49" charset="0"/>
-            </a:endParaRPr>
-          </a:p>
-          <a:p>
-            <a:pPr marL="457200" lvl="1" indent="0">
-              <a:buNone/>
-            </a:pPr>
-            <a:endParaRPr lang="en-US" altLang="zh-TW" b="0" dirty="0">
-              <a:effectLst/>
-              <a:latin typeface="Consolas" panose="020B0609020204030204" pitchFamily="49" charset="0"/>
-            </a:endParaRPr>
-          </a:p>
-          <a:p>
-            <a:r>
-              <a:rPr lang="en-US" altLang="zh-TW" b="0" dirty="0" err="1">
-                <a:effectLst/>
-                <a:latin typeface="Consolas" panose="020B0609020204030204" pitchFamily="49" charset="0"/>
-              </a:rPr>
-              <a:t>requestAnimationFrame</a:t>
-            </a:r>
-            <a:r>
-              <a:rPr lang="en-US" altLang="zh-TW" b="0" dirty="0">
-                <a:effectLst/>
-                <a:latin typeface="Consolas" panose="020B0609020204030204" pitchFamily="49" charset="0"/>
-              </a:rPr>
+              <a:rPr lang="en-US" altLang="zh-TW" dirty="0" err="1"/>
+              <a:t>x,y</a:t>
+            </a:r>
+            <a:r>
+              <a:rPr lang="en-US" altLang="zh-TW" dirty="0"/>
+              <a:t>)</a:t>
+            </a:r>
+          </a:p>
+          <a:p>
+            <a:endParaRPr lang="en-US" altLang="zh-TW" dirty="0"/>
+          </a:p>
+          <a:p>
+            <a:r>
+              <a:rPr lang="zh-TW" altLang="en-US" dirty="0"/>
+              <a:t>指定線條 </a:t>
+            </a:r>
+            <a:r>
+              <a:rPr lang="en-US" altLang="zh-TW" dirty="0"/>
+              <a:t>/</a:t>
+            </a:r>
+            <a:r>
+              <a:rPr lang="zh-TW" altLang="en-US" dirty="0"/>
+              <a:t> 圖形顏色：</a:t>
+            </a:r>
+            <a:r>
+              <a:rPr lang="en-US" altLang="zh-TW" dirty="0" err="1"/>
+              <a:t>fillStyle</a:t>
+            </a:r>
+            <a:r>
+              <a:rPr lang="en-US" altLang="zh-TW" dirty="0"/>
+              <a:t> / </a:t>
+            </a:r>
+            <a:r>
+              <a:rPr lang="en-US" altLang="zh-TW" dirty="0" err="1"/>
+              <a:t>lineStyle</a:t>
+            </a:r>
+            <a:r>
+              <a:rPr lang="en-US" altLang="zh-TW" dirty="0"/>
+              <a:t> / </a:t>
+            </a:r>
+            <a:r>
+              <a:rPr lang="en-US" altLang="zh-TW" dirty="0" err="1"/>
+              <a:t>strokeStyle</a:t>
+            </a:r>
+            <a:endParaRPr lang="en-US" altLang="zh-TW" dirty="0"/>
+          </a:p>
+          <a:p>
+            <a:endParaRPr lang="en-US" altLang="zh-TW" dirty="0"/>
+          </a:p>
+          <a:p>
+            <a:r>
+              <a:rPr lang="zh-TW" altLang="en-US" dirty="0"/>
+              <a:t>最後路徑繪製</a:t>
+            </a:r>
+            <a:r>
+              <a:rPr lang="en-US" altLang="zh-TW" dirty="0"/>
               <a:t>(</a:t>
             </a:r>
             <a:r>
-              <a:rPr lang="en-US" altLang="zh-TW" b="0" dirty="0">
-                <a:solidFill>
-                  <a:srgbClr val="0070C0"/>
-                </a:solidFill>
-                <a:effectLst/>
-                <a:latin typeface="Consolas" panose="020B0609020204030204" pitchFamily="49" charset="0"/>
-              </a:rPr>
-              <a:t>function</a:t>
-            </a:r>
-            <a:r>
-              <a:rPr lang="en-US" altLang="zh-TW" b="0" dirty="0">
-                <a:effectLst/>
-                <a:latin typeface="Consolas" panose="020B0609020204030204" pitchFamily="49" charset="0"/>
-              </a:rPr>
-              <a:t>);</a:t>
-            </a:r>
-          </a:p>
-          <a:p>
-            <a:pPr marL="457200" lvl="1" indent="0">
-              <a:buNone/>
-            </a:pPr>
-            <a:r>
-              <a:rPr lang="zh-TW" altLang="en-US" sz="2800" b="0" dirty="0">
-                <a:effectLst/>
-                <a:latin typeface="Consolas" panose="020B0609020204030204" pitchFamily="49" charset="0"/>
-              </a:rPr>
-              <a:t>呼叫</a:t>
-            </a:r>
-            <a:r>
-              <a:rPr lang="en-US" altLang="zh-TW" sz="2800" b="0" dirty="0">
-                <a:solidFill>
-                  <a:srgbClr val="0070C0"/>
-                </a:solidFill>
-                <a:effectLst/>
-                <a:latin typeface="Consolas" panose="020B0609020204030204" pitchFamily="49" charset="0"/>
-              </a:rPr>
-              <a:t>function</a:t>
-            </a:r>
-            <a:r>
-              <a:rPr lang="zh-TW" altLang="en-US" sz="2800" b="0" dirty="0">
-                <a:effectLst/>
-                <a:latin typeface="Consolas" panose="020B0609020204030204" pitchFamily="49" charset="0"/>
-              </a:rPr>
-              <a:t>；</a:t>
-            </a:r>
-            <a:r>
-              <a:rPr lang="en-US" altLang="zh-TW" sz="2800" b="0" dirty="0">
-                <a:solidFill>
-                  <a:srgbClr val="0070C0"/>
-                </a:solidFill>
-                <a:effectLst/>
-                <a:latin typeface="Consolas" panose="020B0609020204030204" pitchFamily="49" charset="0"/>
-              </a:rPr>
-              <a:t>function</a:t>
-            </a:r>
-            <a:r>
-              <a:rPr lang="zh-TW" altLang="en-US" sz="2800" b="0" dirty="0">
-                <a:effectLst/>
-                <a:latin typeface="Consolas" panose="020B0609020204030204" pitchFamily="49" charset="0"/>
-              </a:rPr>
-              <a:t>不須加上括號。不會造成</a:t>
-            </a:r>
-            <a:r>
-              <a:rPr lang="en-US" altLang="zh-TW" sz="2800" b="0" dirty="0">
-                <a:effectLst/>
-                <a:latin typeface="Consolas" panose="020B0609020204030204" pitchFamily="49" charset="0"/>
-              </a:rPr>
-              <a:t>over stack</a:t>
-            </a:r>
-            <a:r>
-              <a:rPr lang="zh-TW" altLang="en-US" sz="2800" b="0" dirty="0">
-                <a:effectLst/>
-                <a:latin typeface="Consolas" panose="020B0609020204030204" pitchFamily="49" charset="0"/>
-              </a:rPr>
-              <a:t>。</a:t>
-            </a:r>
-            <a:endParaRPr lang="en-US" altLang="zh-TW" sz="2800" b="0" dirty="0">
-              <a:effectLst/>
-              <a:latin typeface="Consolas" panose="020B0609020204030204" pitchFamily="49" charset="0"/>
-            </a:endParaRPr>
+              <a:rPr lang="zh-TW" altLang="en-US" dirty="0"/>
+              <a:t>連結到起點</a:t>
+            </a:r>
+            <a:r>
+              <a:rPr lang="en-US" altLang="zh-TW" dirty="0"/>
+              <a:t>)</a:t>
+            </a:r>
+            <a:r>
+              <a:rPr lang="zh-TW" altLang="en-US" dirty="0"/>
+              <a:t>：</a:t>
+            </a:r>
+            <a:r>
+              <a:rPr lang="en-US" altLang="zh-TW" dirty="0"/>
+              <a:t>stroke() / fill()</a:t>
+            </a:r>
+            <a:endParaRPr lang="zh-TW" altLang="en-US" dirty="0"/>
           </a:p>
         </p:txBody>
       </p:sp>
     </p:spTree>
     <p:extLst>
       <p:ext uri="{BB962C8B-B14F-4D97-AF65-F5344CB8AC3E}">
-        <p14:creationId xmlns:p14="http://schemas.microsoft.com/office/powerpoint/2010/main" val="470209328"/>
+        <p14:creationId xmlns:p14="http://schemas.microsoft.com/office/powerpoint/2010/main" val="1398520314"/>
       </p:ext>
     </p:extLst>
   </p:cSld>
   <p:clrMapOvr>
     <a:masterClrMapping/>
   </p:clrMapOvr>
-  <mc:AlternateContent xmlns:mc="http://schemas.openxmlformats.org/markup-compatibility/2006">
-    <mc:Choice xmlns:p14="http://schemas.microsoft.com/office/powerpoint/2010/main" Requires="p14">
+  <mc:AlternateContent xmlns:mc="http://schemas.openxmlformats.org/markup-compatibility/2006" xmlns:p14="http://schemas.microsoft.com/office/powerpoint/2010/main">
+    <mc:Choice Requires="p14">
       <p:transition spd="slow" p14:dur="1600">
         <p14:gallery dir="l"/>
       </p:transition>
     </mc:Choice>
-    <mc:Fallback>
+    <mc:Fallback xmlns="">
       <p:transition spd="slow">
         <p:fade/>
       </p:transition>
@@ -4120,13 +3904,22 @@
           <a:lstStyle/>
           <a:p>
             <a:r>
+              <a:rPr lang="zh-TW" altLang="en-US" dirty="0"/>
+              <a:t>旋轉 </a:t>
+            </a:r>
+            <a:r>
               <a:rPr lang="en-US" altLang="zh-TW" dirty="0"/>
-              <a:t>Windows </a:t>
+              <a:t>&amp;</a:t>
             </a:r>
             <a:r>
               <a:rPr lang="zh-TW" altLang="en-US" dirty="0"/>
-              <a:t>監聽</a:t>
-            </a:r>
+              <a:t> 移動 </a:t>
+            </a:r>
+            <a:r>
+              <a:rPr lang="en-US" altLang="zh-TW" dirty="0"/>
+              <a:t>Canvas</a:t>
+            </a:r>
+            <a:endParaRPr lang="zh-TW" altLang="en-US" dirty="0"/>
           </a:p>
         </p:txBody>
       </p:sp>
@@ -4146,310 +3939,6 @@
             <p:ph idx="1"/>
           </p:nvPr>
         </p:nvSpPr>
-        <p:spPr/>
-        <p:txBody>
-          <a:bodyPr/>
-          <a:lstStyle/>
-          <a:p>
-            <a:r>
-              <a:rPr lang="en-US" altLang="zh-TW" b="0" dirty="0" err="1">
-                <a:effectLst/>
-                <a:latin typeface="Consolas" panose="020B0609020204030204" pitchFamily="49" charset="0"/>
-              </a:rPr>
-              <a:t>window.addEventListener</a:t>
-            </a:r>
-            <a:r>
-              <a:rPr lang="en-US" altLang="zh-TW" b="0" dirty="0">
-                <a:effectLst/>
-                <a:latin typeface="Consolas" panose="020B0609020204030204" pitchFamily="49" charset="0"/>
-              </a:rPr>
-              <a:t>(</a:t>
-            </a:r>
-            <a:r>
-              <a:rPr lang="en-US" altLang="zh-TW" b="0" dirty="0">
-                <a:solidFill>
-                  <a:srgbClr val="FF0000"/>
-                </a:solidFill>
-                <a:effectLst/>
-                <a:latin typeface="Consolas" panose="020B0609020204030204" pitchFamily="49" charset="0"/>
-              </a:rPr>
-              <a:t>'</a:t>
-            </a:r>
-            <a:r>
-              <a:rPr lang="en-US" altLang="zh-TW" b="0" dirty="0" err="1">
-                <a:solidFill>
-                  <a:schemeClr val="accent2"/>
-                </a:solidFill>
-                <a:effectLst/>
-                <a:latin typeface="Consolas" panose="020B0609020204030204" pitchFamily="49" charset="0"/>
-              </a:rPr>
-              <a:t>keydown</a:t>
-            </a:r>
-            <a:r>
-              <a:rPr lang="en-US" altLang="zh-TW" b="0" dirty="0">
-                <a:solidFill>
-                  <a:srgbClr val="FF0000"/>
-                </a:solidFill>
-                <a:effectLst/>
-                <a:latin typeface="Consolas" panose="020B0609020204030204" pitchFamily="49" charset="0"/>
-              </a:rPr>
-              <a:t>'</a:t>
-            </a:r>
-            <a:r>
-              <a:rPr lang="en-US" altLang="zh-TW" b="0" dirty="0">
-                <a:effectLst/>
-                <a:latin typeface="Consolas" panose="020B0609020204030204" pitchFamily="49" charset="0"/>
-              </a:rPr>
-              <a:t>,</a:t>
-            </a:r>
-            <a:r>
-              <a:rPr lang="en-US" altLang="zh-TW" b="0" dirty="0">
-                <a:solidFill>
-                  <a:srgbClr val="00B0F0"/>
-                </a:solidFill>
-                <a:effectLst/>
-                <a:latin typeface="Consolas" panose="020B0609020204030204" pitchFamily="49" charset="0"/>
-              </a:rPr>
-              <a:t>e</a:t>
-            </a:r>
-            <a:r>
-              <a:rPr lang="en-US" altLang="zh-TW" b="0" dirty="0">
-                <a:solidFill>
-                  <a:srgbClr val="0070C0"/>
-                </a:solidFill>
-                <a:effectLst/>
-                <a:latin typeface="Consolas" panose="020B0609020204030204" pitchFamily="49" charset="0"/>
-              </a:rPr>
-              <a:t>=&gt;</a:t>
-            </a:r>
-            <a:r>
-              <a:rPr lang="en-US" altLang="zh-TW" b="0" dirty="0">
-                <a:effectLst/>
-                <a:latin typeface="Consolas" panose="020B0609020204030204" pitchFamily="49" charset="0"/>
-              </a:rPr>
-              <a:t>{});</a:t>
-            </a:r>
-          </a:p>
-          <a:p>
-            <a:pPr marL="457200" lvl="1" indent="0">
-              <a:buNone/>
-            </a:pPr>
-            <a:r>
-              <a:rPr lang="zh-TW" altLang="en-US" sz="2800" dirty="0">
-                <a:latin typeface="Consolas" panose="020B0609020204030204" pitchFamily="49" charset="0"/>
-              </a:rPr>
-              <a:t>任一按鍵壓下時</a:t>
-            </a:r>
-            <a:endParaRPr lang="en-US" altLang="zh-TW" sz="2800" b="0" dirty="0">
-              <a:effectLst/>
-              <a:latin typeface="Consolas" panose="020B0609020204030204" pitchFamily="49" charset="0"/>
-            </a:endParaRPr>
-          </a:p>
-          <a:p>
-            <a:endParaRPr lang="en-US" altLang="zh-TW" b="0" dirty="0">
-              <a:effectLst/>
-              <a:latin typeface="Consolas" panose="020B0609020204030204" pitchFamily="49" charset="0"/>
-            </a:endParaRPr>
-          </a:p>
-          <a:p>
-            <a:r>
-              <a:rPr lang="en-US" altLang="zh-TW" b="0" dirty="0" err="1">
-                <a:effectLst/>
-                <a:latin typeface="Consolas" panose="020B0609020204030204" pitchFamily="49" charset="0"/>
-              </a:rPr>
-              <a:t>window.addEventListener</a:t>
-            </a:r>
-            <a:r>
-              <a:rPr lang="en-US" altLang="zh-TW" b="0" dirty="0">
-                <a:effectLst/>
-                <a:latin typeface="Consolas" panose="020B0609020204030204" pitchFamily="49" charset="0"/>
-              </a:rPr>
-              <a:t>(</a:t>
-            </a:r>
-            <a:r>
-              <a:rPr lang="en-US" altLang="zh-TW" b="0" dirty="0">
-                <a:solidFill>
-                  <a:srgbClr val="FF0000"/>
-                </a:solidFill>
-                <a:effectLst/>
-                <a:latin typeface="Consolas" panose="020B0609020204030204" pitchFamily="49" charset="0"/>
-              </a:rPr>
-              <a:t>'</a:t>
-            </a:r>
-            <a:r>
-              <a:rPr lang="en-US" altLang="zh-TW" b="0" dirty="0" err="1">
-                <a:solidFill>
-                  <a:schemeClr val="accent2"/>
-                </a:solidFill>
-                <a:effectLst/>
-                <a:latin typeface="Consolas" panose="020B0609020204030204" pitchFamily="49" charset="0"/>
-              </a:rPr>
-              <a:t>keyup</a:t>
-            </a:r>
-            <a:r>
-              <a:rPr lang="en-US" altLang="zh-TW" b="0" dirty="0">
-                <a:solidFill>
-                  <a:srgbClr val="FF0000"/>
-                </a:solidFill>
-                <a:effectLst/>
-                <a:latin typeface="Consolas" panose="020B0609020204030204" pitchFamily="49" charset="0"/>
-              </a:rPr>
-              <a:t>'</a:t>
-            </a:r>
-            <a:r>
-              <a:rPr lang="en-US" altLang="zh-TW" b="0" dirty="0">
-                <a:effectLst/>
-                <a:latin typeface="Consolas" panose="020B0609020204030204" pitchFamily="49" charset="0"/>
-              </a:rPr>
-              <a:t>,</a:t>
-            </a:r>
-            <a:r>
-              <a:rPr lang="en-US" altLang="zh-TW" b="0" dirty="0">
-                <a:solidFill>
-                  <a:srgbClr val="00B0F0"/>
-                </a:solidFill>
-                <a:effectLst/>
-                <a:latin typeface="Consolas" panose="020B0609020204030204" pitchFamily="49" charset="0"/>
-              </a:rPr>
-              <a:t>e</a:t>
-            </a:r>
-            <a:r>
-              <a:rPr lang="en-US" altLang="zh-TW" b="0" dirty="0">
-                <a:solidFill>
-                  <a:srgbClr val="0070C0"/>
-                </a:solidFill>
-                <a:effectLst/>
-                <a:latin typeface="Consolas" panose="020B0609020204030204" pitchFamily="49" charset="0"/>
-              </a:rPr>
-              <a:t>=&gt;</a:t>
-            </a:r>
-            <a:r>
-              <a:rPr lang="en-US" altLang="zh-TW" b="0" dirty="0">
-                <a:effectLst/>
-                <a:latin typeface="Consolas" panose="020B0609020204030204" pitchFamily="49" charset="0"/>
-              </a:rPr>
-              <a:t>{});</a:t>
-            </a:r>
-          </a:p>
-          <a:p>
-            <a:pPr marL="457200" lvl="1" indent="0">
-              <a:buNone/>
-            </a:pPr>
-            <a:r>
-              <a:rPr lang="zh-TW" altLang="en-US" sz="2800" dirty="0">
-                <a:latin typeface="Consolas" panose="020B0609020204030204" pitchFamily="49" charset="0"/>
-              </a:rPr>
-              <a:t>任一按鍵抬起時</a:t>
-            </a:r>
-            <a:endParaRPr lang="en-US" altLang="zh-TW" sz="2800" b="0" dirty="0">
-              <a:effectLst/>
-              <a:latin typeface="Consolas" panose="020B0609020204030204" pitchFamily="49" charset="0"/>
-            </a:endParaRPr>
-          </a:p>
-          <a:p>
-            <a:endParaRPr lang="zh-TW" altLang="en-US" dirty="0"/>
-          </a:p>
-        </p:txBody>
-      </p:sp>
-    </p:spTree>
-    <p:extLst>
-      <p:ext uri="{BB962C8B-B14F-4D97-AF65-F5344CB8AC3E}">
-        <p14:creationId xmlns:p14="http://schemas.microsoft.com/office/powerpoint/2010/main" val="1605329839"/>
-      </p:ext>
-    </p:extLst>
-  </p:cSld>
-  <p:clrMapOvr>
-    <a:masterClrMapping/>
-  </p:clrMapOvr>
-  <mc:AlternateContent xmlns:mc="http://schemas.openxmlformats.org/markup-compatibility/2006">
-    <mc:Choice xmlns:p14="http://schemas.microsoft.com/office/powerpoint/2010/main" Requires="p14">
-      <p:transition spd="slow" p14:dur="1600">
-        <p14:gallery dir="l"/>
-      </p:transition>
-    </mc:Choice>
-    <mc:Fallback>
-      <p:transition spd="slow">
-        <p:fade/>
-      </p:transition>
-    </mc:Fallback>
-  </mc:AlternateContent>
-</p:sld>
-</file>
-
-<file path=ppt/slides/slide12.xml><?xml version="1.0" encoding="utf-8"?>
-<p:sld xmlns:a="http://schemas.openxmlformats.org/drawingml/2006/main" xmlns:r="http://schemas.openxmlformats.org/officeDocument/2006/relationships" xmlns:p="http://schemas.openxmlformats.org/presentationml/2006/main">
-  <p:cSld>
-    <p:spTree>
-      <p:nvGrpSpPr>
-        <p:cNvPr id="1" name=""/>
-        <p:cNvGrpSpPr/>
-        <p:nvPr/>
-      </p:nvGrpSpPr>
-      <p:grpSpPr>
-        <a:xfrm>
-          <a:off x="0" y="0"/>
-          <a:ext cx="0" cy="0"/>
-          <a:chOff x="0" y="0"/>
-          <a:chExt cx="0" cy="0"/>
-        </a:xfrm>
-      </p:grpSpPr>
-      <p:sp>
-        <p:nvSpPr>
-          <p:cNvPr id="2" name="標題 1">
-            <a:extLst>
-              <a:ext uri="{FF2B5EF4-FFF2-40B4-BE49-F238E27FC236}">
-                <a16:creationId xmlns:a16="http://schemas.microsoft.com/office/drawing/2014/main" id="{A074B34E-1C85-44B9-9FC8-6D52C0DE0B6A}"/>
-              </a:ext>
-            </a:extLst>
-          </p:cNvPr>
-          <p:cNvSpPr>
-            <a:spLocks noGrp="1"/>
-          </p:cNvSpPr>
-          <p:nvPr>
-            <p:ph type="title"/>
-          </p:nvPr>
-        </p:nvSpPr>
-        <p:spPr/>
-        <p:txBody>
-          <a:bodyPr/>
-          <a:lstStyle/>
-          <a:p>
-            <a:r>
-              <a:rPr lang="zh-TW" altLang="en-US" dirty="0"/>
-              <a:t>旋轉 </a:t>
-            </a:r>
-            <a:r>
-              <a:rPr lang="en-US" altLang="zh-TW" dirty="0"/>
-              <a:t>&amp;</a:t>
-            </a:r>
-            <a:r>
-              <a:rPr lang="zh-TW" altLang="en-US" dirty="0"/>
-              <a:t> 移動 </a:t>
-            </a:r>
-            <a:r>
-              <a:rPr lang="en-US" altLang="zh-TW" dirty="0"/>
-              <a:t>Canvas</a:t>
-            </a:r>
-            <a:endParaRPr lang="zh-TW" altLang="en-US" dirty="0"/>
-          </a:p>
-        </p:txBody>
-      </p:sp>
-      <p:sp>
-        <p:nvSpPr>
-          <p:cNvPr id="3" name="內容版面配置區 2">
-            <a:extLst>
-              <a:ext uri="{FF2B5EF4-FFF2-40B4-BE49-F238E27FC236}">
-                <a16:creationId xmlns:a16="http://schemas.microsoft.com/office/drawing/2014/main" id="{0D313323-E799-45AA-B2AA-CD5256835E63}"/>
-              </a:ext>
-            </a:extLst>
-          </p:cNvPr>
-          <p:cNvSpPr>
-            <a:spLocks noGrp="1"/>
-          </p:cNvSpPr>
-          <p:nvPr>
-            <p:ph idx="1"/>
-          </p:nvPr>
-        </p:nvSpPr>
         <p:spPr>
           <a:xfrm>
             <a:off x="838200" y="1859079"/>
@@ -4492,12 +3981,12 @@
               <a:buNone/>
             </a:pPr>
             <a:r>
-              <a:rPr lang="zh-TW" altLang="en-US" sz="2800" dirty="0">
+              <a:rPr lang="zh-TW" altLang="en-US" sz="2400" dirty="0">
                 <a:latin typeface="Consolas" panose="020B0609020204030204" pitchFamily="49" charset="0"/>
               </a:rPr>
               <a:t>移動畫布原點</a:t>
             </a:r>
-            <a:endParaRPr lang="en-US" altLang="zh-TW" sz="2800" dirty="0">
+            <a:endParaRPr lang="en-US" altLang="zh-TW" sz="2400" dirty="0">
               <a:latin typeface="Consolas" panose="020B0609020204030204" pitchFamily="49" charset="0"/>
             </a:endParaRPr>
           </a:p>
@@ -4577,7 +4066,7 @@
               <a:rPr lang="en-US" altLang="zh-TW" sz="2800" dirty="0">
                 <a:latin typeface="Consolas" panose="020B0609020204030204" pitchFamily="49" charset="0"/>
               </a:rPr>
-              <a:t>    = Pi / 2</a:t>
+              <a:t>    = PI / 2</a:t>
             </a:r>
           </a:p>
         </p:txBody>
@@ -4748,7 +4237,7 @@
         </p:nvSpPr>
         <p:spPr>
           <a:xfrm>
-            <a:off x="7828493" y="4316427"/>
+            <a:off x="7796697" y="4205470"/>
             <a:ext cx="180000" cy="180000"/>
           </a:xfrm>
           <a:prstGeom prst="ellipse">
@@ -4905,8 +4394,8 @@
         </p:nvSpPr>
         <p:spPr>
           <a:xfrm rot="5400000">
-            <a:off x="7332759" y="3572786"/>
-            <a:ext cx="1120490" cy="179999"/>
+            <a:off x="7367252" y="3538293"/>
+            <a:ext cx="1051504" cy="179999"/>
           </a:xfrm>
           <a:prstGeom prst="rightArrow">
             <a:avLst/>
@@ -5002,7 +4491,7 @@
         </p:nvSpPr>
         <p:spPr>
           <a:xfrm>
-            <a:off x="7983004" y="4275803"/>
+            <a:off x="8051329" y="4045002"/>
             <a:ext cx="1236011" cy="584775"/>
           </a:xfrm>
           <a:prstGeom prst="rect">
@@ -5042,13 +4531,186 @@
   <p:clrMapOvr>
     <a:masterClrMapping/>
   </p:clrMapOvr>
-  <mc:AlternateContent xmlns:mc="http://schemas.openxmlformats.org/markup-compatibility/2006">
-    <mc:Choice xmlns:p14="http://schemas.microsoft.com/office/powerpoint/2010/main" Requires="p14">
+  <mc:AlternateContent xmlns:mc="http://schemas.openxmlformats.org/markup-compatibility/2006" xmlns:p14="http://schemas.microsoft.com/office/powerpoint/2010/main">
+    <mc:Choice Requires="p14">
       <p:transition spd="slow" p14:dur="1600">
         <p14:gallery dir="l"/>
       </p:transition>
     </mc:Choice>
-    <mc:Fallback>
+    <mc:Fallback xmlns="">
+      <p:transition spd="slow">
+        <p:fade/>
+      </p:transition>
+    </mc:Fallback>
+  </mc:AlternateContent>
+</p:sld>
+</file>
+
+<file path=ppt/slides/slide12.xml><?xml version="1.0" encoding="utf-8"?>
+<p:sld xmlns:a="http://schemas.openxmlformats.org/drawingml/2006/main" xmlns:r="http://schemas.openxmlformats.org/officeDocument/2006/relationships" xmlns:p="http://schemas.openxmlformats.org/presentationml/2006/main">
+  <p:cSld>
+    <p:spTree>
+      <p:nvGrpSpPr>
+        <p:cNvPr id="1" name=""/>
+        <p:cNvGrpSpPr/>
+        <p:nvPr/>
+      </p:nvGrpSpPr>
+      <p:grpSpPr>
+        <a:xfrm>
+          <a:off x="0" y="0"/>
+          <a:ext cx="0" cy="0"/>
+          <a:chOff x="0" y="0"/>
+          <a:chExt cx="0" cy="0"/>
+        </a:xfrm>
+      </p:grpSpPr>
+      <p:sp>
+        <p:nvSpPr>
+          <p:cNvPr id="2" name="標題 1">
+            <a:extLst>
+              <a:ext uri="{FF2B5EF4-FFF2-40B4-BE49-F238E27FC236}">
+                <a16:creationId xmlns:a16="http://schemas.microsoft.com/office/drawing/2014/main" id="{A074B34E-1C85-44B9-9FC8-6D52C0DE0B6A}"/>
+              </a:ext>
+            </a:extLst>
+          </p:cNvPr>
+          <p:cNvSpPr>
+            <a:spLocks noGrp="1"/>
+          </p:cNvSpPr>
+          <p:nvPr>
+            <p:ph type="title"/>
+          </p:nvPr>
+        </p:nvSpPr>
+        <p:spPr/>
+        <p:txBody>
+          <a:bodyPr>
+            <a:normAutofit/>
+          </a:bodyPr>
+          <a:lstStyle/>
+          <a:p>
+            <a:r>
+              <a:rPr lang="zh-TW" altLang="en-US" dirty="0"/>
+              <a:t>畫布狀態保存與提取</a:t>
+            </a:r>
+            <a:endParaRPr lang="zh-TW" altLang="en-US" sz="1300" dirty="0"/>
+          </a:p>
+        </p:txBody>
+      </p:sp>
+      <p:sp>
+        <p:nvSpPr>
+          <p:cNvPr id="3" name="內容版面配置區 2">
+            <a:extLst>
+              <a:ext uri="{FF2B5EF4-FFF2-40B4-BE49-F238E27FC236}">
+                <a16:creationId xmlns:a16="http://schemas.microsoft.com/office/drawing/2014/main" id="{0D313323-E799-45AA-B2AA-CD5256835E63}"/>
+              </a:ext>
+            </a:extLst>
+          </p:cNvPr>
+          <p:cNvSpPr>
+            <a:spLocks noGrp="1"/>
+          </p:cNvSpPr>
+          <p:nvPr>
+            <p:ph idx="1"/>
+          </p:nvPr>
+        </p:nvSpPr>
+        <p:spPr/>
+        <p:txBody>
+          <a:bodyPr/>
+          <a:lstStyle/>
+          <a:p>
+            <a:r>
+              <a:rPr lang="en-US" altLang="zh-TW" dirty="0"/>
+              <a:t>save() </a:t>
+            </a:r>
+          </a:p>
+          <a:p>
+            <a:pPr lvl="1">
+              <a:buNone/>
+            </a:pPr>
+            <a:r>
+              <a:rPr lang="zh-TW" altLang="en-US" sz="2400" dirty="0"/>
+              <a:t>儲存當下</a:t>
+            </a:r>
+            <a:r>
+              <a:rPr lang="en-US" altLang="zh-TW" sz="2400" dirty="0"/>
+              <a:t>Canvas</a:t>
+            </a:r>
+            <a:r>
+              <a:rPr lang="zh-TW" altLang="en-US" sz="2400" dirty="0">
+                <a:hlinkClick r:id="rId2"/>
+              </a:rPr>
+              <a:t>設定</a:t>
+            </a:r>
+            <a:endParaRPr lang="en-US" altLang="zh-TW" sz="2400" dirty="0"/>
+          </a:p>
+          <a:p>
+            <a:endParaRPr lang="en-US" altLang="zh-TW" dirty="0"/>
+          </a:p>
+          <a:p>
+            <a:r>
+              <a:rPr lang="en-US" altLang="zh-TW" dirty="0"/>
+              <a:t>restore()</a:t>
+            </a:r>
+          </a:p>
+          <a:p>
+            <a:pPr lvl="1">
+              <a:buNone/>
+            </a:pPr>
+            <a:r>
+              <a:rPr lang="zh-TW" altLang="en-US" sz="2400" dirty="0"/>
+              <a:t>回復最新儲存的</a:t>
+            </a:r>
+            <a:r>
+              <a:rPr lang="zh-TW" altLang="en-US" sz="2400" dirty="0">
+                <a:hlinkClick r:id="rId2"/>
+              </a:rPr>
+              <a:t>設定</a:t>
+            </a:r>
+            <a:endParaRPr lang="en-US" altLang="zh-TW" sz="2400" dirty="0"/>
+          </a:p>
+          <a:p>
+            <a:pPr lvl="1">
+              <a:buNone/>
+            </a:pPr>
+            <a:endParaRPr lang="en-US" altLang="zh-TW" sz="2800" dirty="0"/>
+          </a:p>
+          <a:p>
+            <a:pPr>
+              <a:buNone/>
+            </a:pPr>
+            <a:r>
+              <a:rPr lang="zh-TW" altLang="en-US" sz="2800" dirty="0"/>
+              <a:t>儲存方式 </a:t>
+            </a:r>
+            <a:r>
+              <a:rPr lang="en-US" altLang="zh-TW" sz="2800" dirty="0"/>
+              <a:t>–</a:t>
+            </a:r>
+            <a:r>
+              <a:rPr lang="zh-TW" altLang="en-US" sz="2800" dirty="0"/>
+              <a:t> 先進後出</a:t>
+            </a:r>
+            <a:r>
+              <a:rPr lang="en-US" altLang="zh-TW" sz="2800" dirty="0"/>
+              <a:t>(Stack)</a:t>
+            </a:r>
+          </a:p>
+        </p:txBody>
+      </p:sp>
+    </p:spTree>
+    <p:extLst>
+      <p:ext uri="{BB962C8B-B14F-4D97-AF65-F5344CB8AC3E}">
+        <p14:creationId xmlns:p14="http://schemas.microsoft.com/office/powerpoint/2010/main" val="3646388397"/>
+      </p:ext>
+    </p:extLst>
+  </p:cSld>
+  <p:clrMapOvr>
+    <a:masterClrMapping/>
+  </p:clrMapOvr>
+  <mc:AlternateContent xmlns:mc="http://schemas.openxmlformats.org/markup-compatibility/2006" xmlns:p14="http://schemas.microsoft.com/office/powerpoint/2010/main">
+    <mc:Choice Requires="p14">
+      <p:transition spd="slow" p14:dur="1600">
+        <p14:gallery dir="l"/>
+      </p:transition>
+    </mc:Choice>
+    <mc:Fallback xmlns="">
       <p:transition spd="slow">
         <p:fade/>
       </p:transition>
@@ -5092,16 +4754,13 @@
         </p:nvSpPr>
         <p:spPr/>
         <p:txBody>
-          <a:bodyPr>
-            <a:normAutofit/>
-          </a:bodyPr>
+          <a:bodyPr/>
           <a:lstStyle/>
           <a:p>
             <a:r>
               <a:rPr lang="zh-TW" altLang="en-US" dirty="0"/>
-              <a:t>畫布狀態保存與提取</a:t>
-            </a:r>
-            <a:endParaRPr lang="zh-TW" altLang="en-US" sz="1300" dirty="0"/>
+              <a:t>繪製方塊 實例</a:t>
+            </a:r>
           </a:p>
         </p:txBody>
       </p:sp>
@@ -5126,102 +4785,69 @@
           <a:bodyPr/>
           <a:lstStyle/>
           <a:p>
-            <a:r>
-              <a:rPr lang="en-US" altLang="zh-TW" dirty="0"/>
-              <a:t>save() </a:t>
-            </a:r>
-          </a:p>
-          <a:p>
-            <a:pPr lvl="1">
-              <a:buNone/>
-            </a:pPr>
-            <a:r>
-              <a:rPr lang="zh-TW" altLang="en-US" sz="2800" dirty="0"/>
-              <a:t>儲存當下</a:t>
-            </a:r>
-            <a:r>
-              <a:rPr lang="en-US" altLang="zh-TW" sz="2800" dirty="0"/>
-              <a:t>Canvas</a:t>
-            </a:r>
-            <a:r>
-              <a:rPr lang="zh-TW" altLang="en-US" sz="2800" dirty="0">
-                <a:hlinkClick r:id="rId2"/>
-              </a:rPr>
-              <a:t>設定</a:t>
-            </a:r>
-            <a:endParaRPr lang="en-US" altLang="zh-TW" sz="2800" dirty="0"/>
-          </a:p>
-          <a:p>
-            <a:endParaRPr lang="en-US" altLang="zh-TW" dirty="0"/>
-          </a:p>
-          <a:p>
-            <a:r>
-              <a:rPr lang="en-US" altLang="zh-TW" dirty="0"/>
-              <a:t>restore()</a:t>
-            </a:r>
-          </a:p>
-          <a:p>
-            <a:pPr lvl="1">
-              <a:buNone/>
-            </a:pPr>
-            <a:r>
-              <a:rPr lang="zh-TW" altLang="en-US" sz="2800" dirty="0"/>
-              <a:t>回復最新儲存的</a:t>
-            </a:r>
-            <a:r>
-              <a:rPr lang="zh-TW" altLang="en-US" sz="2800" dirty="0">
-                <a:hlinkClick r:id="rId2"/>
-              </a:rPr>
-              <a:t>設定</a:t>
-            </a:r>
-            <a:endParaRPr lang="en-US" altLang="zh-TW" sz="2800" dirty="0"/>
-          </a:p>
-          <a:p>
-            <a:pPr lvl="1">
-              <a:buNone/>
-            </a:pPr>
-            <a:endParaRPr lang="en-US" altLang="zh-TW" sz="2800" dirty="0"/>
-          </a:p>
-          <a:p>
-            <a:pPr>
-              <a:buNone/>
-            </a:pPr>
-            <a:r>
-              <a:rPr lang="zh-TW" altLang="en-US" sz="2800" dirty="0"/>
-              <a:t>儲存方式 </a:t>
-            </a:r>
-            <a:r>
-              <a:rPr lang="en-US" altLang="zh-TW" sz="2800" dirty="0"/>
-              <a:t>–</a:t>
-            </a:r>
-            <a:r>
-              <a:rPr lang="zh-TW" altLang="en-US" sz="2800" dirty="0"/>
-              <a:t> 先進後出</a:t>
-            </a:r>
-            <a:r>
-              <a:rPr lang="en-US" altLang="zh-TW" sz="2800" dirty="0"/>
-              <a:t>(Stack)</a:t>
-            </a:r>
-          </a:p>
-        </p:txBody>
-      </p:sp>
+            <a:endParaRPr lang="zh-TW" altLang="en-US" dirty="0"/>
+          </a:p>
+        </p:txBody>
+      </p:sp>
+      <p:pic>
+        <p:nvPicPr>
+          <p:cNvPr id="7" name="圖片 6">
+            <a:extLst>
+              <a:ext uri="{FF2B5EF4-FFF2-40B4-BE49-F238E27FC236}">
+                <a16:creationId xmlns:a16="http://schemas.microsoft.com/office/drawing/2014/main" id="{83C6056B-889C-4122-AB24-197137BB7341}"/>
+              </a:ext>
+            </a:extLst>
+          </p:cNvPr>
+          <p:cNvPicPr>
+            <a:picLocks noChangeAspect="1"/>
+          </p:cNvPicPr>
+          <p:nvPr/>
+        </p:nvPicPr>
+        <p:blipFill>
+          <a:blip r:embed="rId2">
+            <a:extLst>
+              <a:ext uri="{BEBA8EAE-BF5A-486C-A8C5-ECC9F3942E4B}">
+                <a14:imgProps xmlns:a14="http://schemas.microsoft.com/office/drawing/2010/main">
+                  <a14:imgLayer r:embed="rId3">
+                    <a14:imgEffect>
+                      <a14:artisticCrisscrossEtching/>
+                    </a14:imgEffect>
+                  </a14:imgLayer>
+                </a14:imgProps>
+              </a:ext>
+            </a:extLst>
+          </a:blip>
+          <a:stretch>
+            <a:fillRect/>
+          </a:stretch>
+        </p:blipFill>
+        <p:spPr>
+          <a:xfrm>
+            <a:off x="3553143" y="1753675"/>
+            <a:ext cx="5085714" cy="4495238"/>
+          </a:xfrm>
+          <a:prstGeom prst="rect">
+            <a:avLst/>
+          </a:prstGeom>
+        </p:spPr>
+      </p:pic>
     </p:spTree>
     <p:extLst>
       <p:ext uri="{BB962C8B-B14F-4D97-AF65-F5344CB8AC3E}">
-        <p14:creationId xmlns:p14="http://schemas.microsoft.com/office/powerpoint/2010/main" val="3646388397"/>
+        <p14:creationId xmlns:p14="http://schemas.microsoft.com/office/powerpoint/2010/main" val="2768352699"/>
       </p:ext>
     </p:extLst>
   </p:cSld>
   <p:clrMapOvr>
     <a:masterClrMapping/>
   </p:clrMapOvr>
-  <mc:AlternateContent xmlns:mc="http://schemas.openxmlformats.org/markup-compatibility/2006">
-    <mc:Choice xmlns:p14="http://schemas.microsoft.com/office/powerpoint/2010/main" Requires="p14">
+  <mc:AlternateContent xmlns:mc="http://schemas.openxmlformats.org/markup-compatibility/2006" xmlns:p14="http://schemas.microsoft.com/office/powerpoint/2010/main">
+    <mc:Choice Requires="p14">
       <p:transition spd="slow" p14:dur="1600">
         <p14:gallery dir="l"/>
       </p:transition>
     </mc:Choice>
-    <mc:Fallback>
+    <mc:Fallback xmlns="">
       <p:transition spd="slow">
         <p:fade/>
       </p:transition>
@@ -5270,49 +4896,26 @@
           <a:p>
             <a:r>
               <a:rPr lang="zh-TW" altLang="en-US" dirty="0"/>
-              <a:t>繪製方塊 實例</a:t>
-            </a:r>
-          </a:p>
-        </p:txBody>
-      </p:sp>
-      <p:sp>
-        <p:nvSpPr>
-          <p:cNvPr id="3" name="內容版面配置區 2">
-            <a:extLst>
-              <a:ext uri="{FF2B5EF4-FFF2-40B4-BE49-F238E27FC236}">
-                <a16:creationId xmlns:a16="http://schemas.microsoft.com/office/drawing/2014/main" id="{0D313323-E799-45AA-B2AA-CD5256835E63}"/>
-              </a:ext>
-            </a:extLst>
-          </p:cNvPr>
-          <p:cNvSpPr>
-            <a:spLocks noGrp="1"/>
-          </p:cNvSpPr>
+              <a:t>三大結構</a:t>
+            </a:r>
+          </a:p>
+        </p:txBody>
+      </p:sp>
+      <p:pic>
+        <p:nvPicPr>
+          <p:cNvPr id="5" name="內容版面配置區 4">
+            <a:extLst>
+              <a:ext uri="{FF2B5EF4-FFF2-40B4-BE49-F238E27FC236}">
+                <a16:creationId xmlns:a16="http://schemas.microsoft.com/office/drawing/2014/main" id="{6B344E0A-32BF-4164-91DF-FF5FD524DEC1}"/>
+              </a:ext>
+            </a:extLst>
+          </p:cNvPr>
+          <p:cNvPicPr>
+            <a:picLocks noGrp="1" noChangeAspect="1"/>
+          </p:cNvPicPr>
           <p:nvPr>
             <p:ph idx="1"/>
           </p:nvPr>
-        </p:nvSpPr>
-        <p:spPr/>
-        <p:txBody>
-          <a:bodyPr/>
-          <a:lstStyle/>
-          <a:p>
-            <a:endParaRPr lang="zh-TW" altLang="en-US" dirty="0"/>
-          </a:p>
-        </p:txBody>
-      </p:sp>
-      <p:pic>
-        <p:nvPicPr>
-          <p:cNvPr id="7" name="圖片 6">
-            <a:extLst>
-              <a:ext uri="{FF2B5EF4-FFF2-40B4-BE49-F238E27FC236}">
-                <a16:creationId xmlns:a16="http://schemas.microsoft.com/office/drawing/2014/main" id="{83C6056B-889C-4122-AB24-197137BB7341}"/>
-              </a:ext>
-            </a:extLst>
-          </p:cNvPr>
-          <p:cNvPicPr>
-            <a:picLocks noChangeAspect="1"/>
-          </p:cNvPicPr>
-          <p:nvPr/>
         </p:nvPicPr>
         <p:blipFill>
           <a:blip r:embed="rId2"/>
@@ -5322,31 +4925,45 @@
         </p:blipFill>
         <p:spPr>
           <a:xfrm>
-            <a:off x="3553143" y="1753675"/>
-            <a:ext cx="5085714" cy="4495238"/>
+            <a:off x="2849764" y="1690688"/>
+            <a:ext cx="6492472" cy="4351338"/>
           </a:xfrm>
-          <a:prstGeom prst="rect">
-            <a:avLst/>
-          </a:prstGeom>
+          <a:ln>
+            <a:noFill/>
+          </a:ln>
+          <a:effectLst>
+            <a:outerShdw blurRad="127000" dist="38100" dir="2700000" algn="ctr">
+              <a:srgbClr val="000000">
+                <a:alpha val="47000"/>
+              </a:srgbClr>
+            </a:outerShdw>
+          </a:effectLst>
+          <a:scene3d>
+            <a:camera prst="orthographicFront"/>
+            <a:lightRig rig="soft" dir="t">
+              <a:rot lat="0" lon="0" rev="0"/>
+            </a:lightRig>
+          </a:scene3d>
+          <a:sp3d prstMaterial="translucentPowder"/>
         </p:spPr>
       </p:pic>
     </p:spTree>
     <p:extLst>
       <p:ext uri="{BB962C8B-B14F-4D97-AF65-F5344CB8AC3E}">
-        <p14:creationId xmlns:p14="http://schemas.microsoft.com/office/powerpoint/2010/main" val="2768352699"/>
+        <p14:creationId xmlns:p14="http://schemas.microsoft.com/office/powerpoint/2010/main" val="1438350840"/>
       </p:ext>
     </p:extLst>
   </p:cSld>
   <p:clrMapOvr>
     <a:masterClrMapping/>
   </p:clrMapOvr>
-  <mc:AlternateContent xmlns:mc="http://schemas.openxmlformats.org/markup-compatibility/2006">
-    <mc:Choice xmlns:p14="http://schemas.microsoft.com/office/powerpoint/2010/main" Requires="p14">
+  <mc:AlternateContent xmlns:mc="http://schemas.openxmlformats.org/markup-compatibility/2006" xmlns:p14="http://schemas.microsoft.com/office/powerpoint/2010/main">
+    <mc:Choice Requires="p14">
       <p:transition spd="slow" p14:dur="1600">
         <p14:gallery dir="l"/>
       </p:transition>
     </mc:Choice>
-    <mc:Fallback>
+    <mc:Fallback xmlns="">
       <p:transition spd="slow">
         <p:fade/>
       </p:transition>
@@ -5374,10 +4991,65 @@
       </p:grpSpPr>
       <p:sp>
         <p:nvSpPr>
-          <p:cNvPr id="2" name="標題 1">
-            <a:extLst>
-              <a:ext uri="{FF2B5EF4-FFF2-40B4-BE49-F238E27FC236}">
-                <a16:creationId xmlns:a16="http://schemas.microsoft.com/office/drawing/2014/main" id="{A074B34E-1C85-44B9-9FC8-6D52C0DE0B6A}"/>
+          <p:cNvPr id="5" name="標題 1">
+            <a:extLst>
+              <a:ext uri="{FF2B5EF4-FFF2-40B4-BE49-F238E27FC236}">
+                <a16:creationId xmlns:a16="http://schemas.microsoft.com/office/drawing/2014/main" id="{6CDCC9EA-6F10-4BEB-AE23-3BCFB9AA0504}"/>
+              </a:ext>
+            </a:extLst>
+          </p:cNvPr>
+          <p:cNvSpPr txBox="1">
+            <a:spLocks/>
+          </p:cNvSpPr>
+          <p:nvPr/>
+        </p:nvSpPr>
+        <p:spPr>
+          <a:xfrm>
+            <a:off x="838200" y="2204514"/>
+            <a:ext cx="10515600" cy="2448971"/>
+          </a:xfrm>
+          <a:prstGeom prst="rect">
+            <a:avLst/>
+          </a:prstGeom>
+        </p:spPr>
+        <p:txBody>
+          <a:bodyPr vert="horz" lIns="91440" tIns="45720" rIns="91440" bIns="45720" rtlCol="0" anchor="ctr">
+            <a:normAutofit/>
+          </a:bodyPr>
+          <a:lstStyle>
+            <a:lvl1pPr algn="ctr" defTabSz="914400" rtl="0" eaLnBrk="1" latinLnBrk="0" hangingPunct="1">
+              <a:lnSpc>
+                <a:spcPct val="90000"/>
+              </a:lnSpc>
+              <a:spcBef>
+                <a:spcPct val="0"/>
+              </a:spcBef>
+              <a:buNone/>
+              <a:defRPr sz="4400" kern="1200" baseline="0">
+                <a:solidFill>
+                  <a:schemeClr val="tx1"/>
+                </a:solidFill>
+                <a:latin typeface="Times New Roman" panose="02020603050405020304" pitchFamily="18" charset="0"/>
+                <a:ea typeface="新細明體" panose="02020500000000000000" pitchFamily="18" charset="-120"/>
+                <a:cs typeface="+mj-cs"/>
+              </a:defRPr>
+            </a:lvl1pPr>
+          </a:lstStyle>
+          <a:p>
+            <a:r>
+              <a:rPr lang="en-US" altLang="zh-TW" sz="10000" dirty="0"/>
+              <a:t>JavaScript</a:t>
+            </a:r>
+            <a:endParaRPr lang="zh-TW" altLang="en-US" sz="10000" dirty="0"/>
+          </a:p>
+        </p:txBody>
+      </p:sp>
+      <p:sp>
+        <p:nvSpPr>
+          <p:cNvPr id="7" name="標題 6">
+            <a:extLst>
+              <a:ext uri="{FF2B5EF4-FFF2-40B4-BE49-F238E27FC236}">
+                <a16:creationId xmlns:a16="http://schemas.microsoft.com/office/drawing/2014/main" id="{6D1AE57A-C5A8-4BF4-953C-9335D0656B7A}"/>
               </a:ext>
             </a:extLst>
           </p:cNvPr>
@@ -5397,48 +5069,23 @@
           </a:p>
         </p:txBody>
       </p:sp>
-      <p:sp>
-        <p:nvSpPr>
-          <p:cNvPr id="3" name="內容版面配置區 2">
-            <a:extLst>
-              <a:ext uri="{FF2B5EF4-FFF2-40B4-BE49-F238E27FC236}">
-                <a16:creationId xmlns:a16="http://schemas.microsoft.com/office/drawing/2014/main" id="{0D313323-E799-45AA-B2AA-CD5256835E63}"/>
-              </a:ext>
-            </a:extLst>
-          </p:cNvPr>
-          <p:cNvSpPr>
-            <a:spLocks noGrp="1"/>
-          </p:cNvSpPr>
-          <p:nvPr>
-            <p:ph idx="1"/>
-          </p:nvPr>
-        </p:nvSpPr>
-        <p:spPr/>
-        <p:txBody>
-          <a:bodyPr/>
-          <a:lstStyle/>
-          <a:p>
-            <a:endParaRPr lang="zh-TW" altLang="en-US"/>
-          </a:p>
-        </p:txBody>
-      </p:sp>
     </p:spTree>
     <p:extLst>
       <p:ext uri="{BB962C8B-B14F-4D97-AF65-F5344CB8AC3E}">
-        <p14:creationId xmlns:p14="http://schemas.microsoft.com/office/powerpoint/2010/main" val="1438350840"/>
+        <p14:creationId xmlns:p14="http://schemas.microsoft.com/office/powerpoint/2010/main" val="4232487272"/>
       </p:ext>
     </p:extLst>
   </p:cSld>
   <p:clrMapOvr>
     <a:masterClrMapping/>
   </p:clrMapOvr>
-  <mc:AlternateContent xmlns:mc="http://schemas.openxmlformats.org/markup-compatibility/2006">
-    <mc:Choice xmlns:p14="http://schemas.microsoft.com/office/powerpoint/2010/main" Requires="p14">
+  <mc:AlternateContent xmlns:mc="http://schemas.openxmlformats.org/markup-compatibility/2006" xmlns:p14="http://schemas.microsoft.com/office/powerpoint/2010/main">
+    <mc:Choice Requires="p14">
       <p:transition spd="slow" p14:dur="1600">
         <p14:gallery dir="l"/>
       </p:transition>
     </mc:Choice>
-    <mc:Fallback>
+    <mc:Fallback xmlns="">
       <p:transition spd="slow">
         <p:fade/>
       </p:transition>
@@ -5485,7 +5132,15 @@
           <a:bodyPr/>
           <a:lstStyle/>
           <a:p>
-            <a:endParaRPr lang="zh-TW" altLang="en-US"/>
+            <a:r>
+              <a:rPr lang="zh-TW" altLang="en-US" dirty="0"/>
+              <a:t>基本</a:t>
+            </a:r>
+            <a:r>
+              <a:rPr lang="en-US" altLang="zh-TW" dirty="0"/>
+              <a:t>JavaScript</a:t>
+            </a:r>
+            <a:endParaRPr lang="zh-TW" altLang="en-US" dirty="0"/>
           </a:p>
         </p:txBody>
       </p:sp>
@@ -5505,32 +5160,711 @@
             <p:ph idx="1"/>
           </p:nvPr>
         </p:nvSpPr>
-        <p:spPr/>
-        <p:txBody>
-          <a:bodyPr/>
+        <p:spPr>
+          <a:solidFill>
+            <a:schemeClr val="accent1">
+              <a:lumMod val="20000"/>
+              <a:lumOff val="80000"/>
+            </a:schemeClr>
+          </a:solidFill>
+        </p:spPr>
+        <p:txBody>
+          <a:bodyPr>
+            <a:normAutofit/>
+          </a:bodyPr>
           <a:lstStyle/>
           <a:p>
-            <a:endParaRPr lang="zh-TW" altLang="en-US"/>
+            <a:r>
+              <a:rPr lang="zh-TW" altLang="en-US" dirty="0"/>
+              <a:t>  </a:t>
+            </a:r>
+            <a:r>
+              <a:rPr lang="en-US" altLang="zh-TW" b="0" dirty="0">
+                <a:solidFill>
+                  <a:srgbClr val="0070C0"/>
+                </a:solidFill>
+                <a:effectLst/>
+                <a:latin typeface="Consolas" panose="020B0609020204030204" pitchFamily="49" charset="0"/>
+              </a:rPr>
+              <a:t>let</a:t>
+            </a:r>
+            <a:r>
+              <a:rPr lang="en-US" altLang="zh-TW" b="0" dirty="0">
+                <a:solidFill>
+                  <a:srgbClr val="D4D4D4"/>
+                </a:solidFill>
+                <a:effectLst/>
+                <a:latin typeface="Consolas" panose="020B0609020204030204" pitchFamily="49" charset="0"/>
+              </a:rPr>
+              <a:t> </a:t>
+            </a:r>
+            <a:r>
+              <a:rPr lang="en-US" altLang="zh-TW" b="0" dirty="0">
+                <a:solidFill>
+                  <a:srgbClr val="00B0F0"/>
+                </a:solidFill>
+                <a:effectLst/>
+                <a:latin typeface="Consolas" panose="020B0609020204030204" pitchFamily="49" charset="0"/>
+              </a:rPr>
+              <a:t>width</a:t>
+            </a:r>
+            <a:r>
+              <a:rPr lang="en-US" altLang="zh-TW" b="0" dirty="0">
+                <a:solidFill>
+                  <a:srgbClr val="D4D4D4"/>
+                </a:solidFill>
+                <a:effectLst/>
+                <a:latin typeface="Consolas" panose="020B0609020204030204" pitchFamily="49" charset="0"/>
+              </a:rPr>
+              <a:t> </a:t>
+            </a:r>
+            <a:r>
+              <a:rPr lang="en-US" altLang="zh-TW" b="0" dirty="0">
+                <a:effectLst/>
+                <a:latin typeface="Consolas" panose="020B0609020204030204" pitchFamily="49" charset="0"/>
+              </a:rPr>
+              <a:t>=</a:t>
+            </a:r>
+            <a:r>
+              <a:rPr lang="en-US" altLang="zh-TW" b="0" dirty="0">
+                <a:solidFill>
+                  <a:srgbClr val="D4D4D4"/>
+                </a:solidFill>
+                <a:effectLst/>
+                <a:latin typeface="Consolas" panose="020B0609020204030204" pitchFamily="49" charset="0"/>
+              </a:rPr>
+              <a:t> </a:t>
+            </a:r>
+            <a:r>
+              <a:rPr lang="en-US" altLang="zh-TW" b="0" dirty="0">
+                <a:solidFill>
+                  <a:srgbClr val="00B050"/>
+                </a:solidFill>
+                <a:effectLst/>
+                <a:latin typeface="Consolas" panose="020B0609020204030204" pitchFamily="49" charset="0"/>
+              </a:rPr>
+              <a:t>5</a:t>
+            </a:r>
+            <a:r>
+              <a:rPr lang="en-US" altLang="zh-TW" b="0" dirty="0">
+                <a:effectLst/>
+                <a:latin typeface="Consolas" panose="020B0609020204030204" pitchFamily="49" charset="0"/>
+              </a:rPr>
+              <a:t>;</a:t>
+            </a:r>
+            <a:r>
+              <a:rPr lang="zh-TW" altLang="en-US" b="0" dirty="0">
+                <a:effectLst/>
+                <a:latin typeface="Consolas" panose="020B0609020204030204" pitchFamily="49" charset="0"/>
+              </a:rPr>
+              <a:t> </a:t>
+            </a:r>
+            <a:r>
+              <a:rPr lang="zh-TW" altLang="en-US" sz="2400" b="0" dirty="0">
+                <a:effectLst/>
+                <a:latin typeface="Consolas" panose="020B0609020204030204" pitchFamily="49" charset="0"/>
+              </a:rPr>
+              <a:t>變數宣告</a:t>
+            </a:r>
+            <a:endParaRPr lang="en-US" altLang="zh-TW" sz="2400" b="0" dirty="0">
+              <a:effectLst/>
+              <a:latin typeface="Consolas" panose="020B0609020204030204" pitchFamily="49" charset="0"/>
+            </a:endParaRPr>
+          </a:p>
+          <a:p>
+            <a:r>
+              <a:rPr lang="zh-TW" altLang="en-US" dirty="0">
+                <a:latin typeface="Consolas" panose="020B0609020204030204" pitchFamily="49" charset="0"/>
+              </a:rPr>
+              <a:t> </a:t>
+            </a:r>
+            <a:r>
+              <a:rPr lang="en-US" altLang="zh-TW" b="0" dirty="0">
+                <a:solidFill>
+                  <a:srgbClr val="0070C0"/>
+                </a:solidFill>
+                <a:effectLst/>
+                <a:latin typeface="Consolas" panose="020B0609020204030204" pitchFamily="49" charset="0"/>
+              </a:rPr>
+              <a:t>let</a:t>
+            </a:r>
+            <a:r>
+              <a:rPr lang="en-US" altLang="zh-TW" b="0" dirty="0">
+                <a:solidFill>
+                  <a:srgbClr val="D4D4D4"/>
+                </a:solidFill>
+                <a:effectLst/>
+                <a:latin typeface="Consolas" panose="020B0609020204030204" pitchFamily="49" charset="0"/>
+              </a:rPr>
+              <a:t> </a:t>
+            </a:r>
+            <a:r>
+              <a:rPr lang="en-US" altLang="zh-TW" b="0" dirty="0">
+                <a:solidFill>
+                  <a:srgbClr val="00B0F0"/>
+                </a:solidFill>
+                <a:effectLst/>
+                <a:latin typeface="Consolas" panose="020B0609020204030204" pitchFamily="49" charset="0"/>
+              </a:rPr>
+              <a:t>map</a:t>
+            </a:r>
+            <a:r>
+              <a:rPr lang="en-US" altLang="zh-TW" b="0" dirty="0">
+                <a:effectLst/>
+                <a:latin typeface="Consolas" panose="020B0609020204030204" pitchFamily="49" charset="0"/>
+              </a:rPr>
+              <a:t> = []; </a:t>
+            </a:r>
+            <a:r>
+              <a:rPr lang="zh-TW" altLang="en-US" sz="2400" b="0" dirty="0">
+                <a:effectLst/>
+                <a:latin typeface="Consolas" panose="020B0609020204030204" pitchFamily="49" charset="0"/>
+              </a:rPr>
+              <a:t>陣列宣告</a:t>
+            </a:r>
+            <a:endParaRPr lang="en-US" altLang="zh-TW" sz="2400" b="0" dirty="0">
+              <a:effectLst/>
+              <a:latin typeface="Consolas" panose="020B0609020204030204" pitchFamily="49" charset="0"/>
+            </a:endParaRPr>
+          </a:p>
+          <a:p>
+            <a:r>
+              <a:rPr lang="en-US" altLang="zh-TW" dirty="0">
+                <a:latin typeface="Consolas" panose="020B0609020204030204" pitchFamily="49" charset="0"/>
+              </a:rPr>
+              <a:t> </a:t>
+            </a:r>
+            <a:r>
+              <a:rPr lang="en-US" altLang="zh-TW" b="0" dirty="0">
+                <a:solidFill>
+                  <a:srgbClr val="0070C0"/>
+                </a:solidFill>
+                <a:effectLst/>
+                <a:latin typeface="Consolas" panose="020B0609020204030204" pitchFamily="49" charset="0"/>
+              </a:rPr>
+              <a:t>let</a:t>
+            </a:r>
+            <a:r>
+              <a:rPr lang="en-US" altLang="zh-TW" b="0" dirty="0">
+                <a:solidFill>
+                  <a:srgbClr val="D4D4D4"/>
+                </a:solidFill>
+                <a:effectLst/>
+                <a:latin typeface="Consolas" panose="020B0609020204030204" pitchFamily="49" charset="0"/>
+              </a:rPr>
+              <a:t> </a:t>
+            </a:r>
+            <a:r>
+              <a:rPr lang="en-US" altLang="zh-TW" b="0" dirty="0">
+                <a:solidFill>
+                  <a:srgbClr val="00B0F0"/>
+                </a:solidFill>
+                <a:effectLst/>
+                <a:latin typeface="Consolas" panose="020B0609020204030204" pitchFamily="49" charset="0"/>
+              </a:rPr>
+              <a:t>bag</a:t>
+            </a:r>
+            <a:r>
+              <a:rPr lang="en-US" altLang="zh-TW" b="0" dirty="0">
+                <a:effectLst/>
+                <a:latin typeface="Consolas" panose="020B0609020204030204" pitchFamily="49" charset="0"/>
+              </a:rPr>
+              <a:t> = {}; </a:t>
+            </a:r>
+            <a:r>
+              <a:rPr lang="zh-TW" altLang="en-US" sz="2400" b="0" i="0" dirty="0">
+                <a:effectLst/>
+                <a:latin typeface="Roboto"/>
+              </a:rPr>
+              <a:t>物件宣</a:t>
+            </a:r>
+            <a:r>
+              <a:rPr lang="zh-TW" altLang="en-US" sz="2400" dirty="0">
+                <a:latin typeface="Roboto"/>
+              </a:rPr>
+              <a:t>告</a:t>
+            </a:r>
+            <a:endParaRPr lang="en-US" altLang="zh-TW" sz="2400" dirty="0"/>
+          </a:p>
+          <a:p>
+            <a:r>
+              <a:rPr lang="zh-TW" altLang="en-US" dirty="0"/>
+              <a:t>  </a:t>
+            </a:r>
+            <a:r>
+              <a:rPr lang="en-US" altLang="zh-TW" b="0" dirty="0">
+                <a:effectLst/>
+                <a:latin typeface="Consolas" panose="020B0609020204030204" pitchFamily="49" charset="0"/>
+              </a:rPr>
+              <a:t>+</a:t>
+            </a:r>
+            <a:r>
+              <a:rPr lang="en-US" altLang="zh-TW" b="0" dirty="0">
+                <a:solidFill>
+                  <a:srgbClr val="00B0F0"/>
+                </a:solidFill>
+                <a:effectLst/>
+                <a:latin typeface="Consolas" panose="020B0609020204030204" pitchFamily="49" charset="0"/>
+              </a:rPr>
+              <a:t>new</a:t>
+            </a:r>
+            <a:r>
+              <a:rPr lang="en-US" altLang="zh-TW" b="0" dirty="0">
+                <a:solidFill>
+                  <a:srgbClr val="D4D4D4"/>
+                </a:solidFill>
+                <a:effectLst/>
+                <a:latin typeface="Consolas" panose="020B0609020204030204" pitchFamily="49" charset="0"/>
+              </a:rPr>
+              <a:t> </a:t>
+            </a:r>
+            <a:r>
+              <a:rPr lang="en-US" altLang="zh-TW" b="0" dirty="0">
+                <a:solidFill>
+                  <a:srgbClr val="00B050"/>
+                </a:solidFill>
+                <a:effectLst/>
+                <a:latin typeface="Consolas" panose="020B0609020204030204" pitchFamily="49" charset="0"/>
+              </a:rPr>
+              <a:t>Date</a:t>
+            </a:r>
+            <a:r>
+              <a:rPr lang="en-US" altLang="zh-TW" b="0" dirty="0">
+                <a:effectLst/>
+                <a:latin typeface="Consolas" panose="020B0609020204030204" pitchFamily="49" charset="0"/>
+              </a:rPr>
+              <a:t>();</a:t>
+            </a:r>
+            <a:r>
+              <a:rPr lang="en-US" altLang="zh-TW" b="0" dirty="0">
+                <a:solidFill>
+                  <a:srgbClr val="D4D4D4"/>
+                </a:solidFill>
+                <a:effectLst/>
+                <a:latin typeface="Consolas" panose="020B0609020204030204" pitchFamily="49" charset="0"/>
+              </a:rPr>
+              <a:t> </a:t>
+            </a:r>
+            <a:r>
+              <a:rPr lang="zh-TW" altLang="en-US" sz="2400" dirty="0"/>
+              <a:t>取得</a:t>
+            </a:r>
+            <a:r>
+              <a:rPr lang="en-US" altLang="zh-TW" sz="2400" dirty="0"/>
+              <a:t>1970</a:t>
+            </a:r>
+            <a:r>
+              <a:rPr lang="zh-TW" altLang="en-US" sz="2400" dirty="0"/>
+              <a:t>年至現在時間</a:t>
+            </a:r>
+            <a:r>
+              <a:rPr lang="en-US" altLang="zh-TW" sz="2400" dirty="0"/>
+              <a:t>(</a:t>
+            </a:r>
+            <a:r>
+              <a:rPr lang="en-US" altLang="zh-TW" sz="2400" dirty="0" err="1">
+                <a:solidFill>
+                  <a:srgbClr val="FF0000"/>
+                </a:solidFill>
+              </a:rPr>
+              <a:t>ms</a:t>
+            </a:r>
+            <a:r>
+              <a:rPr lang="en-US" altLang="zh-TW" sz="2400" dirty="0"/>
+              <a:t>)</a:t>
+            </a:r>
+          </a:p>
+          <a:p>
+            <a:r>
+              <a:rPr lang="zh-TW" altLang="en-US" b="0" dirty="0">
+                <a:effectLst/>
+                <a:latin typeface="Consolas" panose="020B0609020204030204" pitchFamily="49" charset="0"/>
+              </a:rPr>
+              <a:t> </a:t>
+            </a:r>
+            <a:r>
+              <a:rPr lang="en-US" altLang="zh-TW" b="0" dirty="0">
+                <a:solidFill>
+                  <a:srgbClr val="0070C0"/>
+                </a:solidFill>
+                <a:effectLst/>
+                <a:latin typeface="Consolas" panose="020B0609020204030204" pitchFamily="49" charset="0"/>
+              </a:rPr>
+              <a:t>function</a:t>
+            </a:r>
+            <a:r>
+              <a:rPr lang="en-US" altLang="zh-TW" b="0" dirty="0">
+                <a:solidFill>
+                  <a:srgbClr val="D4D4D4"/>
+                </a:solidFill>
+                <a:effectLst/>
+                <a:latin typeface="Consolas" panose="020B0609020204030204" pitchFamily="49" charset="0"/>
+              </a:rPr>
+              <a:t> </a:t>
+            </a:r>
+            <a:r>
+              <a:rPr lang="en-US" altLang="zh-TW" b="0" dirty="0">
+                <a:solidFill>
+                  <a:srgbClr val="FFC000"/>
+                </a:solidFill>
+                <a:effectLst/>
+                <a:latin typeface="Consolas" panose="020B0609020204030204" pitchFamily="49" charset="0"/>
+              </a:rPr>
+              <a:t>name</a:t>
+            </a:r>
+            <a:r>
+              <a:rPr lang="en-US" altLang="zh-TW" b="0" dirty="0">
+                <a:effectLst/>
+                <a:latin typeface="Consolas" panose="020B0609020204030204" pitchFamily="49" charset="0"/>
+              </a:rPr>
+              <a:t>(</a:t>
+            </a:r>
+            <a:r>
+              <a:rPr lang="en-US" altLang="zh-TW" b="0" dirty="0">
+                <a:solidFill>
+                  <a:srgbClr val="00B0F0"/>
+                </a:solidFill>
+                <a:effectLst/>
+                <a:latin typeface="Consolas" panose="020B0609020204030204" pitchFamily="49" charset="0"/>
+              </a:rPr>
+              <a:t>v1</a:t>
+            </a:r>
+            <a:r>
+              <a:rPr lang="en-US" altLang="zh-TW" b="0" dirty="0">
+                <a:effectLst/>
+                <a:latin typeface="Consolas" panose="020B0609020204030204" pitchFamily="49" charset="0"/>
+              </a:rPr>
+              <a:t>,</a:t>
+            </a:r>
+            <a:r>
+              <a:rPr lang="en-US" altLang="zh-TW" b="0" dirty="0">
+                <a:solidFill>
+                  <a:srgbClr val="00B0F0"/>
+                </a:solidFill>
+                <a:effectLst/>
+                <a:latin typeface="Consolas" panose="020B0609020204030204" pitchFamily="49" charset="0"/>
+              </a:rPr>
+              <a:t>v2</a:t>
+            </a:r>
+            <a:r>
+              <a:rPr lang="en-US" altLang="zh-TW" b="0" dirty="0">
+                <a:effectLst/>
+                <a:latin typeface="Consolas" panose="020B0609020204030204" pitchFamily="49" charset="0"/>
+              </a:rPr>
+              <a:t>){}</a:t>
+            </a:r>
+            <a:r>
+              <a:rPr lang="zh-TW" altLang="en-US" b="0" dirty="0">
+                <a:effectLst/>
+                <a:latin typeface="Consolas" panose="020B0609020204030204" pitchFamily="49" charset="0"/>
+              </a:rPr>
+              <a:t> </a:t>
+            </a:r>
+            <a:r>
+              <a:rPr lang="zh-TW" altLang="en-US" sz="2400" dirty="0">
+                <a:latin typeface="Consolas" panose="020B0609020204030204" pitchFamily="49" charset="0"/>
+              </a:rPr>
+              <a:t>基本</a:t>
+            </a:r>
+            <a:r>
+              <a:rPr lang="en-US" altLang="zh-TW" sz="2400" dirty="0">
+                <a:solidFill>
+                  <a:srgbClr val="0070C0"/>
+                </a:solidFill>
+                <a:latin typeface="Consolas" panose="020B0609020204030204" pitchFamily="49" charset="0"/>
+              </a:rPr>
+              <a:t>function</a:t>
+            </a:r>
+            <a:r>
+              <a:rPr lang="zh-TW" altLang="en-US" sz="2400" dirty="0">
+                <a:latin typeface="Consolas" panose="020B0609020204030204" pitchFamily="49" charset="0"/>
+              </a:rPr>
+              <a:t>宣告</a:t>
+            </a:r>
+            <a:endParaRPr lang="en-US" altLang="zh-TW" sz="2400" dirty="0">
+              <a:latin typeface="Consolas" panose="020B0609020204030204" pitchFamily="49" charset="0"/>
+            </a:endParaRPr>
+          </a:p>
+          <a:p>
+            <a:r>
+              <a:rPr lang="zh-TW" altLang="en-US" b="0" dirty="0">
+                <a:effectLst/>
+                <a:latin typeface="Consolas" panose="020B0609020204030204" pitchFamily="49" charset="0"/>
+              </a:rPr>
+              <a:t> </a:t>
+            </a:r>
+            <a:r>
+              <a:rPr lang="en-US" altLang="zh-TW" b="0" dirty="0">
+                <a:solidFill>
+                  <a:srgbClr val="00B0F0"/>
+                </a:solidFill>
+                <a:effectLst/>
+                <a:latin typeface="Consolas" panose="020B0609020204030204" pitchFamily="49" charset="0"/>
+              </a:rPr>
+              <a:t>console</a:t>
+            </a:r>
+            <a:r>
+              <a:rPr lang="en-US" altLang="zh-TW" b="0" dirty="0">
+                <a:effectLst/>
+                <a:latin typeface="Consolas" panose="020B0609020204030204" pitchFamily="49" charset="0"/>
+              </a:rPr>
+              <a:t>.</a:t>
+            </a:r>
+            <a:r>
+              <a:rPr lang="en-US" altLang="zh-TW" b="0" dirty="0">
+                <a:solidFill>
+                  <a:srgbClr val="FFC000"/>
+                </a:solidFill>
+                <a:effectLst/>
+                <a:latin typeface="Consolas" panose="020B0609020204030204" pitchFamily="49" charset="0"/>
+              </a:rPr>
+              <a:t>log</a:t>
+            </a:r>
+            <a:r>
+              <a:rPr lang="en-US" altLang="zh-TW" b="0" dirty="0">
+                <a:effectLst/>
+                <a:latin typeface="Consolas" panose="020B0609020204030204" pitchFamily="49" charset="0"/>
+              </a:rPr>
+              <a:t>(</a:t>
+            </a:r>
+            <a:r>
+              <a:rPr lang="en-US" altLang="zh-TW" b="0" dirty="0">
+                <a:solidFill>
+                  <a:srgbClr val="00B0F0"/>
+                </a:solidFill>
+                <a:effectLst/>
+                <a:latin typeface="Consolas" panose="020B0609020204030204" pitchFamily="49" charset="0"/>
+              </a:rPr>
+              <a:t>width</a:t>
+            </a:r>
+            <a:r>
+              <a:rPr lang="en-US" altLang="zh-TW" b="0" dirty="0">
+                <a:effectLst/>
+                <a:latin typeface="Consolas" panose="020B0609020204030204" pitchFamily="49" charset="0"/>
+              </a:rPr>
+              <a:t>);</a:t>
+            </a:r>
+            <a:r>
+              <a:rPr lang="zh-TW" altLang="en-US" b="0" dirty="0">
+                <a:effectLst/>
+                <a:latin typeface="Consolas" panose="020B0609020204030204" pitchFamily="49" charset="0"/>
+              </a:rPr>
+              <a:t> </a:t>
+            </a:r>
+            <a:r>
+              <a:rPr lang="zh-TW" altLang="en-US" sz="2400" dirty="0">
+                <a:latin typeface="Consolas" panose="020B0609020204030204" pitchFamily="49" charset="0"/>
+              </a:rPr>
+              <a:t>輸出</a:t>
+            </a:r>
+            <a:r>
+              <a:rPr lang="zh-TW" altLang="en-US" sz="2400" dirty="0">
+                <a:solidFill>
+                  <a:srgbClr val="00B0F0"/>
+                </a:solidFill>
+                <a:latin typeface="Consolas" panose="020B0609020204030204" pitchFamily="49" charset="0"/>
+              </a:rPr>
+              <a:t>變數</a:t>
+            </a:r>
+            <a:r>
+              <a:rPr lang="en-US" altLang="zh-TW" sz="2400" dirty="0">
+                <a:latin typeface="Consolas" panose="020B0609020204030204" pitchFamily="49" charset="0"/>
+              </a:rPr>
+              <a:t>/</a:t>
+            </a:r>
+            <a:r>
+              <a:rPr lang="zh-TW" altLang="en-US" sz="2400" dirty="0">
+                <a:solidFill>
+                  <a:srgbClr val="00B0F0"/>
+                </a:solidFill>
+                <a:latin typeface="Consolas" panose="020B0609020204030204" pitchFamily="49" charset="0"/>
+              </a:rPr>
+              <a:t>陣列</a:t>
+            </a:r>
+            <a:r>
+              <a:rPr lang="en-US" altLang="zh-TW" sz="2400" dirty="0">
+                <a:latin typeface="Consolas" panose="020B0609020204030204" pitchFamily="49" charset="0"/>
+              </a:rPr>
+              <a:t>/</a:t>
+            </a:r>
+            <a:r>
+              <a:rPr lang="zh-TW" altLang="en-US" sz="2400" dirty="0">
+                <a:solidFill>
+                  <a:srgbClr val="00B0F0"/>
+                </a:solidFill>
+                <a:latin typeface="Consolas" panose="020B0609020204030204" pitchFamily="49" charset="0"/>
+              </a:rPr>
+              <a:t>物件</a:t>
+            </a:r>
+            <a:r>
+              <a:rPr lang="en-US" altLang="zh-TW" sz="2400" dirty="0">
+                <a:latin typeface="Consolas" panose="020B0609020204030204" pitchFamily="49" charset="0"/>
+              </a:rPr>
+              <a:t>…</a:t>
+            </a:r>
+            <a:r>
+              <a:rPr lang="zh-TW" altLang="en-US" sz="2400" dirty="0">
+                <a:latin typeface="Consolas" panose="020B0609020204030204" pitchFamily="49" charset="0"/>
+              </a:rPr>
+              <a:t>的值</a:t>
+            </a:r>
+            <a:endParaRPr lang="en-US" altLang="zh-TW" sz="2400" dirty="0">
+              <a:latin typeface="Consolas" panose="020B0609020204030204" pitchFamily="49" charset="0"/>
+            </a:endParaRPr>
+          </a:p>
+          <a:p>
+            <a:r>
+              <a:rPr lang="zh-TW" altLang="en-US" b="0" dirty="0">
+                <a:effectLst/>
+                <a:latin typeface="Consolas" panose="020B0609020204030204" pitchFamily="49" charset="0"/>
+              </a:rPr>
+              <a:t> </a:t>
+            </a:r>
+            <a:r>
+              <a:rPr lang="en-US" altLang="zh-TW" b="0" dirty="0" err="1">
+                <a:solidFill>
+                  <a:srgbClr val="00B050"/>
+                </a:solidFill>
+                <a:effectLst/>
+                <a:latin typeface="Consolas" panose="020B0609020204030204" pitchFamily="49" charset="0"/>
+              </a:rPr>
+              <a:t>Object</a:t>
+            </a:r>
+            <a:r>
+              <a:rPr lang="en-US" altLang="zh-TW" b="0" dirty="0" err="1">
+                <a:effectLst/>
+                <a:latin typeface="Consolas" panose="020B0609020204030204" pitchFamily="49" charset="0"/>
+              </a:rPr>
+              <a:t>.</a:t>
+            </a:r>
+            <a:r>
+              <a:rPr lang="en-US" altLang="zh-TW" b="0" dirty="0" err="1">
+                <a:solidFill>
+                  <a:srgbClr val="FFC000"/>
+                </a:solidFill>
+                <a:effectLst/>
+                <a:latin typeface="Consolas" panose="020B0609020204030204" pitchFamily="49" charset="0"/>
+              </a:rPr>
+              <a:t>assign</a:t>
+            </a:r>
+            <a:r>
+              <a:rPr lang="en-US" altLang="zh-TW" b="0" dirty="0">
+                <a:effectLst/>
+                <a:latin typeface="Consolas" panose="020B0609020204030204" pitchFamily="49" charset="0"/>
+              </a:rPr>
+              <a:t>(</a:t>
+            </a:r>
+            <a:r>
+              <a:rPr lang="en-US" altLang="zh-TW" b="0" dirty="0">
+                <a:solidFill>
+                  <a:srgbClr val="00B0F0"/>
+                </a:solidFill>
+                <a:effectLst/>
+                <a:latin typeface="Consolas" panose="020B0609020204030204" pitchFamily="49" charset="0"/>
+              </a:rPr>
+              <a:t>A</a:t>
+            </a:r>
+            <a:r>
+              <a:rPr lang="en-US" altLang="zh-TW" b="0" dirty="0">
+                <a:effectLst/>
+                <a:latin typeface="Consolas" panose="020B0609020204030204" pitchFamily="49" charset="0"/>
+              </a:rPr>
+              <a:t>,</a:t>
+            </a:r>
+            <a:r>
+              <a:rPr lang="en-US" altLang="zh-TW" dirty="0">
+                <a:solidFill>
+                  <a:srgbClr val="00B0F0"/>
+                </a:solidFill>
+                <a:latin typeface="Consolas" panose="020B0609020204030204" pitchFamily="49" charset="0"/>
+              </a:rPr>
+              <a:t>B</a:t>
+            </a:r>
+            <a:r>
+              <a:rPr lang="en-US" altLang="zh-TW" b="0" dirty="0">
+                <a:effectLst/>
+                <a:latin typeface="Consolas" panose="020B0609020204030204" pitchFamily="49" charset="0"/>
+              </a:rPr>
+              <a:t>);</a:t>
+            </a:r>
+            <a:r>
+              <a:rPr lang="zh-TW" altLang="en-US" b="0" dirty="0">
+                <a:effectLst/>
+                <a:latin typeface="Consolas" panose="020B0609020204030204" pitchFamily="49" charset="0"/>
+              </a:rPr>
+              <a:t> </a:t>
+            </a:r>
+            <a:r>
+              <a:rPr lang="zh-TW" altLang="en-US" sz="2400" dirty="0">
+                <a:latin typeface="Consolas" panose="020B0609020204030204" pitchFamily="49" charset="0"/>
+              </a:rPr>
+              <a:t>把</a:t>
+            </a:r>
+            <a:r>
+              <a:rPr lang="en-US" altLang="zh-TW" sz="2400" dirty="0">
+                <a:solidFill>
+                  <a:srgbClr val="00B0F0"/>
+                </a:solidFill>
+                <a:latin typeface="Consolas" panose="020B0609020204030204" pitchFamily="49" charset="0"/>
+              </a:rPr>
+              <a:t>B</a:t>
+            </a:r>
+            <a:r>
+              <a:rPr lang="zh-TW" altLang="en-US" sz="2400" dirty="0">
+                <a:latin typeface="Consolas" panose="020B0609020204030204" pitchFamily="49" charset="0"/>
+              </a:rPr>
+              <a:t>的屬性替換</a:t>
+            </a:r>
+            <a:r>
+              <a:rPr lang="en-US" altLang="zh-TW" sz="2400" dirty="0">
+                <a:latin typeface="Consolas" panose="020B0609020204030204" pitchFamily="49" charset="0"/>
+              </a:rPr>
+              <a:t>/</a:t>
+            </a:r>
+            <a:r>
+              <a:rPr lang="zh-TW" altLang="en-US" sz="2400" dirty="0">
+                <a:latin typeface="Consolas" panose="020B0609020204030204" pitchFamily="49" charset="0"/>
+              </a:rPr>
+              <a:t>加入</a:t>
+            </a:r>
+            <a:r>
+              <a:rPr lang="en-US" altLang="zh-TW" sz="2400" dirty="0">
+                <a:solidFill>
+                  <a:srgbClr val="00B0F0"/>
+                </a:solidFill>
+                <a:latin typeface="Consolas" panose="020B0609020204030204" pitchFamily="49" charset="0"/>
+              </a:rPr>
+              <a:t>A</a:t>
+            </a:r>
+            <a:r>
+              <a:rPr lang="zh-TW" altLang="en-US" sz="2400" dirty="0">
+                <a:latin typeface="Consolas" panose="020B0609020204030204" pitchFamily="49" charset="0"/>
+              </a:rPr>
+              <a:t>之中</a:t>
+            </a:r>
+            <a:endParaRPr lang="en-US" altLang="zh-TW" sz="2400" dirty="0">
+              <a:latin typeface="Consolas" panose="020B0609020204030204" pitchFamily="49" charset="0"/>
+            </a:endParaRPr>
           </a:p>
         </p:txBody>
       </p:sp>
     </p:spTree>
     <p:extLst>
       <p:ext uri="{BB962C8B-B14F-4D97-AF65-F5344CB8AC3E}">
-        <p14:creationId xmlns:p14="http://schemas.microsoft.com/office/powerpoint/2010/main" val="4232487272"/>
+        <p14:creationId xmlns:p14="http://schemas.microsoft.com/office/powerpoint/2010/main" val="490627838"/>
       </p:ext>
     </p:extLst>
   </p:cSld>
   <p:clrMapOvr>
     <a:masterClrMapping/>
   </p:clrMapOvr>
-  <mc:AlternateContent xmlns:mc="http://schemas.openxmlformats.org/markup-compatibility/2006">
-    <mc:Choice xmlns:p14="http://schemas.microsoft.com/office/powerpoint/2010/main" Requires="p14">
+  <mc:AlternateContent xmlns:mc="http://schemas.openxmlformats.org/markup-compatibility/2006" xmlns:p14="http://schemas.microsoft.com/office/powerpoint/2010/main">
+    <mc:Choice Requires="p14">
       <p:transition spd="slow" p14:dur="1600">
         <p14:gallery dir="l"/>
       </p:transition>
     </mc:Choice>
-    <mc:Fallback>
+    <mc:Fallback xmlns="">
       <p:transition spd="slow">
         <p:fade/>
       </p:transition>
@@ -5561,7 +5895,7 @@
           <p:cNvPr id="2" name="標題 1">
             <a:extLst>
               <a:ext uri="{FF2B5EF4-FFF2-40B4-BE49-F238E27FC236}">
-                <a16:creationId xmlns:a16="http://schemas.microsoft.com/office/drawing/2014/main" id="{A074B34E-1C85-44B9-9FC8-6D52C0DE0B6A}"/>
+                <a16:creationId xmlns:a16="http://schemas.microsoft.com/office/drawing/2014/main" id="{3D65975A-120E-4B2F-BB63-BAFCCFFB8102}"/>
               </a:ext>
             </a:extLst>
           </p:cNvPr>
@@ -5577,7 +5911,14 @@
           <a:bodyPr/>
           <a:lstStyle/>
           <a:p>
-            <a:endParaRPr lang="zh-TW" altLang="en-US"/>
+            <a:r>
+              <a:rPr lang="en-US" altLang="zh-TW" dirty="0"/>
+              <a:t>JS </a:t>
+            </a:r>
+            <a:r>
+              <a:rPr lang="zh-TW" altLang="en-US" dirty="0"/>
+              <a:t>數學函示</a:t>
+            </a:r>
           </a:p>
         </p:txBody>
       </p:sp>
@@ -5586,7 +5927,7 @@
           <p:cNvPr id="3" name="內容版面配置區 2">
             <a:extLst>
               <a:ext uri="{FF2B5EF4-FFF2-40B4-BE49-F238E27FC236}">
-                <a16:creationId xmlns:a16="http://schemas.microsoft.com/office/drawing/2014/main" id="{0D313323-E799-45AA-B2AA-CD5256835E63}"/>
+                <a16:creationId xmlns:a16="http://schemas.microsoft.com/office/drawing/2014/main" id="{06824F2C-06B0-4182-8D53-EA7064E6BC1E}"/>
               </a:ext>
             </a:extLst>
           </p:cNvPr>
@@ -5609,20 +5950,20 @@
     </p:spTree>
     <p:extLst>
       <p:ext uri="{BB962C8B-B14F-4D97-AF65-F5344CB8AC3E}">
-        <p14:creationId xmlns:p14="http://schemas.microsoft.com/office/powerpoint/2010/main" val="490627838"/>
+        <p14:creationId xmlns:p14="http://schemas.microsoft.com/office/powerpoint/2010/main" val="1008869224"/>
       </p:ext>
     </p:extLst>
   </p:cSld>
   <p:clrMapOvr>
     <a:masterClrMapping/>
   </p:clrMapOvr>
-  <mc:AlternateContent xmlns:mc="http://schemas.openxmlformats.org/markup-compatibility/2006">
-    <mc:Choice xmlns:p14="http://schemas.microsoft.com/office/powerpoint/2010/main" Requires="p14">
+  <mc:AlternateContent xmlns:mc="http://schemas.openxmlformats.org/markup-compatibility/2006" xmlns:p14="http://schemas.microsoft.com/office/powerpoint/2010/main">
+    <mc:Choice Requires="p14">
       <p:transition spd="slow" p14:dur="1600">
         <p14:gallery dir="l"/>
       </p:transition>
     </mc:Choice>
-    <mc:Fallback>
+    <mc:Fallback xmlns="">
       <p:transition spd="slow">
         <p:fade/>
       </p:transition>
@@ -5653,7 +5994,7 @@
           <p:cNvPr id="2" name="標題 1">
             <a:extLst>
               <a:ext uri="{FF2B5EF4-FFF2-40B4-BE49-F238E27FC236}">
-                <a16:creationId xmlns:a16="http://schemas.microsoft.com/office/drawing/2014/main" id="{A074B34E-1C85-44B9-9FC8-6D52C0DE0B6A}"/>
+                <a16:creationId xmlns:a16="http://schemas.microsoft.com/office/drawing/2014/main" id="{9F469B3A-806B-4D17-B0DA-BFE3E0946D48}"/>
               </a:ext>
             </a:extLst>
           </p:cNvPr>
@@ -5669,7 +6010,11 @@
           <a:bodyPr/>
           <a:lstStyle/>
           <a:p>
-            <a:endParaRPr lang="zh-TW" altLang="en-US"/>
+            <a:r>
+              <a:rPr lang="en-US" altLang="zh-TW" dirty="0"/>
+              <a:t>JS - Array</a:t>
+            </a:r>
+            <a:endParaRPr lang="zh-TW" altLang="en-US" dirty="0"/>
           </a:p>
         </p:txBody>
       </p:sp>
@@ -5678,7 +6023,7 @@
           <p:cNvPr id="3" name="內容版面配置區 2">
             <a:extLst>
               <a:ext uri="{FF2B5EF4-FFF2-40B4-BE49-F238E27FC236}">
-                <a16:creationId xmlns:a16="http://schemas.microsoft.com/office/drawing/2014/main" id="{0D313323-E799-45AA-B2AA-CD5256835E63}"/>
+                <a16:creationId xmlns:a16="http://schemas.microsoft.com/office/drawing/2014/main" id="{E7A17344-4932-4DFD-940E-E4014EC2ED1C}"/>
               </a:ext>
             </a:extLst>
           </p:cNvPr>
@@ -5689,32 +6034,909 @@
             <p:ph idx="1"/>
           </p:nvPr>
         </p:nvSpPr>
-        <p:spPr/>
-        <p:txBody>
-          <a:bodyPr/>
+        <p:spPr>
+          <a:xfrm>
+            <a:off x="220133" y="1524000"/>
+            <a:ext cx="11463867" cy="4652963"/>
+          </a:xfrm>
+          <a:solidFill>
+            <a:schemeClr val="accent1">
+              <a:lumMod val="20000"/>
+              <a:lumOff val="80000"/>
+            </a:schemeClr>
+          </a:solidFill>
+        </p:spPr>
+        <p:txBody>
+          <a:bodyPr>
+            <a:normAutofit lnSpcReduction="10000"/>
+          </a:bodyPr>
           <a:lstStyle/>
           <a:p>
-            <a:endParaRPr lang="zh-TW" altLang="en-US"/>
+            <a:r>
+              <a:rPr lang="en-US" altLang="zh-TW" dirty="0"/>
+              <a:t> </a:t>
+            </a:r>
+            <a:r>
+              <a:rPr lang="zh-TW" altLang="en-US" dirty="0"/>
+              <a:t> </a:t>
+            </a:r>
+            <a:r>
+              <a:rPr lang="en-US" altLang="zh-TW" b="0" dirty="0">
+                <a:solidFill>
+                  <a:srgbClr val="0070C0"/>
+                </a:solidFill>
+                <a:effectLst/>
+                <a:latin typeface="Consolas" panose="020B0609020204030204" pitchFamily="49" charset="0"/>
+              </a:rPr>
+              <a:t>let</a:t>
+            </a:r>
+            <a:r>
+              <a:rPr lang="en-US" altLang="zh-TW" b="0" dirty="0">
+                <a:solidFill>
+                  <a:srgbClr val="D4D4D4"/>
+                </a:solidFill>
+                <a:effectLst/>
+                <a:latin typeface="Consolas" panose="020B0609020204030204" pitchFamily="49" charset="0"/>
+              </a:rPr>
+              <a:t> </a:t>
+            </a:r>
+            <a:r>
+              <a:rPr lang="en-US" altLang="zh-TW" b="0" dirty="0">
+                <a:solidFill>
+                  <a:srgbClr val="00B0F0"/>
+                </a:solidFill>
+                <a:effectLst/>
+                <a:latin typeface="Consolas" panose="020B0609020204030204" pitchFamily="49" charset="0"/>
+              </a:rPr>
+              <a:t>Array</a:t>
+            </a:r>
+            <a:r>
+              <a:rPr lang="en-US" altLang="zh-TW" b="0" dirty="0">
+                <a:solidFill>
+                  <a:srgbClr val="D4D4D4"/>
+                </a:solidFill>
+                <a:effectLst/>
+                <a:latin typeface="Consolas" panose="020B0609020204030204" pitchFamily="49" charset="0"/>
+              </a:rPr>
+              <a:t> </a:t>
+            </a:r>
+            <a:r>
+              <a:rPr lang="en-US" altLang="zh-TW" b="0" dirty="0">
+                <a:effectLst/>
+                <a:latin typeface="Consolas" panose="020B0609020204030204" pitchFamily="49" charset="0"/>
+              </a:rPr>
+              <a:t>=</a:t>
+            </a:r>
+            <a:r>
+              <a:rPr lang="en-US" altLang="zh-TW" b="0" dirty="0">
+                <a:solidFill>
+                  <a:srgbClr val="D4D4D4"/>
+                </a:solidFill>
+                <a:effectLst/>
+                <a:latin typeface="Consolas" panose="020B0609020204030204" pitchFamily="49" charset="0"/>
+              </a:rPr>
+              <a:t> </a:t>
+            </a:r>
+            <a:r>
+              <a:rPr lang="en-US" altLang="zh-TW" b="0" dirty="0">
+                <a:effectLst/>
+                <a:latin typeface="Consolas" panose="020B0609020204030204" pitchFamily="49" charset="0"/>
+              </a:rPr>
+              <a:t>[</a:t>
+            </a:r>
+            <a:r>
+              <a:rPr lang="en-US" altLang="zh-TW" b="0" dirty="0">
+                <a:solidFill>
+                  <a:srgbClr val="00B050"/>
+                </a:solidFill>
+                <a:effectLst/>
+                <a:latin typeface="Consolas" panose="020B0609020204030204" pitchFamily="49" charset="0"/>
+              </a:rPr>
+              <a:t>1</a:t>
+            </a:r>
+            <a:r>
+              <a:rPr lang="en-US" altLang="zh-TW" b="0" dirty="0">
+                <a:effectLst/>
+                <a:latin typeface="Consolas" panose="020B0609020204030204" pitchFamily="49" charset="0"/>
+              </a:rPr>
+              <a:t>,</a:t>
+            </a:r>
+            <a:r>
+              <a:rPr lang="en-US" altLang="zh-TW" b="0" dirty="0">
+                <a:solidFill>
+                  <a:srgbClr val="00B050"/>
+                </a:solidFill>
+                <a:effectLst/>
+                <a:latin typeface="Consolas" panose="020B0609020204030204" pitchFamily="49" charset="0"/>
+              </a:rPr>
+              <a:t>2</a:t>
+            </a:r>
+            <a:r>
+              <a:rPr lang="en-US" altLang="zh-TW" b="0" dirty="0">
+                <a:effectLst/>
+                <a:latin typeface="Consolas" panose="020B0609020204030204" pitchFamily="49" charset="0"/>
+              </a:rPr>
+              <a:t>,</a:t>
+            </a:r>
+            <a:r>
+              <a:rPr lang="en-US" altLang="zh-TW" b="0" dirty="0">
+                <a:solidFill>
+                  <a:srgbClr val="00B050"/>
+                </a:solidFill>
+                <a:effectLst/>
+                <a:latin typeface="Consolas" panose="020B0609020204030204" pitchFamily="49" charset="0"/>
+              </a:rPr>
+              <a:t>3</a:t>
+            </a:r>
+            <a:r>
+              <a:rPr lang="en-US" altLang="zh-TW" b="0" dirty="0">
+                <a:effectLst/>
+                <a:latin typeface="Consolas" panose="020B0609020204030204" pitchFamily="49" charset="0"/>
+              </a:rPr>
+              <a:t>,</a:t>
+            </a:r>
+            <a:r>
+              <a:rPr lang="en-US" altLang="zh-TW" b="0" dirty="0">
+                <a:solidFill>
+                  <a:srgbClr val="00B050"/>
+                </a:solidFill>
+                <a:effectLst/>
+                <a:latin typeface="Consolas" panose="020B0609020204030204" pitchFamily="49" charset="0"/>
+              </a:rPr>
+              <a:t>4</a:t>
+            </a:r>
+            <a:r>
+              <a:rPr lang="en-US" altLang="zh-TW" b="0" dirty="0">
+                <a:effectLst/>
+                <a:latin typeface="Consolas" panose="020B0609020204030204" pitchFamily="49" charset="0"/>
+              </a:rPr>
+              <a:t>,</a:t>
+            </a:r>
+            <a:r>
+              <a:rPr lang="en-US" altLang="zh-TW" b="0" dirty="0">
+                <a:solidFill>
+                  <a:srgbClr val="00B050"/>
+                </a:solidFill>
+                <a:effectLst/>
+                <a:latin typeface="Consolas" panose="020B0609020204030204" pitchFamily="49" charset="0"/>
+              </a:rPr>
+              <a:t>5</a:t>
+            </a:r>
+            <a:r>
+              <a:rPr lang="en-US" altLang="zh-TW" b="0" dirty="0">
+                <a:effectLst/>
+                <a:latin typeface="Consolas" panose="020B0609020204030204" pitchFamily="49" charset="0"/>
+              </a:rPr>
+              <a:t>,</a:t>
+            </a:r>
+            <a:r>
+              <a:rPr lang="en-US" altLang="zh-TW" b="0" dirty="0">
+                <a:solidFill>
+                  <a:srgbClr val="00B050"/>
+                </a:solidFill>
+                <a:effectLst/>
+                <a:latin typeface="Consolas" panose="020B0609020204030204" pitchFamily="49" charset="0"/>
+              </a:rPr>
+              <a:t>6</a:t>
+            </a:r>
+            <a:r>
+              <a:rPr lang="en-US" altLang="zh-TW" b="0" dirty="0">
+                <a:effectLst/>
+                <a:latin typeface="Consolas" panose="020B0609020204030204" pitchFamily="49" charset="0"/>
+              </a:rPr>
+              <a:t>]; </a:t>
+            </a:r>
+          </a:p>
+          <a:p>
+            <a:pPr lvl="1">
+              <a:buNone/>
+            </a:pPr>
+            <a:r>
+              <a:rPr lang="en-US" altLang="zh-TW" sz="2400" b="0" dirty="0">
+                <a:solidFill>
+                  <a:srgbClr val="00B050"/>
+                </a:solidFill>
+                <a:effectLst/>
+                <a:latin typeface="Consolas" panose="020B0609020204030204" pitchFamily="49" charset="0"/>
+              </a:rPr>
+              <a:t>	</a:t>
+            </a:r>
+            <a:r>
+              <a:rPr lang="zh-TW" altLang="en-US" sz="2400" b="0" dirty="0">
+                <a:solidFill>
+                  <a:srgbClr val="00B050"/>
+                </a:solidFill>
+                <a:effectLst/>
+                <a:latin typeface="Consolas" panose="020B0609020204030204" pitchFamily="49" charset="0"/>
+              </a:rPr>
+              <a:t>索引值從</a:t>
+            </a:r>
+            <a:r>
+              <a:rPr lang="en-US" altLang="zh-TW" sz="2400" b="0" dirty="0">
+                <a:solidFill>
+                  <a:srgbClr val="00B050"/>
+                </a:solidFill>
+                <a:effectLst/>
+                <a:latin typeface="Consolas" panose="020B0609020204030204" pitchFamily="49" charset="0"/>
+              </a:rPr>
+              <a:t>0</a:t>
+            </a:r>
+            <a:r>
+              <a:rPr lang="zh-TW" altLang="en-US" sz="2400" b="0" dirty="0">
+                <a:solidFill>
+                  <a:srgbClr val="00B050"/>
+                </a:solidFill>
+                <a:effectLst/>
+                <a:latin typeface="Consolas" panose="020B0609020204030204" pitchFamily="49" charset="0"/>
+              </a:rPr>
+              <a:t>開始</a:t>
+            </a:r>
+          </a:p>
+          <a:p>
+            <a:r>
+              <a:rPr lang="zh-TW" altLang="en-US" b="0" dirty="0">
+                <a:effectLst/>
+                <a:latin typeface="Consolas" panose="020B0609020204030204" pitchFamily="49" charset="0"/>
+              </a:rPr>
+              <a:t> </a:t>
+            </a:r>
+            <a:r>
+              <a:rPr lang="en-US" altLang="zh-TW" b="0" dirty="0">
+                <a:solidFill>
+                  <a:srgbClr val="0070C0"/>
+                </a:solidFill>
+                <a:effectLst/>
+                <a:latin typeface="Consolas" panose="020B0609020204030204" pitchFamily="49" charset="0"/>
+              </a:rPr>
+              <a:t>let</a:t>
+            </a:r>
+            <a:r>
+              <a:rPr lang="en-US" altLang="zh-TW" b="0" dirty="0">
+                <a:solidFill>
+                  <a:srgbClr val="D4D4D4"/>
+                </a:solidFill>
+                <a:effectLst/>
+                <a:latin typeface="Consolas" panose="020B0609020204030204" pitchFamily="49" charset="0"/>
+              </a:rPr>
+              <a:t> </a:t>
+            </a:r>
+            <a:r>
+              <a:rPr lang="en-US" altLang="zh-TW" b="0" dirty="0">
+                <a:solidFill>
+                  <a:srgbClr val="00B0F0"/>
+                </a:solidFill>
+                <a:effectLst/>
+                <a:latin typeface="Consolas" panose="020B0609020204030204" pitchFamily="49" charset="0"/>
+              </a:rPr>
+              <a:t>Len</a:t>
+            </a:r>
+            <a:r>
+              <a:rPr lang="en-US" altLang="zh-TW" b="0" dirty="0">
+                <a:solidFill>
+                  <a:srgbClr val="D4D4D4"/>
+                </a:solidFill>
+                <a:effectLst/>
+                <a:latin typeface="Consolas" panose="020B0609020204030204" pitchFamily="49" charset="0"/>
+              </a:rPr>
+              <a:t> </a:t>
+            </a:r>
+            <a:r>
+              <a:rPr lang="en-US" altLang="zh-TW" b="0" dirty="0">
+                <a:effectLst/>
+                <a:latin typeface="Consolas" panose="020B0609020204030204" pitchFamily="49" charset="0"/>
+              </a:rPr>
+              <a:t>=</a:t>
+            </a:r>
+            <a:r>
+              <a:rPr lang="en-US" altLang="zh-TW" b="0" dirty="0">
+                <a:solidFill>
+                  <a:srgbClr val="D4D4D4"/>
+                </a:solidFill>
+                <a:effectLst/>
+                <a:latin typeface="Consolas" panose="020B0609020204030204" pitchFamily="49" charset="0"/>
+              </a:rPr>
+              <a:t> </a:t>
+            </a:r>
+            <a:r>
+              <a:rPr lang="en-US" altLang="zh-TW" b="0" dirty="0" err="1">
+                <a:solidFill>
+                  <a:schemeClr val="accent6"/>
+                </a:solidFill>
+                <a:effectLst/>
+                <a:latin typeface="Consolas" panose="020B0609020204030204" pitchFamily="49" charset="0"/>
+              </a:rPr>
+              <a:t>Array</a:t>
+            </a:r>
+            <a:r>
+              <a:rPr lang="en-US" altLang="zh-TW" b="0" dirty="0" err="1">
+                <a:effectLst/>
+                <a:latin typeface="Consolas" panose="020B0609020204030204" pitchFamily="49" charset="0"/>
+              </a:rPr>
+              <a:t>.</a:t>
+            </a:r>
+            <a:r>
+              <a:rPr lang="en-US" altLang="zh-TW" b="0" dirty="0" err="1">
+                <a:solidFill>
+                  <a:srgbClr val="4FC1FF"/>
+                </a:solidFill>
+                <a:effectLst/>
+                <a:latin typeface="Consolas" panose="020B0609020204030204" pitchFamily="49" charset="0"/>
+              </a:rPr>
+              <a:t>length</a:t>
+            </a:r>
+            <a:r>
+              <a:rPr lang="en-US" altLang="zh-TW" b="0" dirty="0">
+                <a:effectLst/>
+                <a:latin typeface="Consolas" panose="020B0609020204030204" pitchFamily="49" charset="0"/>
+              </a:rPr>
+              <a:t>;</a:t>
+            </a:r>
+          </a:p>
+          <a:p>
+            <a:pPr lvl="1">
+              <a:buNone/>
+            </a:pPr>
+            <a:r>
+              <a:rPr lang="en-US" altLang="zh-TW" sz="2400" b="0" dirty="0">
+                <a:solidFill>
+                  <a:srgbClr val="00B050"/>
+                </a:solidFill>
+                <a:effectLst/>
+                <a:latin typeface="Consolas" panose="020B0609020204030204" pitchFamily="49" charset="0"/>
+              </a:rPr>
+              <a:t>	</a:t>
+            </a:r>
+            <a:r>
+              <a:rPr lang="zh-TW" altLang="en-US" sz="2400" b="0" dirty="0">
+                <a:solidFill>
+                  <a:srgbClr val="00B050"/>
+                </a:solidFill>
+                <a:effectLst/>
+                <a:latin typeface="Consolas" panose="020B0609020204030204" pitchFamily="49" charset="0"/>
+              </a:rPr>
+              <a:t>取得</a:t>
+            </a:r>
+            <a:r>
+              <a:rPr lang="en-US" altLang="zh-TW" sz="2400" b="0" dirty="0">
+                <a:solidFill>
+                  <a:srgbClr val="00B050"/>
+                </a:solidFill>
+                <a:effectLst/>
+                <a:latin typeface="Consolas" panose="020B0609020204030204" pitchFamily="49" charset="0"/>
+              </a:rPr>
+              <a:t>Array</a:t>
+            </a:r>
+            <a:r>
+              <a:rPr lang="zh-TW" altLang="en-US" sz="2400" b="0" dirty="0">
+                <a:solidFill>
+                  <a:srgbClr val="00B050"/>
+                </a:solidFill>
+                <a:effectLst/>
+                <a:latin typeface="Consolas" panose="020B0609020204030204" pitchFamily="49" charset="0"/>
+              </a:rPr>
+              <a:t>長度</a:t>
+            </a:r>
+          </a:p>
+          <a:p>
+            <a:r>
+              <a:rPr lang="zh-TW" altLang="en-US" b="0" dirty="0">
+                <a:effectLst/>
+                <a:latin typeface="Consolas" panose="020B0609020204030204" pitchFamily="49" charset="0"/>
+              </a:rPr>
+              <a:t> </a:t>
+            </a:r>
+            <a:r>
+              <a:rPr lang="en-US" altLang="zh-TW" b="0" dirty="0">
+                <a:solidFill>
+                  <a:srgbClr val="0070C0"/>
+                </a:solidFill>
+                <a:effectLst/>
+                <a:latin typeface="Consolas" panose="020B0609020204030204" pitchFamily="49" charset="0"/>
+              </a:rPr>
+              <a:t>let</a:t>
+            </a:r>
+            <a:r>
+              <a:rPr lang="en-US" altLang="zh-TW" b="0" dirty="0">
+                <a:solidFill>
+                  <a:srgbClr val="D4D4D4"/>
+                </a:solidFill>
+                <a:effectLst/>
+                <a:latin typeface="Consolas" panose="020B0609020204030204" pitchFamily="49" charset="0"/>
+              </a:rPr>
+              <a:t> </a:t>
+            </a:r>
+            <a:r>
+              <a:rPr lang="en-US" altLang="zh-TW" b="0" dirty="0">
+                <a:solidFill>
+                  <a:srgbClr val="00B0F0"/>
+                </a:solidFill>
+                <a:effectLst/>
+                <a:latin typeface="Consolas" panose="020B0609020204030204" pitchFamily="49" charset="0"/>
+              </a:rPr>
+              <a:t>Have</a:t>
+            </a:r>
+            <a:r>
+              <a:rPr lang="en-US" altLang="zh-TW" b="0" dirty="0">
+                <a:solidFill>
+                  <a:srgbClr val="D4D4D4"/>
+                </a:solidFill>
+                <a:effectLst/>
+                <a:latin typeface="Consolas" panose="020B0609020204030204" pitchFamily="49" charset="0"/>
+              </a:rPr>
+              <a:t> </a:t>
+            </a:r>
+            <a:r>
+              <a:rPr lang="en-US" altLang="zh-TW" b="0" dirty="0">
+                <a:effectLst/>
+                <a:latin typeface="Consolas" panose="020B0609020204030204" pitchFamily="49" charset="0"/>
+              </a:rPr>
+              <a:t>=</a:t>
+            </a:r>
+            <a:r>
+              <a:rPr lang="en-US" altLang="zh-TW" b="0" dirty="0">
+                <a:solidFill>
+                  <a:srgbClr val="D4D4D4"/>
+                </a:solidFill>
+                <a:effectLst/>
+                <a:latin typeface="Consolas" panose="020B0609020204030204" pitchFamily="49" charset="0"/>
+              </a:rPr>
+              <a:t> </a:t>
+            </a:r>
+            <a:r>
+              <a:rPr lang="en-US" altLang="zh-TW" b="0" dirty="0" err="1">
+                <a:solidFill>
+                  <a:schemeClr val="accent6"/>
+                </a:solidFill>
+                <a:effectLst/>
+                <a:latin typeface="Consolas" panose="020B0609020204030204" pitchFamily="49" charset="0"/>
+              </a:rPr>
+              <a:t>Array</a:t>
+            </a:r>
+            <a:r>
+              <a:rPr lang="en-US" altLang="zh-TW" b="0" dirty="0" err="1">
+                <a:effectLst/>
+                <a:latin typeface="Consolas" panose="020B0609020204030204" pitchFamily="49" charset="0"/>
+              </a:rPr>
+              <a:t>.</a:t>
+            </a:r>
+            <a:r>
+              <a:rPr lang="en-US" altLang="zh-TW" b="0" dirty="0" err="1">
+                <a:solidFill>
+                  <a:srgbClr val="FFC000"/>
+                </a:solidFill>
+                <a:effectLst/>
+                <a:latin typeface="Consolas" panose="020B0609020204030204" pitchFamily="49" charset="0"/>
+              </a:rPr>
+              <a:t>includes</a:t>
+            </a:r>
+            <a:r>
+              <a:rPr lang="en-US" altLang="zh-TW" b="0" dirty="0">
+                <a:effectLst/>
+                <a:latin typeface="Consolas" panose="020B0609020204030204" pitchFamily="49" charset="0"/>
+              </a:rPr>
+              <a:t>(</a:t>
+            </a:r>
+            <a:r>
+              <a:rPr lang="en-US" altLang="zh-TW" b="0" dirty="0">
+                <a:solidFill>
+                  <a:srgbClr val="00B0F0"/>
+                </a:solidFill>
+                <a:effectLst/>
+                <a:latin typeface="Consolas" panose="020B0609020204030204" pitchFamily="49" charset="0"/>
+              </a:rPr>
+              <a:t>value</a:t>
+            </a:r>
+            <a:r>
+              <a:rPr lang="en-US" altLang="zh-TW" b="0" dirty="0">
+                <a:effectLst/>
+                <a:latin typeface="Consolas" panose="020B0609020204030204" pitchFamily="49" charset="0"/>
+              </a:rPr>
+              <a:t>);</a:t>
+            </a:r>
+          </a:p>
+          <a:p>
+            <a:pPr lvl="1">
+              <a:buNone/>
+            </a:pPr>
+            <a:r>
+              <a:rPr lang="en-US" altLang="zh-TW" sz="2400" b="0" dirty="0">
+                <a:solidFill>
+                  <a:srgbClr val="00B050"/>
+                </a:solidFill>
+                <a:effectLst/>
+                <a:latin typeface="Consolas" panose="020B0609020204030204" pitchFamily="49" charset="0"/>
+              </a:rPr>
+              <a:t>	</a:t>
+            </a:r>
+            <a:r>
+              <a:rPr lang="zh-TW" altLang="en-US" sz="2400" b="0" dirty="0">
+                <a:solidFill>
+                  <a:srgbClr val="00B050"/>
+                </a:solidFill>
+                <a:effectLst/>
+                <a:latin typeface="Consolas" panose="020B0609020204030204" pitchFamily="49" charset="0"/>
+              </a:rPr>
+              <a:t>判斷是否有該數值 傳回</a:t>
+            </a:r>
+            <a:r>
+              <a:rPr lang="en-US" altLang="zh-TW" sz="2400" b="0" dirty="0">
+                <a:solidFill>
+                  <a:srgbClr val="00B050"/>
+                </a:solidFill>
+                <a:effectLst/>
+                <a:latin typeface="Consolas" panose="020B0609020204030204" pitchFamily="49" charset="0"/>
+              </a:rPr>
+              <a:t>True/False</a:t>
+            </a:r>
+          </a:p>
+          <a:p>
+            <a:r>
+              <a:rPr lang="zh-TW" altLang="en-US" b="0" dirty="0">
+                <a:effectLst/>
+                <a:latin typeface="Consolas" panose="020B0609020204030204" pitchFamily="49" charset="0"/>
+              </a:rPr>
+              <a:t> </a:t>
+            </a:r>
+            <a:r>
+              <a:rPr lang="en-US" altLang="zh-TW" b="0" dirty="0" err="1">
+                <a:solidFill>
+                  <a:schemeClr val="accent6"/>
+                </a:solidFill>
+                <a:effectLst/>
+                <a:latin typeface="Consolas" panose="020B0609020204030204" pitchFamily="49" charset="0"/>
+              </a:rPr>
+              <a:t>Array</a:t>
+            </a:r>
+            <a:r>
+              <a:rPr lang="en-US" altLang="zh-TW" b="0" dirty="0" err="1">
+                <a:effectLst/>
+                <a:latin typeface="Consolas" panose="020B0609020204030204" pitchFamily="49" charset="0"/>
+              </a:rPr>
+              <a:t>.</a:t>
+            </a:r>
+            <a:r>
+              <a:rPr lang="en-US" altLang="zh-TW" b="0" dirty="0" err="1">
+                <a:solidFill>
+                  <a:srgbClr val="FFC000"/>
+                </a:solidFill>
+                <a:effectLst/>
+                <a:latin typeface="Consolas" panose="020B0609020204030204" pitchFamily="49" charset="0"/>
+              </a:rPr>
+              <a:t>forEach</a:t>
+            </a:r>
+            <a:r>
+              <a:rPr lang="en-US" altLang="zh-TW" b="0" dirty="0">
+                <a:effectLst/>
+                <a:latin typeface="Consolas" panose="020B0609020204030204" pitchFamily="49" charset="0"/>
+              </a:rPr>
+              <a:t>((</a:t>
+            </a:r>
+            <a:r>
+              <a:rPr lang="en-US" altLang="zh-TW" b="0" dirty="0" err="1">
+                <a:solidFill>
+                  <a:srgbClr val="00B0F0"/>
+                </a:solidFill>
+                <a:effectLst/>
+                <a:latin typeface="Consolas" panose="020B0609020204030204" pitchFamily="49" charset="0"/>
+              </a:rPr>
+              <a:t>value</a:t>
+            </a:r>
+            <a:r>
+              <a:rPr lang="en-US" altLang="zh-TW" b="0" dirty="0" err="1">
+                <a:effectLst/>
+                <a:latin typeface="Consolas" panose="020B0609020204030204" pitchFamily="49" charset="0"/>
+              </a:rPr>
+              <a:t>,</a:t>
+            </a:r>
+            <a:r>
+              <a:rPr lang="en-US" altLang="zh-TW" b="0" dirty="0" err="1">
+                <a:solidFill>
+                  <a:srgbClr val="00B0F0"/>
+                </a:solidFill>
+                <a:effectLst/>
+                <a:latin typeface="Consolas" panose="020B0609020204030204" pitchFamily="49" charset="0"/>
+              </a:rPr>
+              <a:t>index</a:t>
+            </a:r>
+            <a:r>
+              <a:rPr lang="en-US" altLang="zh-TW" b="0" dirty="0" err="1">
+                <a:effectLst/>
+                <a:latin typeface="Consolas" panose="020B0609020204030204" pitchFamily="49" charset="0"/>
+              </a:rPr>
+              <a:t>,</a:t>
+            </a:r>
+            <a:r>
+              <a:rPr lang="en-US" altLang="zh-TW" b="0" dirty="0" err="1">
+                <a:solidFill>
+                  <a:srgbClr val="00B0F0"/>
+                </a:solidFill>
+                <a:effectLst/>
+                <a:latin typeface="Consolas" panose="020B0609020204030204" pitchFamily="49" charset="0"/>
+              </a:rPr>
+              <a:t>self</a:t>
+            </a:r>
+            <a:r>
+              <a:rPr lang="en-US" altLang="zh-TW" b="0" dirty="0">
+                <a:effectLst/>
+                <a:latin typeface="Consolas" panose="020B0609020204030204" pitchFamily="49" charset="0"/>
+              </a:rPr>
+              <a:t>)</a:t>
+            </a:r>
+            <a:r>
+              <a:rPr lang="en-US" altLang="zh-TW" b="0" dirty="0">
+                <a:solidFill>
+                  <a:srgbClr val="D4D4D4"/>
+                </a:solidFill>
+                <a:effectLst/>
+                <a:latin typeface="Consolas" panose="020B0609020204030204" pitchFamily="49" charset="0"/>
+              </a:rPr>
+              <a:t> </a:t>
+            </a:r>
+            <a:r>
+              <a:rPr lang="en-US" altLang="zh-TW" b="0" dirty="0">
+                <a:solidFill>
+                  <a:srgbClr val="569CD6"/>
+                </a:solidFill>
+                <a:effectLst/>
+                <a:latin typeface="Consolas" panose="020B0609020204030204" pitchFamily="49" charset="0"/>
+              </a:rPr>
+              <a:t>=&gt;</a:t>
+            </a:r>
+            <a:r>
+              <a:rPr lang="en-US" altLang="zh-TW" b="0" dirty="0">
+                <a:solidFill>
+                  <a:srgbClr val="D4D4D4"/>
+                </a:solidFill>
+                <a:effectLst/>
+                <a:latin typeface="Consolas" panose="020B0609020204030204" pitchFamily="49" charset="0"/>
+              </a:rPr>
+              <a:t> </a:t>
+            </a:r>
+            <a:r>
+              <a:rPr lang="en-US" altLang="zh-TW" b="0" dirty="0">
+                <a:effectLst/>
+                <a:latin typeface="Consolas" panose="020B0609020204030204" pitchFamily="49" charset="0"/>
+              </a:rPr>
+              <a:t>{});</a:t>
+            </a:r>
+          </a:p>
+          <a:p>
+            <a:pPr lvl="1">
+              <a:buNone/>
+            </a:pPr>
+            <a:r>
+              <a:rPr lang="en-US" altLang="zh-TW" sz="2400" b="0" dirty="0">
+                <a:solidFill>
+                  <a:srgbClr val="00B050"/>
+                </a:solidFill>
+                <a:effectLst/>
+                <a:latin typeface="Consolas" panose="020B0609020204030204" pitchFamily="49" charset="0"/>
+              </a:rPr>
+              <a:t>	</a:t>
+            </a:r>
+            <a:r>
+              <a:rPr lang="zh-TW" altLang="en-US" sz="2400" b="0" dirty="0">
+                <a:solidFill>
+                  <a:srgbClr val="00B050"/>
+                </a:solidFill>
+                <a:effectLst/>
+                <a:latin typeface="Consolas" panose="020B0609020204030204" pitchFamily="49" charset="0"/>
+              </a:rPr>
+              <a:t>跑每一個值，不傳回值</a:t>
+            </a:r>
+          </a:p>
+          <a:p>
+            <a:r>
+              <a:rPr lang="zh-TW" altLang="en-US" b="0" dirty="0">
+                <a:effectLst/>
+                <a:latin typeface="Consolas" panose="020B0609020204030204" pitchFamily="49" charset="0"/>
+              </a:rPr>
+              <a:t> </a:t>
+            </a:r>
+            <a:r>
+              <a:rPr lang="en-US" altLang="zh-TW" b="0" dirty="0" err="1">
+                <a:solidFill>
+                  <a:schemeClr val="accent6"/>
+                </a:solidFill>
+                <a:effectLst/>
+                <a:latin typeface="Consolas" panose="020B0609020204030204" pitchFamily="49" charset="0"/>
+              </a:rPr>
+              <a:t>Array</a:t>
+            </a:r>
+            <a:r>
+              <a:rPr lang="en-US" altLang="zh-TW" b="0" dirty="0" err="1">
+                <a:effectLst/>
+                <a:latin typeface="Consolas" panose="020B0609020204030204" pitchFamily="49" charset="0"/>
+              </a:rPr>
+              <a:t>.</a:t>
+            </a:r>
+            <a:r>
+              <a:rPr lang="en-US" altLang="zh-TW" b="0" dirty="0" err="1">
+                <a:solidFill>
+                  <a:srgbClr val="FFC000"/>
+                </a:solidFill>
+                <a:effectLst/>
+                <a:latin typeface="Consolas" panose="020B0609020204030204" pitchFamily="49" charset="0"/>
+              </a:rPr>
+              <a:t>map</a:t>
+            </a:r>
+            <a:r>
+              <a:rPr lang="en-US" altLang="zh-TW" b="0" dirty="0">
+                <a:effectLst/>
+                <a:latin typeface="Consolas" panose="020B0609020204030204" pitchFamily="49" charset="0"/>
+              </a:rPr>
+              <a:t>((</a:t>
+            </a:r>
+            <a:r>
+              <a:rPr lang="en-US" altLang="zh-TW" b="0" dirty="0" err="1">
+                <a:solidFill>
+                  <a:srgbClr val="00B0F0"/>
+                </a:solidFill>
+                <a:effectLst/>
+                <a:latin typeface="Consolas" panose="020B0609020204030204" pitchFamily="49" charset="0"/>
+              </a:rPr>
+              <a:t>value</a:t>
+            </a:r>
+            <a:r>
+              <a:rPr lang="en-US" altLang="zh-TW" b="0" dirty="0" err="1">
+                <a:effectLst/>
+                <a:latin typeface="Consolas" panose="020B0609020204030204" pitchFamily="49" charset="0"/>
+              </a:rPr>
+              <a:t>,</a:t>
+            </a:r>
+            <a:r>
+              <a:rPr lang="en-US" altLang="zh-TW" b="0" dirty="0" err="1">
+                <a:solidFill>
+                  <a:srgbClr val="00B0F0"/>
+                </a:solidFill>
+                <a:effectLst/>
+                <a:latin typeface="Consolas" panose="020B0609020204030204" pitchFamily="49" charset="0"/>
+              </a:rPr>
+              <a:t>index</a:t>
+            </a:r>
+            <a:r>
+              <a:rPr lang="en-US" altLang="zh-TW" b="0" dirty="0" err="1">
+                <a:effectLst/>
+                <a:latin typeface="Consolas" panose="020B0609020204030204" pitchFamily="49" charset="0"/>
+              </a:rPr>
+              <a:t>,</a:t>
+            </a:r>
+            <a:r>
+              <a:rPr lang="en-US" altLang="zh-TW" b="0" dirty="0" err="1">
+                <a:solidFill>
+                  <a:srgbClr val="00B0F0"/>
+                </a:solidFill>
+                <a:effectLst/>
+                <a:latin typeface="Consolas" panose="020B0609020204030204" pitchFamily="49" charset="0"/>
+              </a:rPr>
+              <a:t>self</a:t>
+            </a:r>
+            <a:r>
+              <a:rPr lang="en-US" altLang="zh-TW" b="0" dirty="0">
+                <a:effectLst/>
+                <a:latin typeface="Consolas" panose="020B0609020204030204" pitchFamily="49" charset="0"/>
+              </a:rPr>
+              <a:t>)</a:t>
+            </a:r>
+            <a:r>
+              <a:rPr lang="en-US" altLang="zh-TW" b="0" dirty="0">
+                <a:solidFill>
+                  <a:srgbClr val="D4D4D4"/>
+                </a:solidFill>
+                <a:effectLst/>
+                <a:latin typeface="Consolas" panose="020B0609020204030204" pitchFamily="49" charset="0"/>
+              </a:rPr>
+              <a:t> </a:t>
+            </a:r>
+            <a:r>
+              <a:rPr lang="en-US" altLang="zh-TW" b="0" dirty="0">
+                <a:solidFill>
+                  <a:srgbClr val="569CD6"/>
+                </a:solidFill>
+                <a:effectLst/>
+                <a:latin typeface="Consolas" panose="020B0609020204030204" pitchFamily="49" charset="0"/>
+              </a:rPr>
+              <a:t>=&gt;</a:t>
+            </a:r>
+            <a:r>
+              <a:rPr lang="en-US" altLang="zh-TW" b="0" dirty="0">
+                <a:solidFill>
+                  <a:srgbClr val="D4D4D4"/>
+                </a:solidFill>
+                <a:effectLst/>
+                <a:latin typeface="Consolas" panose="020B0609020204030204" pitchFamily="49" charset="0"/>
+              </a:rPr>
+              <a:t> </a:t>
+            </a:r>
+            <a:r>
+              <a:rPr lang="en-US" altLang="zh-TW" b="0" dirty="0">
+                <a:effectLst/>
+                <a:latin typeface="Consolas" panose="020B0609020204030204" pitchFamily="49" charset="0"/>
+              </a:rPr>
+              <a:t>{</a:t>
+            </a:r>
+            <a:r>
+              <a:rPr lang="en-US" altLang="zh-TW" b="0" dirty="0">
+                <a:solidFill>
+                  <a:srgbClr val="7030A0"/>
+                </a:solidFill>
+                <a:effectLst/>
+                <a:latin typeface="Consolas" panose="020B0609020204030204" pitchFamily="49" charset="0"/>
+              </a:rPr>
+              <a:t>return</a:t>
+            </a:r>
+            <a:r>
+              <a:rPr lang="en-US" altLang="zh-TW" b="0" dirty="0">
+                <a:solidFill>
+                  <a:srgbClr val="D4D4D4"/>
+                </a:solidFill>
+                <a:effectLst/>
+                <a:latin typeface="Consolas" panose="020B0609020204030204" pitchFamily="49" charset="0"/>
+              </a:rPr>
+              <a:t> </a:t>
+            </a:r>
+            <a:r>
+              <a:rPr lang="en-US" altLang="zh-TW" b="0" dirty="0">
+                <a:solidFill>
+                  <a:srgbClr val="00B0F0"/>
+                </a:solidFill>
+                <a:effectLst/>
+                <a:latin typeface="Consolas" panose="020B0609020204030204" pitchFamily="49" charset="0"/>
+              </a:rPr>
+              <a:t>value</a:t>
+            </a:r>
+            <a:r>
+              <a:rPr lang="en-US" altLang="zh-TW" b="0" dirty="0">
+                <a:effectLst/>
+                <a:latin typeface="Consolas" panose="020B0609020204030204" pitchFamily="49" charset="0"/>
+              </a:rPr>
+              <a:t>});</a:t>
+            </a:r>
+          </a:p>
+          <a:p>
+            <a:pPr lvl="1">
+              <a:buNone/>
+            </a:pPr>
+            <a:r>
+              <a:rPr lang="en-US" altLang="zh-TW" sz="2400" b="0" dirty="0">
+                <a:solidFill>
+                  <a:srgbClr val="00B050"/>
+                </a:solidFill>
+                <a:effectLst/>
+                <a:latin typeface="Consolas" panose="020B0609020204030204" pitchFamily="49" charset="0"/>
+              </a:rPr>
+              <a:t>	</a:t>
+            </a:r>
+            <a:r>
+              <a:rPr lang="zh-TW" altLang="en-US" sz="2400" b="0" dirty="0">
+                <a:solidFill>
+                  <a:srgbClr val="00B050"/>
+                </a:solidFill>
+                <a:effectLst/>
+                <a:latin typeface="Consolas" panose="020B0609020204030204" pitchFamily="49" charset="0"/>
+              </a:rPr>
+              <a:t>跑每一個值，傳回值</a:t>
+            </a:r>
           </a:p>
         </p:txBody>
       </p:sp>
     </p:spTree>
     <p:extLst>
       <p:ext uri="{BB962C8B-B14F-4D97-AF65-F5344CB8AC3E}">
-        <p14:creationId xmlns:p14="http://schemas.microsoft.com/office/powerpoint/2010/main" val="2448831342"/>
+        <p14:creationId xmlns:p14="http://schemas.microsoft.com/office/powerpoint/2010/main" val="1671258765"/>
       </p:ext>
     </p:extLst>
   </p:cSld>
   <p:clrMapOvr>
     <a:masterClrMapping/>
   </p:clrMapOvr>
-  <mc:AlternateContent xmlns:mc="http://schemas.openxmlformats.org/markup-compatibility/2006">
-    <mc:Choice xmlns:p14="http://schemas.microsoft.com/office/powerpoint/2010/main" Requires="p14">
+  <mc:AlternateContent xmlns:mc="http://schemas.openxmlformats.org/markup-compatibility/2006" xmlns:p14="http://schemas.microsoft.com/office/powerpoint/2010/main">
+    <mc:Choice Requires="p14">
       <p:transition spd="slow" p14:dur="1600">
         <p14:gallery dir="l"/>
       </p:transition>
     </mc:Choice>
-    <mc:Fallback>
+    <mc:Fallback xmlns="">
       <p:transition spd="slow">
         <p:fade/>
       </p:transition>
@@ -5745,7 +6967,7 @@
           <p:cNvPr id="2" name="標題 1">
             <a:extLst>
               <a:ext uri="{FF2B5EF4-FFF2-40B4-BE49-F238E27FC236}">
-                <a16:creationId xmlns:a16="http://schemas.microsoft.com/office/drawing/2014/main" id="{A074B34E-1C85-44B9-9FC8-6D52C0DE0B6A}"/>
+                <a16:creationId xmlns:a16="http://schemas.microsoft.com/office/drawing/2014/main" id="{0403ACF8-BE8D-41B2-8192-43F42009BB56}"/>
               </a:ext>
             </a:extLst>
           </p:cNvPr>
@@ -5761,7 +6983,15 @@
           <a:bodyPr/>
           <a:lstStyle/>
           <a:p>
-            <a:endParaRPr lang="zh-TW" altLang="en-US"/>
+            <a:r>
+              <a:rPr lang="zh-TW" altLang="en-US" dirty="0"/>
+              <a:t>物件導向 </a:t>
+            </a:r>
+            <a:r>
+              <a:rPr lang="en-US" altLang="zh-TW" dirty="0"/>
+              <a:t>Class</a:t>
+            </a:r>
+            <a:endParaRPr lang="zh-TW" altLang="en-US" dirty="0"/>
           </a:p>
         </p:txBody>
       </p:sp>
@@ -5770,7 +7000,7 @@
           <p:cNvPr id="3" name="內容版面配置區 2">
             <a:extLst>
               <a:ext uri="{FF2B5EF4-FFF2-40B4-BE49-F238E27FC236}">
-                <a16:creationId xmlns:a16="http://schemas.microsoft.com/office/drawing/2014/main" id="{0D313323-E799-45AA-B2AA-CD5256835E63}"/>
+                <a16:creationId xmlns:a16="http://schemas.microsoft.com/office/drawing/2014/main" id="{615C6013-FCE7-48A9-88C4-C55DEAA629C4}"/>
               </a:ext>
             </a:extLst>
           </p:cNvPr>
@@ -5781,32 +7011,1390 @@
             <p:ph idx="1"/>
           </p:nvPr>
         </p:nvSpPr>
-        <p:spPr/>
-        <p:txBody>
-          <a:bodyPr/>
+        <p:spPr>
+          <a:xfrm>
+            <a:off x="406919" y="1684920"/>
+            <a:ext cx="5552621" cy="4807955"/>
+          </a:xfrm>
+          <a:solidFill>
+            <a:schemeClr val="accent6">
+              <a:lumMod val="20000"/>
+              <a:lumOff val="80000"/>
+            </a:schemeClr>
+          </a:solidFill>
+          <a:ln>
+            <a:solidFill>
+              <a:schemeClr val="tx1"/>
+            </a:solidFill>
+          </a:ln>
+        </p:spPr>
+        <p:txBody>
+          <a:bodyPr>
+            <a:normAutofit fontScale="40000" lnSpcReduction="20000"/>
+          </a:bodyPr>
           <a:lstStyle/>
           <a:p>
+            <a:pPr marL="514350" indent="-514350">
+              <a:buClr>
+                <a:schemeClr val="tx1"/>
+              </a:buClr>
+              <a:buFont typeface="+mj-lt"/>
+              <a:buAutoNum type="arabicPeriod"/>
+            </a:pPr>
+            <a:r>
+              <a:rPr lang="en-US" altLang="zh-TW" b="0" dirty="0">
+                <a:solidFill>
+                  <a:srgbClr val="0070C0"/>
+                </a:solidFill>
+                <a:effectLst/>
+                <a:latin typeface="Consolas" panose="020B0609020204030204" pitchFamily="49" charset="0"/>
+              </a:rPr>
+              <a:t>class</a:t>
+            </a:r>
+            <a:r>
+              <a:rPr lang="en-US" altLang="zh-TW" b="0" dirty="0">
+                <a:solidFill>
+                  <a:srgbClr val="D4D4D4"/>
+                </a:solidFill>
+                <a:effectLst/>
+                <a:latin typeface="Consolas" panose="020B0609020204030204" pitchFamily="49" charset="0"/>
+              </a:rPr>
+              <a:t> </a:t>
+            </a:r>
+            <a:r>
+              <a:rPr lang="en-US" altLang="zh-TW" b="0" dirty="0">
+                <a:solidFill>
+                  <a:srgbClr val="00B050"/>
+                </a:solidFill>
+                <a:effectLst/>
+                <a:latin typeface="Consolas" panose="020B0609020204030204" pitchFamily="49" charset="0"/>
+              </a:rPr>
+              <a:t>Name</a:t>
+            </a:r>
+            <a:r>
+              <a:rPr lang="en-US" altLang="zh-TW" b="0" dirty="0">
+                <a:solidFill>
+                  <a:srgbClr val="D4D4D4"/>
+                </a:solidFill>
+                <a:effectLst/>
+                <a:latin typeface="Consolas" panose="020B0609020204030204" pitchFamily="49" charset="0"/>
+              </a:rPr>
+              <a:t> </a:t>
+            </a:r>
+            <a:r>
+              <a:rPr lang="en-US" altLang="zh-TW" b="0" dirty="0">
+                <a:effectLst/>
+                <a:latin typeface="Consolas" panose="020B0609020204030204" pitchFamily="49" charset="0"/>
+              </a:rPr>
+              <a:t>{</a:t>
+            </a:r>
+          </a:p>
+          <a:p>
+            <a:pPr marL="514350" indent="-514350">
+              <a:buClr>
+                <a:schemeClr val="tx1"/>
+              </a:buClr>
+              <a:buFont typeface="+mj-lt"/>
+              <a:buAutoNum type="arabicPeriod"/>
+            </a:pPr>
+            <a:r>
+              <a:rPr lang="en-US" altLang="zh-TW" b="0" dirty="0">
+                <a:solidFill>
+                  <a:srgbClr val="D4D4D4"/>
+                </a:solidFill>
+                <a:effectLst/>
+                <a:latin typeface="Consolas" panose="020B0609020204030204" pitchFamily="49" charset="0"/>
+              </a:rPr>
+              <a:t>    </a:t>
+            </a:r>
+            <a:r>
+              <a:rPr lang="en-US" altLang="zh-TW" b="0" dirty="0">
+                <a:solidFill>
+                  <a:srgbClr val="0070C0"/>
+                </a:solidFill>
+                <a:effectLst/>
+                <a:latin typeface="Consolas" panose="020B0609020204030204" pitchFamily="49" charset="0"/>
+              </a:rPr>
+              <a:t>constructor</a:t>
+            </a:r>
+            <a:r>
+              <a:rPr lang="en-US" altLang="zh-TW" b="0" dirty="0">
+                <a:effectLst/>
+                <a:latin typeface="Consolas" panose="020B0609020204030204" pitchFamily="49" charset="0"/>
+              </a:rPr>
+              <a:t>(</a:t>
+            </a:r>
+            <a:r>
+              <a:rPr lang="en-US" altLang="zh-TW" b="0" dirty="0" err="1">
+                <a:solidFill>
+                  <a:srgbClr val="00B0F0"/>
+                </a:solidFill>
+                <a:effectLst/>
+                <a:latin typeface="Consolas" panose="020B0609020204030204" pitchFamily="49" charset="0"/>
+              </a:rPr>
+              <a:t>args</a:t>
+            </a:r>
+            <a:r>
+              <a:rPr lang="en-US" altLang="zh-TW" b="0" dirty="0">
+                <a:effectLst/>
+                <a:latin typeface="Consolas" panose="020B0609020204030204" pitchFamily="49" charset="0"/>
+              </a:rPr>
+              <a:t>) {</a:t>
+            </a:r>
+          </a:p>
+          <a:p>
+            <a:pPr marL="514350" indent="-514350">
+              <a:buClr>
+                <a:schemeClr val="tx1"/>
+              </a:buClr>
+              <a:buFont typeface="+mj-lt"/>
+              <a:buAutoNum type="arabicPeriod"/>
+            </a:pPr>
+            <a:r>
+              <a:rPr lang="en-US" altLang="zh-TW" b="0" dirty="0">
+                <a:solidFill>
+                  <a:srgbClr val="D4D4D4"/>
+                </a:solidFill>
+                <a:effectLst/>
+                <a:latin typeface="Consolas" panose="020B0609020204030204" pitchFamily="49" charset="0"/>
+              </a:rPr>
+              <a:t>      </a:t>
+            </a:r>
+            <a:r>
+              <a:rPr lang="en-US" altLang="zh-TW" b="0" dirty="0">
+                <a:solidFill>
+                  <a:srgbClr val="0070C0"/>
+                </a:solidFill>
+                <a:effectLst/>
+                <a:latin typeface="Consolas" panose="020B0609020204030204" pitchFamily="49" charset="0"/>
+              </a:rPr>
+              <a:t> </a:t>
+            </a:r>
+            <a:r>
+              <a:rPr lang="en-US" altLang="zh-TW" b="0" dirty="0">
+                <a:solidFill>
+                  <a:srgbClr val="D4D4D4"/>
+                </a:solidFill>
+                <a:effectLst/>
+                <a:latin typeface="Consolas" panose="020B0609020204030204" pitchFamily="49" charset="0"/>
+              </a:rPr>
+              <a:t> </a:t>
+            </a:r>
+            <a:r>
+              <a:rPr lang="en-US" altLang="zh-TW" b="0" dirty="0">
+                <a:solidFill>
+                  <a:srgbClr val="0070C0"/>
+                </a:solidFill>
+                <a:effectLst/>
+                <a:latin typeface="Consolas" panose="020B0609020204030204" pitchFamily="49" charset="0"/>
+              </a:rPr>
+              <a:t>let</a:t>
+            </a:r>
+            <a:r>
+              <a:rPr lang="en-US" altLang="zh-TW" b="0" dirty="0">
+                <a:solidFill>
+                  <a:srgbClr val="D4D4D4"/>
+                </a:solidFill>
+                <a:effectLst/>
+                <a:latin typeface="Consolas" panose="020B0609020204030204" pitchFamily="49" charset="0"/>
+              </a:rPr>
+              <a:t> </a:t>
+            </a:r>
+            <a:r>
+              <a:rPr lang="en-US" altLang="zh-TW" b="0" dirty="0">
+                <a:solidFill>
+                  <a:srgbClr val="00B0F0"/>
+                </a:solidFill>
+                <a:effectLst/>
+                <a:latin typeface="Consolas" panose="020B0609020204030204" pitchFamily="49" charset="0"/>
+              </a:rPr>
+              <a:t>def</a:t>
+            </a:r>
+            <a:r>
+              <a:rPr lang="en-US" altLang="zh-TW" b="0" dirty="0">
+                <a:solidFill>
+                  <a:srgbClr val="D4D4D4"/>
+                </a:solidFill>
+                <a:effectLst/>
+                <a:latin typeface="Consolas" panose="020B0609020204030204" pitchFamily="49" charset="0"/>
+              </a:rPr>
+              <a:t> </a:t>
+            </a:r>
+            <a:r>
+              <a:rPr lang="en-US" altLang="zh-TW" b="0" dirty="0">
+                <a:effectLst/>
+                <a:latin typeface="Consolas" panose="020B0609020204030204" pitchFamily="49" charset="0"/>
+              </a:rPr>
+              <a:t>= {</a:t>
+            </a:r>
+          </a:p>
+          <a:p>
+            <a:pPr marL="514350" indent="-514350">
+              <a:buClr>
+                <a:schemeClr val="tx1"/>
+              </a:buClr>
+              <a:buFont typeface="+mj-lt"/>
+              <a:buAutoNum type="arabicPeriod"/>
+            </a:pPr>
+            <a:r>
+              <a:rPr lang="en-US" altLang="zh-TW" b="0" dirty="0">
+                <a:solidFill>
+                  <a:srgbClr val="D4D4D4"/>
+                </a:solidFill>
+                <a:effectLst/>
+                <a:latin typeface="Consolas" panose="020B0609020204030204" pitchFamily="49" charset="0"/>
+              </a:rPr>
+              <a:t>            </a:t>
+            </a:r>
+            <a:r>
+              <a:rPr lang="en-US" altLang="zh-TW" b="0" dirty="0">
+                <a:solidFill>
+                  <a:srgbClr val="00B0F0"/>
+                </a:solidFill>
+                <a:effectLst/>
+                <a:latin typeface="Consolas" panose="020B0609020204030204" pitchFamily="49" charset="0"/>
+              </a:rPr>
+              <a:t>age: </a:t>
+            </a:r>
+            <a:r>
+              <a:rPr lang="en-US" altLang="zh-TW" b="0" dirty="0">
+                <a:solidFill>
+                  <a:srgbClr val="92D050"/>
+                </a:solidFill>
+                <a:effectLst/>
+                <a:latin typeface="Consolas" panose="020B0609020204030204" pitchFamily="49" charset="0"/>
+              </a:rPr>
+              <a:t>7</a:t>
+            </a:r>
+            <a:r>
+              <a:rPr lang="en-US" altLang="zh-TW" b="0" dirty="0">
+                <a:effectLst/>
+                <a:latin typeface="Consolas" panose="020B0609020204030204" pitchFamily="49" charset="0"/>
+              </a:rPr>
+              <a:t>,</a:t>
+            </a:r>
+          </a:p>
+          <a:p>
+            <a:pPr marL="514350" indent="-514350">
+              <a:buClr>
+                <a:schemeClr val="tx1"/>
+              </a:buClr>
+              <a:buFont typeface="+mj-lt"/>
+              <a:buAutoNum type="arabicPeriod"/>
+            </a:pPr>
+            <a:r>
+              <a:rPr lang="en-US" altLang="zh-TW" b="0" dirty="0">
+                <a:solidFill>
+                  <a:srgbClr val="D4D4D4"/>
+                </a:solidFill>
+                <a:effectLst/>
+                <a:latin typeface="Consolas" panose="020B0609020204030204" pitchFamily="49" charset="0"/>
+              </a:rPr>
+              <a:t>            </a:t>
+            </a:r>
+            <a:r>
+              <a:rPr lang="en-US" altLang="zh-TW" b="0" dirty="0">
+                <a:solidFill>
+                  <a:srgbClr val="00B0F0"/>
+                </a:solidFill>
+                <a:effectLst/>
+                <a:latin typeface="Consolas" panose="020B0609020204030204" pitchFamily="49" charset="0"/>
+              </a:rPr>
+              <a:t>sex: </a:t>
+            </a:r>
+            <a:r>
+              <a:rPr lang="en-US" altLang="zh-TW" b="0" dirty="0">
+                <a:solidFill>
+                  <a:srgbClr val="92D050"/>
+                </a:solidFill>
+                <a:effectLst/>
+                <a:latin typeface="Consolas" panose="020B0609020204030204" pitchFamily="49" charset="0"/>
+              </a:rPr>
+              <a:t>2</a:t>
+            </a:r>
+          </a:p>
+          <a:p>
+            <a:pPr marL="514350" indent="-514350">
+              <a:buClr>
+                <a:schemeClr val="tx1"/>
+              </a:buClr>
+              <a:buFont typeface="+mj-lt"/>
+              <a:buAutoNum type="arabicPeriod"/>
+            </a:pPr>
+            <a:r>
+              <a:rPr lang="en-US" altLang="zh-TW" b="0" dirty="0">
+                <a:solidFill>
+                  <a:srgbClr val="D4D4D4"/>
+                </a:solidFill>
+                <a:effectLst/>
+                <a:latin typeface="Consolas" panose="020B0609020204030204" pitchFamily="49" charset="0"/>
+              </a:rPr>
+              <a:t>       </a:t>
+            </a:r>
+            <a:r>
+              <a:rPr lang="en-US" altLang="zh-TW" b="0" dirty="0">
+                <a:effectLst/>
+                <a:latin typeface="Consolas" panose="020B0609020204030204" pitchFamily="49" charset="0"/>
+              </a:rPr>
+              <a:t> }</a:t>
+            </a:r>
+          </a:p>
+          <a:p>
+            <a:pPr marL="514350" indent="-514350">
+              <a:buClr>
+                <a:schemeClr val="tx1"/>
+              </a:buClr>
+              <a:buFont typeface="+mj-lt"/>
+              <a:buAutoNum type="arabicPeriod"/>
+            </a:pPr>
+            <a:r>
+              <a:rPr lang="en-US" altLang="zh-TW" b="0" dirty="0">
+                <a:solidFill>
+                  <a:schemeClr val="bg1">
+                    <a:lumMod val="85000"/>
+                  </a:schemeClr>
+                </a:solidFill>
+                <a:effectLst/>
+                <a:latin typeface="Consolas" panose="020B0609020204030204" pitchFamily="49" charset="0"/>
+              </a:rPr>
+              <a:t> </a:t>
+            </a:r>
+            <a:r>
+              <a:rPr lang="en-US" altLang="zh-TW" b="0" dirty="0">
+                <a:effectLst/>
+                <a:latin typeface="Consolas" panose="020B0609020204030204" pitchFamily="49" charset="0"/>
+              </a:rPr>
+              <a:t>     </a:t>
+            </a:r>
+            <a:r>
+              <a:rPr lang="en-US" altLang="zh-TW" b="0" dirty="0">
+                <a:solidFill>
+                  <a:srgbClr val="D4D4D4"/>
+                </a:solidFill>
+                <a:effectLst/>
+                <a:latin typeface="Consolas" panose="020B0609020204030204" pitchFamily="49" charset="0"/>
+              </a:rPr>
+              <a:t>  </a:t>
+            </a:r>
+            <a:r>
+              <a:rPr lang="en-US" altLang="zh-TW" b="0" dirty="0" err="1">
+                <a:solidFill>
+                  <a:srgbClr val="00B050"/>
+                </a:solidFill>
+                <a:effectLst/>
+                <a:latin typeface="Consolas" panose="020B0609020204030204" pitchFamily="49" charset="0"/>
+              </a:rPr>
+              <a:t>Object</a:t>
+            </a:r>
+            <a:r>
+              <a:rPr lang="en-US" altLang="zh-TW" b="0" dirty="0" err="1">
+                <a:effectLst/>
+                <a:latin typeface="Consolas" panose="020B0609020204030204" pitchFamily="49" charset="0"/>
+              </a:rPr>
+              <a:t>.</a:t>
+            </a:r>
+            <a:r>
+              <a:rPr lang="en-US" altLang="zh-TW" b="0" dirty="0" err="1">
+                <a:solidFill>
+                  <a:srgbClr val="FFC000"/>
+                </a:solidFill>
+                <a:effectLst/>
+                <a:latin typeface="Consolas" panose="020B0609020204030204" pitchFamily="49" charset="0"/>
+              </a:rPr>
+              <a:t>assign</a:t>
+            </a:r>
+            <a:r>
+              <a:rPr lang="en-US" altLang="zh-TW" b="0" dirty="0">
+                <a:effectLst/>
+                <a:latin typeface="Consolas" panose="020B0609020204030204" pitchFamily="49" charset="0"/>
+              </a:rPr>
+              <a:t>(</a:t>
+            </a:r>
+            <a:r>
+              <a:rPr lang="en-US" altLang="zh-TW" b="0" dirty="0" err="1">
+                <a:solidFill>
+                  <a:srgbClr val="00B0F0"/>
+                </a:solidFill>
+                <a:effectLst/>
+                <a:latin typeface="Consolas" panose="020B0609020204030204" pitchFamily="49" charset="0"/>
+              </a:rPr>
+              <a:t>def</a:t>
+            </a:r>
+            <a:r>
+              <a:rPr lang="en-US" altLang="zh-TW" b="0" dirty="0" err="1">
+                <a:solidFill>
+                  <a:srgbClr val="D4D4D4"/>
+                </a:solidFill>
+                <a:effectLst/>
+                <a:latin typeface="Consolas" panose="020B0609020204030204" pitchFamily="49" charset="0"/>
+              </a:rPr>
+              <a:t>,</a:t>
+            </a:r>
+            <a:r>
+              <a:rPr lang="en-US" altLang="zh-TW" b="0" dirty="0" err="1">
+                <a:solidFill>
+                  <a:srgbClr val="00B0F0"/>
+                </a:solidFill>
+                <a:effectLst/>
+                <a:latin typeface="Consolas" panose="020B0609020204030204" pitchFamily="49" charset="0"/>
+              </a:rPr>
+              <a:t>args</a:t>
+            </a:r>
+            <a:r>
+              <a:rPr lang="en-US" altLang="zh-TW" b="0" dirty="0">
+                <a:effectLst/>
+                <a:latin typeface="Consolas" panose="020B0609020204030204" pitchFamily="49" charset="0"/>
+              </a:rPr>
+              <a:t>);</a:t>
+            </a:r>
+          </a:p>
+          <a:p>
+            <a:pPr marL="514350" indent="-514350">
+              <a:buClr>
+                <a:schemeClr val="tx1"/>
+              </a:buClr>
+              <a:buFont typeface="+mj-lt"/>
+              <a:buAutoNum type="arabicPeriod"/>
+            </a:pPr>
+            <a:r>
+              <a:rPr lang="en-US" altLang="zh-TW" b="0" dirty="0">
+                <a:solidFill>
+                  <a:srgbClr val="D4D4D4"/>
+                </a:solidFill>
+                <a:effectLst/>
+                <a:latin typeface="Consolas" panose="020B0609020204030204" pitchFamily="49" charset="0"/>
+              </a:rPr>
+              <a:t>        </a:t>
+            </a:r>
+            <a:r>
+              <a:rPr lang="en-US" altLang="zh-TW" b="0" dirty="0" err="1">
+                <a:solidFill>
+                  <a:srgbClr val="00B050"/>
+                </a:solidFill>
+                <a:effectLst/>
+                <a:latin typeface="Consolas" panose="020B0609020204030204" pitchFamily="49" charset="0"/>
+              </a:rPr>
+              <a:t>Object</a:t>
+            </a:r>
+            <a:r>
+              <a:rPr lang="en-US" altLang="zh-TW" b="0" dirty="0" err="1">
+                <a:effectLst/>
+                <a:latin typeface="Consolas" panose="020B0609020204030204" pitchFamily="49" charset="0"/>
+              </a:rPr>
+              <a:t>.</a:t>
+            </a:r>
+            <a:r>
+              <a:rPr lang="en-US" altLang="zh-TW" b="0" dirty="0" err="1">
+                <a:solidFill>
+                  <a:srgbClr val="FFC000"/>
+                </a:solidFill>
+                <a:effectLst/>
+                <a:latin typeface="Consolas" panose="020B0609020204030204" pitchFamily="49" charset="0"/>
+              </a:rPr>
+              <a:t>assign</a:t>
+            </a:r>
+            <a:r>
+              <a:rPr lang="en-US" altLang="zh-TW" b="0" dirty="0">
+                <a:effectLst/>
+                <a:latin typeface="Consolas" panose="020B0609020204030204" pitchFamily="49" charset="0"/>
+              </a:rPr>
+              <a:t>(</a:t>
+            </a:r>
+            <a:r>
+              <a:rPr lang="en-US" altLang="zh-TW" b="0" dirty="0" err="1">
+                <a:solidFill>
+                  <a:srgbClr val="0070C0"/>
+                </a:solidFill>
+                <a:effectLst/>
+                <a:latin typeface="Consolas" panose="020B0609020204030204" pitchFamily="49" charset="0"/>
+              </a:rPr>
+              <a:t>this</a:t>
+            </a:r>
+            <a:r>
+              <a:rPr lang="en-US" altLang="zh-TW" b="0" dirty="0" err="1">
+                <a:solidFill>
+                  <a:srgbClr val="D4D4D4"/>
+                </a:solidFill>
+                <a:effectLst/>
+                <a:latin typeface="Consolas" panose="020B0609020204030204" pitchFamily="49" charset="0"/>
+              </a:rPr>
+              <a:t>,</a:t>
+            </a:r>
+            <a:r>
+              <a:rPr lang="en-US" altLang="zh-TW" b="0" dirty="0" err="1">
+                <a:solidFill>
+                  <a:srgbClr val="00B0F0"/>
+                </a:solidFill>
+                <a:effectLst/>
+                <a:latin typeface="Consolas" panose="020B0609020204030204" pitchFamily="49" charset="0"/>
+              </a:rPr>
+              <a:t>def</a:t>
+            </a:r>
+            <a:r>
+              <a:rPr lang="en-US" altLang="zh-TW" b="0" dirty="0">
+                <a:effectLst/>
+                <a:latin typeface="Consolas" panose="020B0609020204030204" pitchFamily="49" charset="0"/>
+              </a:rPr>
+              <a:t>);</a:t>
+            </a:r>
+          </a:p>
+          <a:p>
+            <a:pPr marL="514350" indent="-514350">
+              <a:buClr>
+                <a:schemeClr val="tx1"/>
+              </a:buClr>
+              <a:buFont typeface="+mj-lt"/>
+              <a:buAutoNum type="arabicPeriod"/>
+            </a:pPr>
+            <a:r>
+              <a:rPr lang="en-US" altLang="zh-TW" b="0" dirty="0">
+                <a:solidFill>
+                  <a:srgbClr val="D4D4D4"/>
+                </a:solidFill>
+                <a:effectLst/>
+                <a:latin typeface="Consolas" panose="020B0609020204030204" pitchFamily="49" charset="0"/>
+              </a:rPr>
+              <a:t>   </a:t>
+            </a:r>
+            <a:r>
+              <a:rPr lang="en-US" altLang="zh-TW" b="0" dirty="0">
+                <a:effectLst/>
+                <a:latin typeface="Consolas" panose="020B0609020204030204" pitchFamily="49" charset="0"/>
+              </a:rPr>
+              <a:t> }</a:t>
+            </a:r>
+            <a:endParaRPr lang="en-US" altLang="zh-TW" b="0" dirty="0">
+              <a:solidFill>
+                <a:srgbClr val="FFC000"/>
+              </a:solidFill>
+              <a:effectLst/>
+              <a:latin typeface="Consolas" panose="020B0609020204030204" pitchFamily="49" charset="0"/>
+            </a:endParaRPr>
+          </a:p>
+          <a:p>
+            <a:pPr marL="514350" indent="-514350">
+              <a:buClr>
+                <a:schemeClr val="tx1"/>
+              </a:buClr>
+              <a:buFont typeface="+mj-lt"/>
+              <a:buAutoNum type="arabicPeriod"/>
+            </a:pPr>
+            <a:r>
+              <a:rPr lang="en-US" altLang="zh-TW" b="0" dirty="0">
+                <a:solidFill>
+                  <a:srgbClr val="D4D4D4"/>
+                </a:solidFill>
+                <a:effectLst/>
+                <a:latin typeface="Consolas" panose="020B0609020204030204" pitchFamily="49" charset="0"/>
+              </a:rPr>
+              <a:t>    </a:t>
+            </a:r>
+            <a:r>
+              <a:rPr lang="en-US" altLang="zh-TW" b="0" dirty="0">
+                <a:solidFill>
+                  <a:srgbClr val="FFC000"/>
+                </a:solidFill>
+                <a:effectLst/>
+                <a:latin typeface="Consolas" panose="020B0609020204030204" pitchFamily="49" charset="0"/>
+              </a:rPr>
+              <a:t>move</a:t>
+            </a:r>
+            <a:r>
+              <a:rPr lang="en-US" altLang="zh-TW" b="0" dirty="0">
+                <a:effectLst/>
+                <a:latin typeface="Consolas" panose="020B0609020204030204" pitchFamily="49" charset="0"/>
+              </a:rPr>
+              <a:t>() {</a:t>
+            </a:r>
+          </a:p>
+          <a:p>
+            <a:pPr marL="514350" indent="-514350">
+              <a:buClr>
+                <a:schemeClr val="tx1"/>
+              </a:buClr>
+              <a:buFont typeface="+mj-lt"/>
+              <a:buAutoNum type="arabicPeriod"/>
+            </a:pPr>
+            <a:r>
+              <a:rPr lang="en-US" altLang="zh-TW" b="0" dirty="0">
+                <a:solidFill>
+                  <a:srgbClr val="0070C0"/>
+                </a:solidFill>
+                <a:effectLst/>
+                <a:latin typeface="Consolas" panose="020B0609020204030204" pitchFamily="49" charset="0"/>
+              </a:rPr>
+              <a:t>        </a:t>
+            </a:r>
+            <a:r>
+              <a:rPr lang="en-US" altLang="zh-TW" b="0" dirty="0" err="1">
+                <a:solidFill>
+                  <a:srgbClr val="0070C0"/>
+                </a:solidFill>
+                <a:effectLst/>
+                <a:latin typeface="Consolas" panose="020B0609020204030204" pitchFamily="49" charset="0"/>
+              </a:rPr>
+              <a:t>this</a:t>
+            </a:r>
+            <a:r>
+              <a:rPr lang="en-US" altLang="zh-TW" b="0" dirty="0" err="1">
+                <a:effectLst/>
+                <a:latin typeface="Consolas" panose="020B0609020204030204" pitchFamily="49" charset="0"/>
+              </a:rPr>
+              <a:t>.</a:t>
+            </a:r>
+            <a:r>
+              <a:rPr lang="en-US" altLang="zh-TW" b="0" dirty="0" err="1">
+                <a:solidFill>
+                  <a:srgbClr val="00B0F0"/>
+                </a:solidFill>
+                <a:effectLst/>
+                <a:latin typeface="Consolas" panose="020B0609020204030204" pitchFamily="49" charset="0"/>
+              </a:rPr>
+              <a:t>age</a:t>
+            </a:r>
+            <a:r>
+              <a:rPr lang="en-US" altLang="zh-TW" b="0" dirty="0">
+                <a:effectLst/>
+                <a:latin typeface="Consolas" panose="020B0609020204030204" pitchFamily="49" charset="0"/>
+              </a:rPr>
+              <a:t>++</a:t>
+            </a:r>
+          </a:p>
+          <a:p>
+            <a:pPr marL="514350" indent="-514350">
+              <a:buClr>
+                <a:schemeClr val="tx1"/>
+              </a:buClr>
+              <a:buFont typeface="+mj-lt"/>
+              <a:buAutoNum type="arabicPeriod"/>
+            </a:pPr>
+            <a:r>
+              <a:rPr lang="en-US" altLang="zh-TW" b="0" dirty="0">
+                <a:effectLst/>
+                <a:latin typeface="Consolas" panose="020B0609020204030204" pitchFamily="49" charset="0"/>
+              </a:rPr>
+              <a:t>    }</a:t>
+            </a:r>
+          </a:p>
+          <a:p>
+            <a:pPr marL="514350" indent="-514350">
+              <a:buClr>
+                <a:schemeClr val="tx1"/>
+              </a:buClr>
+              <a:buFont typeface="+mj-lt"/>
+              <a:buAutoNum type="arabicPeriod"/>
+            </a:pPr>
+            <a:r>
+              <a:rPr lang="en-US" altLang="zh-TW" b="0" dirty="0">
+                <a:effectLst/>
+                <a:latin typeface="Consolas" panose="020B0609020204030204" pitchFamily="49" charset="0"/>
+              </a:rPr>
+              <a:t>}</a:t>
+            </a:r>
+          </a:p>
+          <a:p>
+            <a:pPr marL="514350" indent="-514350">
+              <a:buClr>
+                <a:schemeClr val="tx1"/>
+              </a:buClr>
+              <a:buFont typeface="+mj-lt"/>
+              <a:buAutoNum type="arabicPeriod"/>
+            </a:pPr>
+            <a:r>
+              <a:rPr lang="en-US" altLang="zh-TW" b="0" dirty="0">
+                <a:solidFill>
+                  <a:srgbClr val="0070C0"/>
+                </a:solidFill>
+                <a:effectLst/>
+                <a:latin typeface="Consolas" panose="020B0609020204030204" pitchFamily="49" charset="0"/>
+              </a:rPr>
+              <a:t>let</a:t>
+            </a:r>
+            <a:r>
+              <a:rPr lang="en-US" altLang="zh-TW" b="0" dirty="0">
+                <a:solidFill>
+                  <a:srgbClr val="D4D4D4"/>
+                </a:solidFill>
+                <a:effectLst/>
+                <a:latin typeface="Consolas" panose="020B0609020204030204" pitchFamily="49" charset="0"/>
+              </a:rPr>
+              <a:t> </a:t>
+            </a:r>
+            <a:r>
+              <a:rPr lang="en-US" altLang="zh-TW" b="0" dirty="0">
+                <a:solidFill>
+                  <a:srgbClr val="00B0F0"/>
+                </a:solidFill>
+                <a:effectLst/>
+                <a:latin typeface="Consolas" panose="020B0609020204030204" pitchFamily="49" charset="0"/>
+              </a:rPr>
+              <a:t>name</a:t>
+            </a:r>
+            <a:r>
+              <a:rPr lang="en-US" altLang="zh-TW" b="0" dirty="0">
+                <a:solidFill>
+                  <a:srgbClr val="D4D4D4"/>
+                </a:solidFill>
+                <a:effectLst/>
+                <a:latin typeface="Consolas" panose="020B0609020204030204" pitchFamily="49" charset="0"/>
+              </a:rPr>
+              <a:t> </a:t>
+            </a:r>
+            <a:r>
+              <a:rPr lang="en-US" altLang="zh-TW" b="0" dirty="0">
+                <a:effectLst/>
+                <a:latin typeface="Consolas" panose="020B0609020204030204" pitchFamily="49" charset="0"/>
+              </a:rPr>
+              <a:t>=</a:t>
+            </a:r>
+            <a:r>
+              <a:rPr lang="en-US" altLang="zh-TW" b="0" dirty="0">
+                <a:solidFill>
+                  <a:srgbClr val="D4D4D4"/>
+                </a:solidFill>
+                <a:effectLst/>
+                <a:latin typeface="Consolas" panose="020B0609020204030204" pitchFamily="49" charset="0"/>
+              </a:rPr>
+              <a:t> </a:t>
+            </a:r>
+            <a:r>
+              <a:rPr lang="en-US" altLang="zh-TW" b="0" dirty="0">
+                <a:solidFill>
+                  <a:srgbClr val="0070C0"/>
+                </a:solidFill>
+                <a:effectLst/>
+                <a:latin typeface="Consolas" panose="020B0609020204030204" pitchFamily="49" charset="0"/>
+              </a:rPr>
+              <a:t>new</a:t>
+            </a:r>
+            <a:r>
+              <a:rPr lang="en-US" altLang="zh-TW" b="0" dirty="0">
+                <a:solidFill>
+                  <a:srgbClr val="D4D4D4"/>
+                </a:solidFill>
+                <a:effectLst/>
+                <a:latin typeface="Consolas" panose="020B0609020204030204" pitchFamily="49" charset="0"/>
+              </a:rPr>
+              <a:t> </a:t>
+            </a:r>
+            <a:r>
+              <a:rPr lang="en-US" altLang="zh-TW" b="0" dirty="0">
+                <a:solidFill>
+                  <a:srgbClr val="00B050"/>
+                </a:solidFill>
+                <a:effectLst/>
+                <a:latin typeface="Consolas" panose="020B0609020204030204" pitchFamily="49" charset="0"/>
+              </a:rPr>
+              <a:t>Name</a:t>
+            </a:r>
+            <a:r>
+              <a:rPr lang="en-US" altLang="zh-TW" b="0" dirty="0">
+                <a:effectLst/>
+                <a:latin typeface="Consolas" panose="020B0609020204030204" pitchFamily="49" charset="0"/>
+              </a:rPr>
+              <a:t>({</a:t>
+            </a:r>
+          </a:p>
+          <a:p>
+            <a:pPr marL="514350" indent="-514350">
+              <a:buClr>
+                <a:schemeClr val="tx1"/>
+              </a:buClr>
+              <a:buFont typeface="+mj-lt"/>
+              <a:buAutoNum type="arabicPeriod"/>
+            </a:pPr>
+            <a:r>
+              <a:rPr lang="en-US" altLang="zh-TW" b="0" dirty="0">
+                <a:solidFill>
+                  <a:srgbClr val="00B0F0"/>
+                </a:solidFill>
+                <a:effectLst/>
+                <a:latin typeface="Consolas" panose="020B0609020204030204" pitchFamily="49" charset="0"/>
+              </a:rPr>
+              <a:t>    name:</a:t>
+            </a:r>
+            <a:r>
+              <a:rPr lang="en-US" altLang="zh-TW" b="0" dirty="0">
+                <a:solidFill>
+                  <a:srgbClr val="D4D4D4"/>
+                </a:solidFill>
+                <a:effectLst/>
+                <a:latin typeface="Consolas" panose="020B0609020204030204" pitchFamily="49" charset="0"/>
+              </a:rPr>
+              <a:t> </a:t>
+            </a:r>
+            <a:r>
+              <a:rPr lang="en-US" altLang="zh-TW" b="0" dirty="0">
+                <a:solidFill>
+                  <a:srgbClr val="CE9178"/>
+                </a:solidFill>
+                <a:effectLst/>
+                <a:latin typeface="Consolas" panose="020B0609020204030204" pitchFamily="49" charset="0"/>
+              </a:rPr>
+              <a:t>'Avery’</a:t>
+            </a:r>
+          </a:p>
+          <a:p>
+            <a:pPr marL="514350" indent="-514350">
+              <a:buClr>
+                <a:schemeClr val="tx1"/>
+              </a:buClr>
+              <a:buFont typeface="+mj-lt"/>
+              <a:buAutoNum type="arabicPeriod"/>
+            </a:pPr>
+            <a:r>
+              <a:rPr lang="en-US" altLang="zh-TW" b="0" dirty="0">
+                <a:effectLst/>
+                <a:latin typeface="Consolas" panose="020B0609020204030204" pitchFamily="49" charset="0"/>
+              </a:rPr>
+              <a:t>})</a:t>
+            </a:r>
+          </a:p>
+          <a:p>
+            <a:pPr marL="514350" indent="-514350">
+              <a:buClr>
+                <a:schemeClr val="tx1"/>
+              </a:buClr>
+              <a:buFont typeface="+mj-lt"/>
+              <a:buAutoNum type="arabicPeriod"/>
+            </a:pPr>
+            <a:r>
+              <a:rPr lang="en-US" altLang="zh-TW" b="0" dirty="0" err="1">
+                <a:solidFill>
+                  <a:srgbClr val="00B0F0"/>
+                </a:solidFill>
+                <a:effectLst/>
+                <a:latin typeface="Consolas" panose="020B0609020204030204" pitchFamily="49" charset="0"/>
+              </a:rPr>
+              <a:t>name</a:t>
+            </a:r>
+            <a:r>
+              <a:rPr lang="en-US" altLang="zh-TW" b="0" dirty="0" err="1">
+                <a:effectLst/>
+                <a:latin typeface="Consolas" panose="020B0609020204030204" pitchFamily="49" charset="0"/>
+              </a:rPr>
+              <a:t>.</a:t>
+            </a:r>
+            <a:r>
+              <a:rPr lang="en-US" altLang="zh-TW" b="0" dirty="0" err="1">
+                <a:solidFill>
+                  <a:srgbClr val="FFC000"/>
+                </a:solidFill>
+                <a:effectLst/>
+                <a:latin typeface="Consolas" panose="020B0609020204030204" pitchFamily="49" charset="0"/>
+              </a:rPr>
+              <a:t>move</a:t>
+            </a:r>
+            <a:r>
+              <a:rPr lang="en-US" altLang="zh-TW" b="0" dirty="0">
+                <a:effectLst/>
+                <a:latin typeface="Consolas" panose="020B0609020204030204" pitchFamily="49" charset="0"/>
+              </a:rPr>
+              <a:t>();</a:t>
+            </a:r>
+          </a:p>
+        </p:txBody>
+      </p:sp>
+      <p:sp>
+        <p:nvSpPr>
+          <p:cNvPr id="9" name="箭號: 向右 8">
+            <a:extLst>
+              <a:ext uri="{FF2B5EF4-FFF2-40B4-BE49-F238E27FC236}">
+                <a16:creationId xmlns:a16="http://schemas.microsoft.com/office/drawing/2014/main" id="{76A181B8-2BC8-4BC3-8426-D86239B4D169}"/>
+              </a:ext>
+            </a:extLst>
+          </p:cNvPr>
+          <p:cNvSpPr/>
+          <p:nvPr/>
+        </p:nvSpPr>
+        <p:spPr>
+          <a:xfrm>
+            <a:off x="6047923" y="3590812"/>
+            <a:ext cx="1388446" cy="701270"/>
+          </a:xfrm>
+          <a:prstGeom prst="rightArrow">
+            <a:avLst/>
+          </a:prstGeom>
+        </p:spPr>
+        <p:style>
+          <a:lnRef idx="2">
+            <a:schemeClr val="accent1">
+              <a:shade val="50000"/>
+            </a:schemeClr>
+          </a:lnRef>
+          <a:fillRef idx="1">
+            <a:schemeClr val="accent1"/>
+          </a:fillRef>
+          <a:effectRef idx="0">
+            <a:schemeClr val="accent1"/>
+          </a:effectRef>
+          <a:fontRef idx="minor">
+            <a:schemeClr val="lt1"/>
+          </a:fontRef>
+        </p:style>
+        <p:txBody>
+          <a:bodyPr rtlCol="0" anchor="ctr"/>
+          <a:lstStyle/>
+          <a:p>
+            <a:pPr algn="ctr"/>
             <a:endParaRPr lang="zh-TW" altLang="en-US"/>
+          </a:p>
+        </p:txBody>
+      </p:sp>
+      <p:sp>
+        <p:nvSpPr>
+          <p:cNvPr id="10" name="內容版面配置區 2">
+            <a:extLst>
+              <a:ext uri="{FF2B5EF4-FFF2-40B4-BE49-F238E27FC236}">
+                <a16:creationId xmlns:a16="http://schemas.microsoft.com/office/drawing/2014/main" id="{B80207EB-F311-45C0-8C8C-6423CACD3E75}"/>
+              </a:ext>
+            </a:extLst>
+          </p:cNvPr>
+          <p:cNvSpPr txBox="1">
+            <a:spLocks/>
+          </p:cNvSpPr>
+          <p:nvPr/>
+        </p:nvSpPr>
+        <p:spPr>
+          <a:xfrm>
+            <a:off x="7524752" y="2526956"/>
+            <a:ext cx="4446424" cy="2828982"/>
+          </a:xfrm>
+          <a:prstGeom prst="rect">
+            <a:avLst/>
+          </a:prstGeom>
+          <a:solidFill>
+            <a:schemeClr val="accent6">
+              <a:lumMod val="20000"/>
+              <a:lumOff val="80000"/>
+            </a:schemeClr>
+          </a:solidFill>
+          <a:ln>
+            <a:solidFill>
+              <a:schemeClr val="tx1"/>
+            </a:solidFill>
+          </a:ln>
+        </p:spPr>
+        <p:txBody>
+          <a:bodyPr vert="horz" lIns="91440" tIns="45720" rIns="91440" bIns="45720" rtlCol="0" anchor="ctr">
+            <a:normAutofit fontScale="92500"/>
+          </a:bodyPr>
+          <a:lstStyle>
+            <a:lvl1pPr marL="228600" indent="-228600" algn="l" defTabSz="914400" rtl="0" eaLnBrk="1" latinLnBrk="0" hangingPunct="1">
+              <a:lnSpc>
+                <a:spcPct val="90000"/>
+              </a:lnSpc>
+              <a:spcBef>
+                <a:spcPts val="1000"/>
+              </a:spcBef>
+              <a:buFont typeface="Wingdings" panose="05000000000000000000" pitchFamily="2" charset="2"/>
+              <a:buChar char="l"/>
+              <a:defRPr sz="3200" kern="1200" baseline="0">
+                <a:solidFill>
+                  <a:schemeClr val="tx1"/>
+                </a:solidFill>
+                <a:latin typeface="Times New Roman" panose="02020603050405020304" pitchFamily="18" charset="0"/>
+                <a:ea typeface="新細明體" panose="02020500000000000000" pitchFamily="18" charset="-120"/>
+                <a:cs typeface="+mn-cs"/>
+              </a:defRPr>
+            </a:lvl1pPr>
+            <a:lvl2pPr marL="457200" indent="0" algn="l" defTabSz="914400" rtl="0" eaLnBrk="1" latinLnBrk="0" hangingPunct="1">
+              <a:lnSpc>
+                <a:spcPct val="90000"/>
+              </a:lnSpc>
+              <a:spcBef>
+                <a:spcPts val="500"/>
+              </a:spcBef>
+              <a:buFont typeface="Wingdings" panose="05000000000000000000" pitchFamily="2" charset="2"/>
+              <a:buChar char="l"/>
+              <a:defRPr sz="3200" kern="1200" baseline="0">
+                <a:solidFill>
+                  <a:schemeClr val="tx1"/>
+                </a:solidFill>
+                <a:latin typeface="Times New Roman" panose="02020603050405020304" pitchFamily="18" charset="0"/>
+                <a:ea typeface="新細明體" panose="02020500000000000000" pitchFamily="18" charset="-120"/>
+                <a:cs typeface="+mn-cs"/>
+              </a:defRPr>
+            </a:lvl2pPr>
+            <a:lvl3pPr marL="1143000" indent="-228600" algn="l" defTabSz="914400" rtl="0" eaLnBrk="1" latinLnBrk="0" hangingPunct="1">
+              <a:lnSpc>
+                <a:spcPct val="90000"/>
+              </a:lnSpc>
+              <a:spcBef>
+                <a:spcPts val="500"/>
+              </a:spcBef>
+              <a:buFont typeface="Wingdings" panose="05000000000000000000" pitchFamily="2" charset="2"/>
+              <a:buChar char="l"/>
+              <a:defRPr sz="2800" kern="1200" baseline="0">
+                <a:solidFill>
+                  <a:schemeClr val="tx1"/>
+                </a:solidFill>
+                <a:latin typeface="Times New Roman" panose="02020603050405020304" pitchFamily="18" charset="0"/>
+                <a:ea typeface="新細明體" panose="02020500000000000000" pitchFamily="18" charset="-120"/>
+                <a:cs typeface="+mn-cs"/>
+              </a:defRPr>
+            </a:lvl3pPr>
+            <a:lvl4pPr marL="1600200" indent="-228600" algn="l" defTabSz="914400" rtl="0" eaLnBrk="1" latinLnBrk="0" hangingPunct="1">
+              <a:lnSpc>
+                <a:spcPct val="90000"/>
+              </a:lnSpc>
+              <a:spcBef>
+                <a:spcPts val="500"/>
+              </a:spcBef>
+              <a:buFont typeface="Wingdings" panose="05000000000000000000" pitchFamily="2" charset="2"/>
+              <a:buChar char="l"/>
+              <a:defRPr sz="3200" kern="1200" baseline="0">
+                <a:solidFill>
+                  <a:schemeClr val="tx1"/>
+                </a:solidFill>
+                <a:latin typeface="Times New Roman" panose="02020603050405020304" pitchFamily="18" charset="0"/>
+                <a:ea typeface="新細明體" panose="02020500000000000000" pitchFamily="18" charset="-120"/>
+                <a:cs typeface="+mn-cs"/>
+              </a:defRPr>
+            </a:lvl4pPr>
+            <a:lvl5pPr marL="2057400" indent="-228600" algn="l" defTabSz="914400" rtl="0" eaLnBrk="1" latinLnBrk="0" hangingPunct="1">
+              <a:lnSpc>
+                <a:spcPct val="90000"/>
+              </a:lnSpc>
+              <a:spcBef>
+                <a:spcPts val="500"/>
+              </a:spcBef>
+              <a:buFont typeface="Wingdings" panose="05000000000000000000" pitchFamily="2" charset="2"/>
+              <a:buChar char="l"/>
+              <a:defRPr sz="3200" kern="1200" baseline="0">
+                <a:solidFill>
+                  <a:schemeClr val="tx1"/>
+                </a:solidFill>
+                <a:latin typeface="Times New Roman" panose="02020603050405020304" pitchFamily="18" charset="0"/>
+                <a:ea typeface="新細明體" panose="02020500000000000000" pitchFamily="18" charset="-120"/>
+                <a:cs typeface="+mn-cs"/>
+              </a:defRPr>
+            </a:lvl5pPr>
+            <a:lvl6pPr marL="2514600" indent="-228600" algn="l" defTabSz="914400" rtl="0" eaLnBrk="1" latinLnBrk="0" hangingPunct="1">
+              <a:lnSpc>
+                <a:spcPct val="90000"/>
+              </a:lnSpc>
+              <a:spcBef>
+                <a:spcPts val="500"/>
+              </a:spcBef>
+              <a:buFont typeface="Wingdings" panose="05000000000000000000" pitchFamily="2" charset="2"/>
+              <a:buChar char="l"/>
+              <a:defRPr sz="1800" kern="1200">
+                <a:solidFill>
+                  <a:schemeClr val="tx1"/>
+                </a:solidFill>
+                <a:latin typeface="+mn-lt"/>
+                <a:ea typeface="+mn-ea"/>
+                <a:cs typeface="+mn-cs"/>
+              </a:defRPr>
+            </a:lvl6pPr>
+            <a:lvl7pPr marL="2971800" indent="-228600" algn="l" defTabSz="914400" rtl="0" eaLnBrk="1" latinLnBrk="0" hangingPunct="1">
+              <a:lnSpc>
+                <a:spcPct val="90000"/>
+              </a:lnSpc>
+              <a:spcBef>
+                <a:spcPts val="500"/>
+              </a:spcBef>
+              <a:buFont typeface="Arial" panose="020B0604020202020204" pitchFamily="34" charset="0"/>
+              <a:buChar char="•"/>
+              <a:defRPr sz="1800" kern="1200">
+                <a:solidFill>
+                  <a:schemeClr val="tx1"/>
+                </a:solidFill>
+                <a:latin typeface="+mn-lt"/>
+                <a:ea typeface="+mn-ea"/>
+                <a:cs typeface="+mn-cs"/>
+              </a:defRPr>
+            </a:lvl7pPr>
+            <a:lvl8pPr marL="3429000" indent="-228600" algn="l" defTabSz="914400" rtl="0" eaLnBrk="1" latinLnBrk="0" hangingPunct="1">
+              <a:lnSpc>
+                <a:spcPct val="90000"/>
+              </a:lnSpc>
+              <a:spcBef>
+                <a:spcPts val="500"/>
+              </a:spcBef>
+              <a:buFont typeface="Arial" panose="020B0604020202020204" pitchFamily="34" charset="0"/>
+              <a:buChar char="•"/>
+              <a:defRPr sz="1800" kern="1200">
+                <a:solidFill>
+                  <a:schemeClr val="tx1"/>
+                </a:solidFill>
+                <a:latin typeface="+mn-lt"/>
+                <a:ea typeface="+mn-ea"/>
+                <a:cs typeface="+mn-cs"/>
+              </a:defRPr>
+            </a:lvl8pPr>
+            <a:lvl9pPr marL="3886200" indent="-228600" algn="l" defTabSz="914400" rtl="0" eaLnBrk="1" latinLnBrk="0" hangingPunct="1">
+              <a:lnSpc>
+                <a:spcPct val="90000"/>
+              </a:lnSpc>
+              <a:spcBef>
+                <a:spcPts val="500"/>
+              </a:spcBef>
+              <a:buFont typeface="Arial" panose="020B0604020202020204" pitchFamily="34" charset="0"/>
+              <a:buChar char="•"/>
+              <a:defRPr sz="1800" kern="1200">
+                <a:solidFill>
+                  <a:schemeClr val="tx1"/>
+                </a:solidFill>
+                <a:latin typeface="+mn-lt"/>
+                <a:ea typeface="+mn-ea"/>
+                <a:cs typeface="+mn-cs"/>
+              </a:defRPr>
+            </a:lvl9pPr>
+          </a:lstStyle>
+          <a:p>
+            <a:pPr marL="514350" indent="-514350">
+              <a:buClr>
+                <a:schemeClr val="tx1"/>
+              </a:buClr>
+              <a:buFont typeface="+mj-lt"/>
+              <a:buAutoNum type="arabicPeriod"/>
+            </a:pPr>
+            <a:r>
+              <a:rPr lang="en-US" altLang="zh-TW" b="0" dirty="0">
+                <a:solidFill>
+                  <a:srgbClr val="00B0F0"/>
+                </a:solidFill>
+                <a:effectLst/>
+                <a:latin typeface="Consolas" panose="020B0609020204030204" pitchFamily="49" charset="0"/>
+              </a:rPr>
+              <a:t>name</a:t>
+            </a:r>
+            <a:r>
+              <a:rPr lang="en-US" altLang="zh-TW" b="0" dirty="0">
+                <a:solidFill>
+                  <a:srgbClr val="D4D4D4"/>
+                </a:solidFill>
+                <a:effectLst/>
+                <a:latin typeface="Consolas" panose="020B0609020204030204" pitchFamily="49" charset="0"/>
+              </a:rPr>
+              <a:t> </a:t>
+            </a:r>
+            <a:r>
+              <a:rPr lang="en-US" altLang="zh-TW" b="0" dirty="0">
+                <a:effectLst/>
+                <a:latin typeface="Consolas" panose="020B0609020204030204" pitchFamily="49" charset="0"/>
+              </a:rPr>
+              <a:t>= {</a:t>
+            </a:r>
+          </a:p>
+          <a:p>
+            <a:pPr marL="514350" indent="-514350">
+              <a:buClr>
+                <a:schemeClr val="tx1"/>
+              </a:buClr>
+              <a:buFont typeface="+mj-lt"/>
+              <a:buAutoNum type="arabicPeriod"/>
+            </a:pPr>
+            <a:r>
+              <a:rPr lang="en-US" altLang="zh-TW" b="0" dirty="0">
+                <a:solidFill>
+                  <a:srgbClr val="D4D4D4"/>
+                </a:solidFill>
+                <a:effectLst/>
+                <a:latin typeface="Consolas" panose="020B0609020204030204" pitchFamily="49" charset="0"/>
+              </a:rPr>
+              <a:t>    </a:t>
+            </a:r>
+            <a:r>
+              <a:rPr lang="en-US" altLang="zh-TW" b="0" dirty="0">
+                <a:solidFill>
+                  <a:srgbClr val="00B0F0"/>
+                </a:solidFill>
+                <a:effectLst/>
+                <a:latin typeface="Consolas" panose="020B0609020204030204" pitchFamily="49" charset="0"/>
+              </a:rPr>
+              <a:t>age:</a:t>
+            </a:r>
+            <a:r>
+              <a:rPr lang="en-US" altLang="zh-TW" b="0" dirty="0">
+                <a:solidFill>
+                  <a:srgbClr val="D4D4D4"/>
+                </a:solidFill>
+                <a:effectLst/>
+                <a:latin typeface="Consolas" panose="020B0609020204030204" pitchFamily="49" charset="0"/>
+              </a:rPr>
+              <a:t> </a:t>
+            </a:r>
+            <a:r>
+              <a:rPr lang="en-US" altLang="zh-TW" b="0" dirty="0">
+                <a:solidFill>
+                  <a:srgbClr val="92D050"/>
+                </a:solidFill>
+                <a:effectLst/>
+                <a:latin typeface="Consolas" panose="020B0609020204030204" pitchFamily="49" charset="0"/>
+              </a:rPr>
+              <a:t>8</a:t>
+            </a:r>
+            <a:r>
+              <a:rPr lang="en-US" altLang="zh-TW" b="0" dirty="0">
+                <a:effectLst/>
+                <a:latin typeface="Consolas" panose="020B0609020204030204" pitchFamily="49" charset="0"/>
+              </a:rPr>
+              <a:t>,</a:t>
+            </a:r>
+          </a:p>
+          <a:p>
+            <a:pPr marL="514350" indent="-514350">
+              <a:buClr>
+                <a:schemeClr val="tx1"/>
+              </a:buClr>
+              <a:buFont typeface="+mj-lt"/>
+              <a:buAutoNum type="arabicPeriod"/>
+            </a:pPr>
+            <a:r>
+              <a:rPr lang="en-US" altLang="zh-TW" b="0" dirty="0">
+                <a:solidFill>
+                  <a:srgbClr val="D4D4D4"/>
+                </a:solidFill>
+                <a:effectLst/>
+                <a:latin typeface="Consolas" panose="020B0609020204030204" pitchFamily="49" charset="0"/>
+              </a:rPr>
+              <a:t>    </a:t>
+            </a:r>
+            <a:r>
+              <a:rPr lang="en-US" altLang="zh-TW" b="0" dirty="0">
+                <a:solidFill>
+                  <a:srgbClr val="00B0F0"/>
+                </a:solidFill>
+                <a:effectLst/>
+                <a:latin typeface="Consolas" panose="020B0609020204030204" pitchFamily="49" charset="0"/>
+              </a:rPr>
+              <a:t>sex:</a:t>
+            </a:r>
+            <a:r>
+              <a:rPr lang="en-US" altLang="zh-TW" b="0" dirty="0">
+                <a:solidFill>
+                  <a:srgbClr val="D4D4D4"/>
+                </a:solidFill>
+                <a:effectLst/>
+                <a:latin typeface="Consolas" panose="020B0609020204030204" pitchFamily="49" charset="0"/>
+              </a:rPr>
+              <a:t> </a:t>
+            </a:r>
+            <a:r>
+              <a:rPr lang="en-US" altLang="zh-TW" b="0" dirty="0">
+                <a:solidFill>
+                  <a:srgbClr val="92D050"/>
+                </a:solidFill>
+                <a:effectLst/>
+                <a:latin typeface="Consolas" panose="020B0609020204030204" pitchFamily="49" charset="0"/>
+              </a:rPr>
+              <a:t>2</a:t>
+            </a:r>
+            <a:r>
+              <a:rPr lang="en-US" altLang="zh-TW" b="0" dirty="0">
+                <a:effectLst/>
+                <a:latin typeface="Consolas" panose="020B0609020204030204" pitchFamily="49" charset="0"/>
+              </a:rPr>
+              <a:t>, </a:t>
+            </a:r>
+          </a:p>
+          <a:p>
+            <a:pPr marL="514350" indent="-514350">
+              <a:buClr>
+                <a:schemeClr val="tx1"/>
+              </a:buClr>
+              <a:buFont typeface="+mj-lt"/>
+              <a:buAutoNum type="arabicPeriod"/>
+            </a:pPr>
+            <a:r>
+              <a:rPr lang="en-US" altLang="zh-TW" b="0" dirty="0">
+                <a:solidFill>
+                  <a:srgbClr val="D4D4D4"/>
+                </a:solidFill>
+                <a:effectLst/>
+                <a:latin typeface="Consolas" panose="020B0609020204030204" pitchFamily="49" charset="0"/>
+              </a:rPr>
+              <a:t>    </a:t>
+            </a:r>
+            <a:r>
+              <a:rPr lang="en-US" altLang="zh-TW" b="0" dirty="0">
+                <a:solidFill>
+                  <a:srgbClr val="00B0F0"/>
+                </a:solidFill>
+                <a:effectLst/>
+                <a:latin typeface="Consolas" panose="020B0609020204030204" pitchFamily="49" charset="0"/>
+              </a:rPr>
+              <a:t>name:</a:t>
+            </a:r>
+            <a:r>
+              <a:rPr lang="en-US" altLang="zh-TW" b="0" dirty="0">
+                <a:solidFill>
+                  <a:srgbClr val="D4D4D4"/>
+                </a:solidFill>
+                <a:effectLst/>
+                <a:latin typeface="Consolas" panose="020B0609020204030204" pitchFamily="49" charset="0"/>
+              </a:rPr>
+              <a:t> </a:t>
+            </a:r>
+            <a:r>
+              <a:rPr lang="en-US" altLang="zh-TW" b="0" dirty="0">
+                <a:solidFill>
+                  <a:srgbClr val="C00000"/>
+                </a:solidFill>
+                <a:effectLst/>
+                <a:latin typeface="Consolas" panose="020B0609020204030204" pitchFamily="49" charset="0"/>
+              </a:rPr>
+              <a:t>"</a:t>
+            </a:r>
+            <a:r>
+              <a:rPr lang="en-US" altLang="zh-TW" b="0" dirty="0">
+                <a:solidFill>
+                  <a:srgbClr val="FF0000"/>
+                </a:solidFill>
+                <a:effectLst/>
+                <a:latin typeface="Consolas" panose="020B0609020204030204" pitchFamily="49" charset="0"/>
+              </a:rPr>
+              <a:t>Avery</a:t>
+            </a:r>
+            <a:r>
+              <a:rPr lang="en-US" altLang="zh-TW" b="0" dirty="0">
+                <a:solidFill>
+                  <a:srgbClr val="C00000"/>
+                </a:solidFill>
+                <a:effectLst/>
+                <a:latin typeface="Consolas" panose="020B0609020204030204" pitchFamily="49" charset="0"/>
+              </a:rPr>
+              <a:t>"</a:t>
+            </a:r>
+          </a:p>
+          <a:p>
+            <a:pPr marL="514350" indent="-514350">
+              <a:buClr>
+                <a:schemeClr val="tx1"/>
+              </a:buClr>
+              <a:buFont typeface="+mj-lt"/>
+              <a:buAutoNum type="arabicPeriod"/>
+            </a:pPr>
+            <a:r>
+              <a:rPr lang="en-US" altLang="zh-TW" b="0" dirty="0">
+                <a:effectLst/>
+                <a:latin typeface="Consolas" panose="020B0609020204030204" pitchFamily="49" charset="0"/>
+              </a:rPr>
+              <a:t>}</a:t>
+            </a:r>
           </a:p>
         </p:txBody>
       </p:sp>
     </p:spTree>
     <p:extLst>
       <p:ext uri="{BB962C8B-B14F-4D97-AF65-F5344CB8AC3E}">
-        <p14:creationId xmlns:p14="http://schemas.microsoft.com/office/powerpoint/2010/main" val="3369053566"/>
+        <p14:creationId xmlns:p14="http://schemas.microsoft.com/office/powerpoint/2010/main" val="2295793618"/>
       </p:ext>
     </p:extLst>
   </p:cSld>
   <p:clrMapOvr>
     <a:masterClrMapping/>
   </p:clrMapOvr>
-  <mc:AlternateContent xmlns:mc="http://schemas.openxmlformats.org/markup-compatibility/2006">
-    <mc:Choice xmlns:p14="http://schemas.microsoft.com/office/powerpoint/2010/main" Requires="p14">
+  <mc:AlternateContent xmlns:mc="http://schemas.openxmlformats.org/markup-compatibility/2006" xmlns:p14="http://schemas.microsoft.com/office/powerpoint/2010/main">
+    <mc:Choice Requires="p14">
       <p:transition spd="slow" p14:dur="1600">
         <p14:gallery dir="l"/>
       </p:transition>
     </mc:Choice>
-    <mc:Fallback>
+    <mc:Fallback xmlns="">
       <p:transition spd="slow">
         <p:fade/>
       </p:transition>
@@ -5834,10 +8422,65 @@
       </p:grpSpPr>
       <p:sp>
         <p:nvSpPr>
-          <p:cNvPr id="2" name="標題 1">
-            <a:extLst>
-              <a:ext uri="{FF2B5EF4-FFF2-40B4-BE49-F238E27FC236}">
-                <a16:creationId xmlns:a16="http://schemas.microsoft.com/office/drawing/2014/main" id="{40FAAF0B-F610-4447-AF6C-715571FAE211}"/>
+          <p:cNvPr id="3" name="標題 1">
+            <a:extLst>
+              <a:ext uri="{FF2B5EF4-FFF2-40B4-BE49-F238E27FC236}">
+                <a16:creationId xmlns:a16="http://schemas.microsoft.com/office/drawing/2014/main" id="{24564712-9231-4D13-B1CE-4B5D45C6CA9B}"/>
+              </a:ext>
+            </a:extLst>
+          </p:cNvPr>
+          <p:cNvSpPr txBox="1">
+            <a:spLocks/>
+          </p:cNvSpPr>
+          <p:nvPr/>
+        </p:nvSpPr>
+        <p:spPr>
+          <a:xfrm>
+            <a:off x="838200" y="2204514"/>
+            <a:ext cx="10515600" cy="2448971"/>
+          </a:xfrm>
+          <a:prstGeom prst="rect">
+            <a:avLst/>
+          </a:prstGeom>
+        </p:spPr>
+        <p:txBody>
+          <a:bodyPr vert="horz" lIns="91440" tIns="45720" rIns="91440" bIns="45720" rtlCol="0" anchor="ctr">
+            <a:normAutofit/>
+          </a:bodyPr>
+          <a:lstStyle>
+            <a:lvl1pPr algn="ctr" defTabSz="914400" rtl="0" eaLnBrk="1" latinLnBrk="0" hangingPunct="1">
+              <a:lnSpc>
+                <a:spcPct val="90000"/>
+              </a:lnSpc>
+              <a:spcBef>
+                <a:spcPct val="0"/>
+              </a:spcBef>
+              <a:buNone/>
+              <a:defRPr sz="4400" kern="1200" baseline="0">
+                <a:solidFill>
+                  <a:schemeClr val="tx1"/>
+                </a:solidFill>
+                <a:latin typeface="Times New Roman" panose="02020603050405020304" pitchFamily="18" charset="0"/>
+                <a:ea typeface="新細明體" panose="02020500000000000000" pitchFamily="18" charset="-120"/>
+                <a:cs typeface="+mj-cs"/>
+              </a:defRPr>
+            </a:lvl1pPr>
+          </a:lstStyle>
+          <a:p>
+            <a:r>
+              <a:rPr lang="en-US" altLang="zh-TW" sz="10000" dirty="0"/>
+              <a:t>Canvas</a:t>
+            </a:r>
+            <a:endParaRPr lang="zh-TW" altLang="en-US" sz="10000" dirty="0"/>
+          </a:p>
+        </p:txBody>
+      </p:sp>
+      <p:sp>
+        <p:nvSpPr>
+          <p:cNvPr id="5" name="標題 4">
+            <a:extLst>
+              <a:ext uri="{FF2B5EF4-FFF2-40B4-BE49-F238E27FC236}">
+                <a16:creationId xmlns:a16="http://schemas.microsoft.com/office/drawing/2014/main" id="{FFE67A41-51A6-41FA-A3BB-C63F3F01D62C}"/>
               </a:ext>
             </a:extLst>
           </p:cNvPr>
@@ -5853,131 +8496,27 @@
           <a:bodyPr/>
           <a:lstStyle/>
           <a:p>
-            <a:pPr algn="ctr"/>
-            <a:r>
-              <a:rPr lang="en-US" altLang="zh-TW" dirty="0"/>
-              <a:t>Canvas </a:t>
-            </a:r>
-            <a:r>
-              <a:rPr lang="zh-TW" altLang="en-US" dirty="0"/>
-              <a:t>基礎性質</a:t>
-            </a:r>
-          </a:p>
-        </p:txBody>
-      </p:sp>
-      <p:sp>
-        <p:nvSpPr>
-          <p:cNvPr id="3" name="內容版面配置區 2">
-            <a:extLst>
-              <a:ext uri="{FF2B5EF4-FFF2-40B4-BE49-F238E27FC236}">
-                <a16:creationId xmlns:a16="http://schemas.microsoft.com/office/drawing/2014/main" id="{B524D050-ADA2-46DA-968A-7813AD8B4D1C}"/>
-              </a:ext>
-            </a:extLst>
-          </p:cNvPr>
-          <p:cNvSpPr>
-            <a:spLocks noGrp="1"/>
-          </p:cNvSpPr>
-          <p:nvPr>
-            <p:ph idx="1"/>
-          </p:nvPr>
-        </p:nvSpPr>
-        <p:spPr>
-          <a:xfrm>
-            <a:off x="838200" y="1825625"/>
-            <a:ext cx="10515600" cy="4477204"/>
-          </a:xfrm>
-        </p:spPr>
-        <p:txBody>
-          <a:bodyPr anchor="ctr">
-            <a:normAutofit/>
-          </a:bodyPr>
-          <a:lstStyle/>
-          <a:p>
-            <a:pPr>
-              <a:buFont typeface="Wingdings" panose="05000000000000000000" pitchFamily="2" charset="2"/>
-              <a:buChar char="l"/>
-            </a:pPr>
-            <a:r>
-              <a:rPr lang="zh-TW" altLang="en-US" sz="3200" dirty="0">
-                <a:latin typeface="Times New Roman" panose="02020603050405020304" pitchFamily="18" charset="0"/>
-                <a:ea typeface="新細明體" panose="02020500000000000000" pitchFamily="18" charset="-120"/>
-              </a:rPr>
-              <a:t>可以自由繪製</a:t>
-            </a:r>
-            <a:endParaRPr lang="en-US" altLang="zh-TW" sz="3200" dirty="0">
-              <a:latin typeface="Times New Roman" panose="02020603050405020304" pitchFamily="18" charset="0"/>
-              <a:ea typeface="新細明體" panose="02020500000000000000" pitchFamily="18" charset="-120"/>
-            </a:endParaRPr>
-          </a:p>
-          <a:p>
-            <a:pPr>
-              <a:buFont typeface="Wingdings" panose="05000000000000000000" pitchFamily="2" charset="2"/>
-              <a:buChar char="l"/>
-            </a:pPr>
-            <a:endParaRPr lang="en-US" altLang="zh-TW" sz="3200" dirty="0">
-              <a:latin typeface="Times New Roman" panose="02020603050405020304" pitchFamily="18" charset="0"/>
-              <a:ea typeface="新細明體" panose="02020500000000000000" pitchFamily="18" charset="-120"/>
-            </a:endParaRPr>
-          </a:p>
-          <a:p>
-            <a:pPr>
-              <a:buFont typeface="Wingdings" panose="05000000000000000000" pitchFamily="2" charset="2"/>
-              <a:buChar char="l"/>
-            </a:pPr>
-            <a:r>
-              <a:rPr lang="zh-TW" altLang="en-US" sz="3200" dirty="0">
-                <a:latin typeface="Times New Roman" panose="02020603050405020304" pitchFamily="18" charset="0"/>
-                <a:ea typeface="新細明體" panose="02020500000000000000" pitchFamily="18" charset="-120"/>
-              </a:rPr>
-              <a:t>可以控制每個像素的顏色與屬性</a:t>
-            </a:r>
-            <a:endParaRPr lang="en-US" altLang="zh-TW" sz="3200" dirty="0">
-              <a:latin typeface="Times New Roman" panose="02020603050405020304" pitchFamily="18" charset="0"/>
-              <a:ea typeface="新細明體" panose="02020500000000000000" pitchFamily="18" charset="-120"/>
-            </a:endParaRPr>
-          </a:p>
-          <a:p>
-            <a:pPr>
-              <a:buFont typeface="Wingdings" panose="05000000000000000000" pitchFamily="2" charset="2"/>
-              <a:buChar char="l"/>
-            </a:pPr>
-            <a:endParaRPr lang="en-US" altLang="zh-TW" sz="3200" dirty="0">
-              <a:latin typeface="Times New Roman" panose="02020603050405020304" pitchFamily="18" charset="0"/>
-              <a:ea typeface="新細明體" panose="02020500000000000000" pitchFamily="18" charset="-120"/>
-            </a:endParaRPr>
-          </a:p>
-          <a:p>
-            <a:pPr>
-              <a:buFont typeface="Wingdings" panose="05000000000000000000" pitchFamily="2" charset="2"/>
-              <a:buChar char="l"/>
-            </a:pPr>
-            <a:r>
-              <a:rPr lang="zh-TW" altLang="en-US" sz="3200" dirty="0">
-                <a:latin typeface="Times New Roman" panose="02020603050405020304" pitchFamily="18" charset="0"/>
-                <a:ea typeface="新細明體" panose="02020500000000000000" pitchFamily="18" charset="-120"/>
-              </a:rPr>
-              <a:t>擁有高度自由性</a:t>
-            </a:r>
+            <a:endParaRPr lang="zh-TW" altLang="en-US"/>
           </a:p>
         </p:txBody>
       </p:sp>
     </p:spTree>
     <p:extLst>
       <p:ext uri="{BB962C8B-B14F-4D97-AF65-F5344CB8AC3E}">
-        <p14:creationId xmlns:p14="http://schemas.microsoft.com/office/powerpoint/2010/main" val="3285628971"/>
+        <p14:creationId xmlns:p14="http://schemas.microsoft.com/office/powerpoint/2010/main" val="1486854516"/>
       </p:ext>
     </p:extLst>
   </p:cSld>
   <p:clrMapOvr>
     <a:masterClrMapping/>
   </p:clrMapOvr>
-  <mc:AlternateContent xmlns:mc="http://schemas.openxmlformats.org/markup-compatibility/2006">
-    <mc:Choice xmlns:p14="http://schemas.microsoft.com/office/powerpoint/2010/main" Requires="p14">
+  <mc:AlternateContent xmlns:mc="http://schemas.openxmlformats.org/markup-compatibility/2006" xmlns:p14="http://schemas.microsoft.com/office/powerpoint/2010/main">
+    <mc:Choice Requires="p14">
       <p:transition spd="slow" p14:dur="1600">
         <p14:gallery dir="l"/>
       </p:transition>
     </mc:Choice>
-    <mc:Fallback>
+    <mc:Fallback xmlns="">
       <p:transition spd="slow">
         <p:fade/>
       </p:transition>
@@ -6024,7 +8563,14 @@
           <a:bodyPr/>
           <a:lstStyle/>
           <a:p>
-            <a:endParaRPr lang="zh-TW" altLang="en-US"/>
+            <a:r>
+              <a:rPr lang="en-US" altLang="zh-TW" dirty="0"/>
+              <a:t>JS</a:t>
+            </a:r>
+            <a:r>
+              <a:rPr lang="zh-TW" altLang="en-US" dirty="0"/>
+              <a:t> 時間函數（非同步）</a:t>
+            </a:r>
           </a:p>
         </p:txBody>
       </p:sp>
@@ -6044,32 +8590,387 @@
             <p:ph idx="1"/>
           </p:nvPr>
         </p:nvSpPr>
-        <p:spPr/>
+        <p:spPr>
+          <a:xfrm>
+            <a:off x="195943" y="1825625"/>
+            <a:ext cx="11740243" cy="4351338"/>
+          </a:xfrm>
+          <a:solidFill>
+            <a:schemeClr val="accent1">
+              <a:lumMod val="20000"/>
+              <a:lumOff val="80000"/>
+            </a:schemeClr>
+          </a:solidFill>
+        </p:spPr>
         <p:txBody>
           <a:bodyPr/>
           <a:lstStyle/>
           <a:p>
-            <a:endParaRPr lang="zh-TW" altLang="en-US"/>
+            <a:r>
+              <a:rPr lang="en-US" altLang="zh-TW" b="0" dirty="0" err="1">
+                <a:effectLst/>
+                <a:latin typeface="Consolas" panose="020B0609020204030204" pitchFamily="49" charset="0"/>
+              </a:rPr>
+              <a:t>setInterval</a:t>
+            </a:r>
+            <a:r>
+              <a:rPr lang="en-US" altLang="zh-TW" b="0" dirty="0">
+                <a:effectLst/>
+                <a:latin typeface="Consolas" panose="020B0609020204030204" pitchFamily="49" charset="0"/>
+              </a:rPr>
+              <a:t>(</a:t>
+            </a:r>
+            <a:r>
+              <a:rPr lang="en-US" altLang="zh-TW" b="0" dirty="0" err="1">
+                <a:solidFill>
+                  <a:srgbClr val="0070C0"/>
+                </a:solidFill>
+                <a:effectLst/>
+                <a:latin typeface="Consolas" panose="020B0609020204030204" pitchFamily="49" charset="0"/>
+              </a:rPr>
+              <a:t>function</a:t>
+            </a:r>
+            <a:r>
+              <a:rPr lang="en-US" altLang="zh-TW" b="0" dirty="0" err="1">
+                <a:effectLst/>
+                <a:latin typeface="Consolas" panose="020B0609020204030204" pitchFamily="49" charset="0"/>
+              </a:rPr>
+              <a:t>,</a:t>
+            </a:r>
+            <a:r>
+              <a:rPr lang="en-US" altLang="zh-TW" b="0" dirty="0" err="1">
+                <a:solidFill>
+                  <a:srgbClr val="00B0F0"/>
+                </a:solidFill>
+                <a:effectLst/>
+                <a:latin typeface="Consolas" panose="020B0609020204030204" pitchFamily="49" charset="0"/>
+              </a:rPr>
+              <a:t>time</a:t>
+            </a:r>
+            <a:r>
+              <a:rPr lang="en-US" altLang="zh-TW" b="0" dirty="0">
+                <a:effectLst/>
+                <a:latin typeface="Consolas" panose="020B0609020204030204" pitchFamily="49" charset="0"/>
+              </a:rPr>
+              <a:t>);</a:t>
+            </a:r>
+          </a:p>
+          <a:p>
+            <a:pPr marL="457200" lvl="1" indent="0">
+              <a:buNone/>
+            </a:pPr>
+            <a:r>
+              <a:rPr lang="zh-TW" altLang="en-US" sz="2400" dirty="0">
+                <a:latin typeface="Consolas" panose="020B0609020204030204" pitchFamily="49" charset="0"/>
+              </a:rPr>
+              <a:t>每</a:t>
+            </a:r>
+            <a:r>
+              <a:rPr lang="en-US" altLang="zh-TW" sz="2400" b="0" dirty="0">
+                <a:solidFill>
+                  <a:srgbClr val="00B0F0"/>
+                </a:solidFill>
+                <a:effectLst/>
+                <a:latin typeface="Consolas" panose="020B0609020204030204" pitchFamily="49" charset="0"/>
+              </a:rPr>
+              <a:t>time</a:t>
+            </a:r>
+            <a:r>
+              <a:rPr lang="zh-TW" altLang="en-US" sz="2400" b="0" dirty="0">
+                <a:effectLst/>
+                <a:latin typeface="Consolas" panose="020B0609020204030204" pitchFamily="49" charset="0"/>
+              </a:rPr>
+              <a:t>的時間，執行一次</a:t>
+            </a:r>
+            <a:r>
+              <a:rPr lang="en-US" altLang="zh-TW" sz="2400" b="0" dirty="0">
+                <a:solidFill>
+                  <a:srgbClr val="0070C0"/>
+                </a:solidFill>
+                <a:effectLst/>
+                <a:latin typeface="Consolas" panose="020B0609020204030204" pitchFamily="49" charset="0"/>
+              </a:rPr>
+              <a:t>function</a:t>
+            </a:r>
+            <a:r>
+              <a:rPr lang="zh-TW" altLang="en-US" sz="2400" b="0" dirty="0">
+                <a:effectLst/>
+                <a:latin typeface="Consolas" panose="020B0609020204030204" pitchFamily="49" charset="0"/>
+              </a:rPr>
+              <a:t>；</a:t>
+            </a:r>
+            <a:r>
+              <a:rPr lang="en-US" altLang="zh-TW" sz="2400" b="0" dirty="0">
+                <a:solidFill>
+                  <a:srgbClr val="0070C0"/>
+                </a:solidFill>
+                <a:effectLst/>
+                <a:latin typeface="Consolas" panose="020B0609020204030204" pitchFamily="49" charset="0"/>
+              </a:rPr>
+              <a:t>function</a:t>
+            </a:r>
+            <a:r>
+              <a:rPr lang="zh-TW" altLang="en-US" sz="2400" b="0" dirty="0">
+                <a:effectLst/>
+                <a:latin typeface="Consolas" panose="020B0609020204030204" pitchFamily="49" charset="0"/>
+              </a:rPr>
+              <a:t>不須加上括號。循環</a:t>
+            </a:r>
+            <a:endParaRPr lang="en-US" altLang="zh-TW" sz="2400" b="0" dirty="0">
+              <a:effectLst/>
+              <a:latin typeface="Consolas" panose="020B0609020204030204" pitchFamily="49" charset="0"/>
+            </a:endParaRPr>
+          </a:p>
+          <a:p>
+            <a:pPr marL="457200" lvl="1" indent="0">
+              <a:buNone/>
+            </a:pPr>
+            <a:endParaRPr lang="en-US" altLang="zh-TW" sz="2800" b="0" dirty="0">
+              <a:effectLst/>
+              <a:latin typeface="Consolas" panose="020B0609020204030204" pitchFamily="49" charset="0"/>
+            </a:endParaRPr>
+          </a:p>
+          <a:p>
+            <a:r>
+              <a:rPr lang="en-US" altLang="zh-TW" b="0" dirty="0" err="1">
+                <a:effectLst/>
+                <a:latin typeface="Consolas" panose="020B0609020204030204" pitchFamily="49" charset="0"/>
+              </a:rPr>
+              <a:t>setTimeout</a:t>
+            </a:r>
+            <a:r>
+              <a:rPr lang="en-US" altLang="zh-TW" b="0" dirty="0">
+                <a:effectLst/>
+                <a:latin typeface="Consolas" panose="020B0609020204030204" pitchFamily="49" charset="0"/>
+              </a:rPr>
+              <a:t>(</a:t>
+            </a:r>
+            <a:r>
+              <a:rPr lang="en-US" altLang="zh-TW" b="0" dirty="0" err="1">
+                <a:solidFill>
+                  <a:srgbClr val="0070C0"/>
+                </a:solidFill>
+                <a:effectLst/>
+                <a:latin typeface="Consolas" panose="020B0609020204030204" pitchFamily="49" charset="0"/>
+              </a:rPr>
+              <a:t>function</a:t>
+            </a:r>
+            <a:r>
+              <a:rPr lang="en-US" altLang="zh-TW" b="0" dirty="0" err="1">
+                <a:effectLst/>
+                <a:latin typeface="Consolas" panose="020B0609020204030204" pitchFamily="49" charset="0"/>
+              </a:rPr>
+              <a:t>,</a:t>
+            </a:r>
+            <a:r>
+              <a:rPr lang="en-US" altLang="zh-TW" b="0" dirty="0" err="1">
+                <a:solidFill>
+                  <a:srgbClr val="00B0F0"/>
+                </a:solidFill>
+                <a:effectLst/>
+                <a:latin typeface="Consolas" panose="020B0609020204030204" pitchFamily="49" charset="0"/>
+              </a:rPr>
+              <a:t>time</a:t>
+            </a:r>
+            <a:r>
+              <a:rPr lang="en-US" altLang="zh-TW" b="0" dirty="0">
+                <a:effectLst/>
+                <a:latin typeface="Consolas" panose="020B0609020204030204" pitchFamily="49" charset="0"/>
+              </a:rPr>
+              <a:t>);</a:t>
+            </a:r>
+          </a:p>
+          <a:p>
+            <a:pPr marL="457200" lvl="1" indent="0">
+              <a:buNone/>
+            </a:pPr>
+            <a:r>
+              <a:rPr lang="zh-TW" altLang="en-US" sz="2400" dirty="0">
+                <a:latin typeface="Consolas" panose="020B0609020204030204" pitchFamily="49" charset="0"/>
+              </a:rPr>
+              <a:t>每</a:t>
+            </a:r>
+            <a:r>
+              <a:rPr lang="en-US" altLang="zh-TW" sz="2400" b="0" dirty="0">
+                <a:solidFill>
+                  <a:srgbClr val="00B0F0"/>
+                </a:solidFill>
+                <a:effectLst/>
+                <a:latin typeface="Consolas" panose="020B0609020204030204" pitchFamily="49" charset="0"/>
+              </a:rPr>
+              <a:t>time</a:t>
+            </a:r>
+            <a:r>
+              <a:rPr lang="zh-TW" altLang="en-US" sz="2400" b="0" dirty="0">
+                <a:effectLst/>
+                <a:latin typeface="Consolas" panose="020B0609020204030204" pitchFamily="49" charset="0"/>
+              </a:rPr>
+              <a:t>的時間，執行一次</a:t>
+            </a:r>
+            <a:r>
+              <a:rPr lang="en-US" altLang="zh-TW" sz="2400" b="0" dirty="0">
+                <a:solidFill>
+                  <a:srgbClr val="0070C0"/>
+                </a:solidFill>
+                <a:effectLst/>
+                <a:latin typeface="Consolas" panose="020B0609020204030204" pitchFamily="49" charset="0"/>
+              </a:rPr>
+              <a:t>function</a:t>
+            </a:r>
+            <a:r>
+              <a:rPr lang="zh-TW" altLang="en-US" sz="2400" b="0" dirty="0">
+                <a:effectLst/>
+                <a:latin typeface="Consolas" panose="020B0609020204030204" pitchFamily="49" charset="0"/>
+              </a:rPr>
+              <a:t>；</a:t>
+            </a:r>
+            <a:r>
+              <a:rPr lang="en-US" altLang="zh-TW" sz="2400" b="0" dirty="0">
+                <a:solidFill>
+                  <a:srgbClr val="0070C0"/>
+                </a:solidFill>
+                <a:effectLst/>
+                <a:latin typeface="Consolas" panose="020B0609020204030204" pitchFamily="49" charset="0"/>
+              </a:rPr>
+              <a:t>function</a:t>
+            </a:r>
+            <a:r>
+              <a:rPr lang="zh-TW" altLang="en-US" sz="2400" b="0" dirty="0">
+                <a:effectLst/>
+                <a:latin typeface="Consolas" panose="020B0609020204030204" pitchFamily="49" charset="0"/>
+              </a:rPr>
+              <a:t>不須加上括號。單次</a:t>
+            </a:r>
+            <a:endParaRPr lang="en-US" altLang="zh-TW" sz="2400" b="0" dirty="0">
+              <a:effectLst/>
+              <a:latin typeface="Consolas" panose="020B0609020204030204" pitchFamily="49" charset="0"/>
+            </a:endParaRPr>
+          </a:p>
+          <a:p>
+            <a:pPr marL="457200" lvl="1" indent="0">
+              <a:buNone/>
+            </a:pPr>
+            <a:endParaRPr lang="en-US" altLang="zh-TW" b="0" dirty="0">
+              <a:effectLst/>
+              <a:latin typeface="Consolas" panose="020B0609020204030204" pitchFamily="49" charset="0"/>
+            </a:endParaRPr>
+          </a:p>
+          <a:p>
+            <a:r>
+              <a:rPr lang="en-US" altLang="zh-TW" b="0" dirty="0" err="1">
+                <a:effectLst/>
+                <a:latin typeface="Consolas" panose="020B0609020204030204" pitchFamily="49" charset="0"/>
+              </a:rPr>
+              <a:t>requestAnimationFrame</a:t>
+            </a:r>
+            <a:r>
+              <a:rPr lang="en-US" altLang="zh-TW" b="0" dirty="0">
+                <a:effectLst/>
+                <a:latin typeface="Consolas" panose="020B0609020204030204" pitchFamily="49" charset="0"/>
+              </a:rPr>
+              <a:t>(</a:t>
+            </a:r>
+            <a:r>
+              <a:rPr lang="en-US" altLang="zh-TW" b="0" dirty="0">
+                <a:solidFill>
+                  <a:srgbClr val="0070C0"/>
+                </a:solidFill>
+                <a:effectLst/>
+                <a:latin typeface="Consolas" panose="020B0609020204030204" pitchFamily="49" charset="0"/>
+              </a:rPr>
+              <a:t>function</a:t>
+            </a:r>
+            <a:r>
+              <a:rPr lang="en-US" altLang="zh-TW" b="0" dirty="0">
+                <a:effectLst/>
+                <a:latin typeface="Consolas" panose="020B0609020204030204" pitchFamily="49" charset="0"/>
+              </a:rPr>
+              <a:t>);</a:t>
+            </a:r>
+          </a:p>
+          <a:p>
+            <a:pPr marL="457200" lvl="1" indent="0">
+              <a:buNone/>
+            </a:pPr>
+            <a:r>
+              <a:rPr lang="zh-TW" altLang="en-US" sz="2400" b="0" dirty="0">
+                <a:effectLst/>
+                <a:latin typeface="Consolas" panose="020B0609020204030204" pitchFamily="49" charset="0"/>
+              </a:rPr>
+              <a:t>呼叫</a:t>
+            </a:r>
+            <a:r>
+              <a:rPr lang="en-US" altLang="zh-TW" sz="2400" b="0" dirty="0">
+                <a:solidFill>
+                  <a:srgbClr val="0070C0"/>
+                </a:solidFill>
+                <a:effectLst/>
+                <a:latin typeface="Consolas" panose="020B0609020204030204" pitchFamily="49" charset="0"/>
+              </a:rPr>
+              <a:t>function</a:t>
+            </a:r>
+            <a:r>
+              <a:rPr lang="zh-TW" altLang="en-US" sz="2400" b="0" dirty="0">
+                <a:effectLst/>
+                <a:latin typeface="Consolas" panose="020B0609020204030204" pitchFamily="49" charset="0"/>
+              </a:rPr>
+              <a:t>；</a:t>
+            </a:r>
+            <a:r>
+              <a:rPr lang="en-US" altLang="zh-TW" sz="2400" b="0" dirty="0">
+                <a:solidFill>
+                  <a:srgbClr val="0070C0"/>
+                </a:solidFill>
+                <a:effectLst/>
+                <a:latin typeface="Consolas" panose="020B0609020204030204" pitchFamily="49" charset="0"/>
+              </a:rPr>
+              <a:t>function</a:t>
+            </a:r>
+            <a:r>
+              <a:rPr lang="zh-TW" altLang="en-US" sz="2400" b="0" dirty="0">
+                <a:effectLst/>
+                <a:latin typeface="Consolas" panose="020B0609020204030204" pitchFamily="49" charset="0"/>
+              </a:rPr>
+              <a:t>不須加上括號。不會造成</a:t>
+            </a:r>
+            <a:r>
+              <a:rPr lang="en-US" altLang="zh-TW" sz="2400" b="0" dirty="0">
+                <a:effectLst/>
+                <a:latin typeface="Consolas" panose="020B0609020204030204" pitchFamily="49" charset="0"/>
+              </a:rPr>
+              <a:t>over stack</a:t>
+            </a:r>
+            <a:r>
+              <a:rPr lang="zh-TW" altLang="en-US" sz="2800" b="0" dirty="0">
+                <a:effectLst/>
+                <a:latin typeface="Consolas" panose="020B0609020204030204" pitchFamily="49" charset="0"/>
+              </a:rPr>
+              <a:t>。</a:t>
+            </a:r>
+            <a:endParaRPr lang="en-US" altLang="zh-TW" sz="2800" b="0" dirty="0">
+              <a:effectLst/>
+              <a:latin typeface="Consolas" panose="020B0609020204030204" pitchFamily="49" charset="0"/>
+            </a:endParaRPr>
           </a:p>
         </p:txBody>
       </p:sp>
     </p:spTree>
     <p:extLst>
       <p:ext uri="{BB962C8B-B14F-4D97-AF65-F5344CB8AC3E}">
-        <p14:creationId xmlns:p14="http://schemas.microsoft.com/office/powerpoint/2010/main" val="13071740"/>
+        <p14:creationId xmlns:p14="http://schemas.microsoft.com/office/powerpoint/2010/main" val="470209328"/>
       </p:ext>
     </p:extLst>
   </p:cSld>
   <p:clrMapOvr>
     <a:masterClrMapping/>
   </p:clrMapOvr>
-  <mc:AlternateContent xmlns:mc="http://schemas.openxmlformats.org/markup-compatibility/2006">
-    <mc:Choice xmlns:p14="http://schemas.microsoft.com/office/powerpoint/2010/main" Requires="p14">
+  <mc:AlternateContent xmlns:mc="http://schemas.openxmlformats.org/markup-compatibility/2006" xmlns:p14="http://schemas.microsoft.com/office/powerpoint/2010/main">
+    <mc:Choice Requires="p14">
       <p:transition spd="slow" p14:dur="1600">
         <p14:gallery dir="l"/>
       </p:transition>
     </mc:Choice>
-    <mc:Fallback>
+    <mc:Fallback xmlns="">
       <p:transition spd="slow">
         <p:fade/>
       </p:transition>
@@ -6116,7 +9017,14 @@
           <a:bodyPr/>
           <a:lstStyle/>
           <a:p>
-            <a:endParaRPr lang="zh-TW" altLang="en-US"/>
+            <a:r>
+              <a:rPr lang="en-US" altLang="zh-TW" dirty="0"/>
+              <a:t>Windows </a:t>
+            </a:r>
+            <a:r>
+              <a:rPr lang="zh-TW" altLang="en-US" dirty="0"/>
+              <a:t>監聽</a:t>
+            </a:r>
           </a:p>
         </p:txBody>
       </p:sp>
@@ -6141,27 +9049,220 @@
           <a:bodyPr/>
           <a:lstStyle/>
           <a:p>
-            <a:endParaRPr lang="zh-TW" altLang="en-US"/>
+            <a:r>
+              <a:rPr lang="en-US" altLang="zh-TW" b="0" dirty="0" err="1">
+                <a:effectLst/>
+                <a:latin typeface="Consolas" panose="020B0609020204030204" pitchFamily="49" charset="0"/>
+              </a:rPr>
+              <a:t>window.addEventListener</a:t>
+            </a:r>
+            <a:r>
+              <a:rPr lang="en-US" altLang="zh-TW" b="0" dirty="0">
+                <a:effectLst/>
+                <a:latin typeface="Consolas" panose="020B0609020204030204" pitchFamily="49" charset="0"/>
+              </a:rPr>
+              <a:t>(</a:t>
+            </a:r>
+            <a:r>
+              <a:rPr lang="en-US" altLang="zh-TW" b="0" dirty="0">
+                <a:solidFill>
+                  <a:srgbClr val="FF0000"/>
+                </a:solidFill>
+                <a:effectLst/>
+                <a:latin typeface="Consolas" panose="020B0609020204030204" pitchFamily="49" charset="0"/>
+              </a:rPr>
+              <a:t>'</a:t>
+            </a:r>
+            <a:r>
+              <a:rPr lang="en-US" altLang="zh-TW" b="0" dirty="0" err="1">
+                <a:solidFill>
+                  <a:schemeClr val="accent2"/>
+                </a:solidFill>
+                <a:effectLst/>
+                <a:latin typeface="Consolas" panose="020B0609020204030204" pitchFamily="49" charset="0"/>
+              </a:rPr>
+              <a:t>keydown</a:t>
+            </a:r>
+            <a:r>
+              <a:rPr lang="en-US" altLang="zh-TW" b="0" dirty="0">
+                <a:solidFill>
+                  <a:srgbClr val="FF0000"/>
+                </a:solidFill>
+                <a:effectLst/>
+                <a:latin typeface="Consolas" panose="020B0609020204030204" pitchFamily="49" charset="0"/>
+              </a:rPr>
+              <a:t>'</a:t>
+            </a:r>
+            <a:r>
+              <a:rPr lang="en-US" altLang="zh-TW" b="0" dirty="0">
+                <a:effectLst/>
+                <a:latin typeface="Consolas" panose="020B0609020204030204" pitchFamily="49" charset="0"/>
+              </a:rPr>
+              <a:t>,</a:t>
+            </a:r>
+            <a:r>
+              <a:rPr lang="en-US" altLang="zh-TW" b="0" dirty="0">
+                <a:solidFill>
+                  <a:srgbClr val="00B0F0"/>
+                </a:solidFill>
+                <a:effectLst/>
+                <a:latin typeface="Consolas" panose="020B0609020204030204" pitchFamily="49" charset="0"/>
+              </a:rPr>
+              <a:t>e</a:t>
+            </a:r>
+            <a:r>
+              <a:rPr lang="en-US" altLang="zh-TW" b="0" dirty="0">
+                <a:solidFill>
+                  <a:srgbClr val="0070C0"/>
+                </a:solidFill>
+                <a:effectLst/>
+                <a:latin typeface="Consolas" panose="020B0609020204030204" pitchFamily="49" charset="0"/>
+              </a:rPr>
+              <a:t>=&gt;</a:t>
+            </a:r>
+            <a:r>
+              <a:rPr lang="en-US" altLang="zh-TW" b="0" dirty="0">
+                <a:effectLst/>
+                <a:latin typeface="Consolas" panose="020B0609020204030204" pitchFamily="49" charset="0"/>
+              </a:rPr>
+              <a:t>{});</a:t>
+            </a:r>
+          </a:p>
+          <a:p>
+            <a:pPr marL="457200" lvl="1" indent="0">
+              <a:buNone/>
+            </a:pPr>
+            <a:r>
+              <a:rPr lang="zh-TW" altLang="en-US" sz="2400" dirty="0">
+                <a:latin typeface="Consolas" panose="020B0609020204030204" pitchFamily="49" charset="0"/>
+              </a:rPr>
+              <a:t>任一按鍵壓下時</a:t>
+            </a:r>
+            <a:endParaRPr lang="en-US" altLang="zh-TW" sz="2400" b="0" dirty="0">
+              <a:effectLst/>
+              <a:latin typeface="Consolas" panose="020B0609020204030204" pitchFamily="49" charset="0"/>
+            </a:endParaRPr>
+          </a:p>
+          <a:p>
+            <a:endParaRPr lang="en-US" altLang="zh-TW" b="0" dirty="0">
+              <a:effectLst/>
+              <a:latin typeface="Consolas" panose="020B0609020204030204" pitchFamily="49" charset="0"/>
+            </a:endParaRPr>
+          </a:p>
+          <a:p>
+            <a:r>
+              <a:rPr lang="en-US" altLang="zh-TW" b="0" dirty="0" err="1">
+                <a:effectLst/>
+                <a:latin typeface="Consolas" panose="020B0609020204030204" pitchFamily="49" charset="0"/>
+              </a:rPr>
+              <a:t>window.addEventListener</a:t>
+            </a:r>
+            <a:r>
+              <a:rPr lang="en-US" altLang="zh-TW" b="0" dirty="0">
+                <a:effectLst/>
+                <a:latin typeface="Consolas" panose="020B0609020204030204" pitchFamily="49" charset="0"/>
+              </a:rPr>
+              <a:t>(</a:t>
+            </a:r>
+            <a:r>
+              <a:rPr lang="en-US" altLang="zh-TW" b="0" dirty="0">
+                <a:solidFill>
+                  <a:srgbClr val="FF0000"/>
+                </a:solidFill>
+                <a:effectLst/>
+                <a:latin typeface="Consolas" panose="020B0609020204030204" pitchFamily="49" charset="0"/>
+              </a:rPr>
+              <a:t>'</a:t>
+            </a:r>
+            <a:r>
+              <a:rPr lang="en-US" altLang="zh-TW" b="0" dirty="0" err="1">
+                <a:solidFill>
+                  <a:schemeClr val="accent2"/>
+                </a:solidFill>
+                <a:effectLst/>
+                <a:latin typeface="Consolas" panose="020B0609020204030204" pitchFamily="49" charset="0"/>
+              </a:rPr>
+              <a:t>keyup</a:t>
+            </a:r>
+            <a:r>
+              <a:rPr lang="en-US" altLang="zh-TW" b="0" dirty="0">
+                <a:solidFill>
+                  <a:srgbClr val="FF0000"/>
+                </a:solidFill>
+                <a:effectLst/>
+                <a:latin typeface="Consolas" panose="020B0609020204030204" pitchFamily="49" charset="0"/>
+              </a:rPr>
+              <a:t>'</a:t>
+            </a:r>
+            <a:r>
+              <a:rPr lang="en-US" altLang="zh-TW" b="0" dirty="0">
+                <a:effectLst/>
+                <a:latin typeface="Consolas" panose="020B0609020204030204" pitchFamily="49" charset="0"/>
+              </a:rPr>
+              <a:t>,</a:t>
+            </a:r>
+            <a:r>
+              <a:rPr lang="en-US" altLang="zh-TW" b="0" dirty="0">
+                <a:solidFill>
+                  <a:srgbClr val="00B0F0"/>
+                </a:solidFill>
+                <a:effectLst/>
+                <a:latin typeface="Consolas" panose="020B0609020204030204" pitchFamily="49" charset="0"/>
+              </a:rPr>
+              <a:t>e</a:t>
+            </a:r>
+            <a:r>
+              <a:rPr lang="en-US" altLang="zh-TW" b="0" dirty="0">
+                <a:solidFill>
+                  <a:srgbClr val="0070C0"/>
+                </a:solidFill>
+                <a:effectLst/>
+                <a:latin typeface="Consolas" panose="020B0609020204030204" pitchFamily="49" charset="0"/>
+              </a:rPr>
+              <a:t>=&gt;</a:t>
+            </a:r>
+            <a:r>
+              <a:rPr lang="en-US" altLang="zh-TW" b="0" dirty="0">
+                <a:effectLst/>
+                <a:latin typeface="Consolas" panose="020B0609020204030204" pitchFamily="49" charset="0"/>
+              </a:rPr>
+              <a:t>{});</a:t>
+            </a:r>
+          </a:p>
+          <a:p>
+            <a:pPr marL="457200" lvl="1" indent="0">
+              <a:buNone/>
+            </a:pPr>
+            <a:r>
+              <a:rPr lang="zh-TW" altLang="en-US" sz="2400" dirty="0">
+                <a:latin typeface="Consolas" panose="020B0609020204030204" pitchFamily="49" charset="0"/>
+              </a:rPr>
+              <a:t>任一按鍵抬起時</a:t>
+            </a:r>
+            <a:endParaRPr lang="en-US" altLang="zh-TW" sz="2400" b="0" dirty="0">
+              <a:effectLst/>
+              <a:latin typeface="Consolas" panose="020B0609020204030204" pitchFamily="49" charset="0"/>
+            </a:endParaRPr>
           </a:p>
         </p:txBody>
       </p:sp>
     </p:spTree>
     <p:extLst>
       <p:ext uri="{BB962C8B-B14F-4D97-AF65-F5344CB8AC3E}">
-        <p14:creationId xmlns:p14="http://schemas.microsoft.com/office/powerpoint/2010/main" val="891383778"/>
+        <p14:creationId xmlns:p14="http://schemas.microsoft.com/office/powerpoint/2010/main" val="1605329839"/>
       </p:ext>
     </p:extLst>
   </p:cSld>
   <p:clrMapOvr>
     <a:masterClrMapping/>
   </p:clrMapOvr>
-  <mc:AlternateContent xmlns:mc="http://schemas.openxmlformats.org/markup-compatibility/2006">
-    <mc:Choice xmlns:p14="http://schemas.microsoft.com/office/powerpoint/2010/main" Requires="p14">
+  <mc:AlternateContent xmlns:mc="http://schemas.openxmlformats.org/markup-compatibility/2006" xmlns:p14="http://schemas.microsoft.com/office/powerpoint/2010/main">
+    <mc:Choice Requires="p14">
       <p:transition spd="slow" p14:dur="1600">
         <p14:gallery dir="l"/>
       </p:transition>
     </mc:Choice>
-    <mc:Fallback>
+    <mc:Fallback xmlns="">
       <p:transition spd="slow">
         <p:fade/>
       </p:transition>
@@ -6208,7 +9309,14 @@
           <a:bodyPr/>
           <a:lstStyle/>
           <a:p>
-            <a:endParaRPr lang="zh-TW" altLang="en-US"/>
+            <a:r>
+              <a:rPr lang="en-US" altLang="zh-TW" dirty="0"/>
+              <a:t>JS</a:t>
+            </a:r>
+            <a:r>
+              <a:rPr lang="zh-TW" altLang="en-US" dirty="0"/>
+              <a:t> 注意事項</a:t>
+            </a:r>
           </a:p>
         </p:txBody>
       </p:sp>
@@ -6228,32 +9336,629 @@
             <p:ph idx="1"/>
           </p:nvPr>
         </p:nvSpPr>
-        <p:spPr/>
+        <p:spPr>
+          <a:solidFill>
+            <a:schemeClr val="accent1">
+              <a:lumMod val="20000"/>
+              <a:lumOff val="80000"/>
+            </a:schemeClr>
+          </a:solidFill>
+          <a:ln>
+            <a:solidFill>
+              <a:schemeClr val="tx2">
+                <a:lumMod val="20000"/>
+                <a:lumOff val="80000"/>
+              </a:schemeClr>
+            </a:solidFill>
+          </a:ln>
+        </p:spPr>
         <p:txBody>
           <a:bodyPr/>
           <a:lstStyle/>
           <a:p>
-            <a:endParaRPr lang="zh-TW" altLang="en-US"/>
+            <a:r>
+              <a:rPr lang="en-US" altLang="zh-TW" b="0" dirty="0">
+                <a:effectLst/>
+                <a:latin typeface="Consolas" panose="020B0609020204030204" pitchFamily="49" charset="0"/>
+              </a:rPr>
+              <a:t> 	== </a:t>
+            </a:r>
+            <a:r>
+              <a:rPr lang="en-US" altLang="zh-TW" b="0" dirty="0">
+                <a:solidFill>
+                  <a:srgbClr val="FF0000"/>
+                </a:solidFill>
+                <a:effectLst/>
+                <a:latin typeface="Consolas" panose="020B0609020204030204" pitchFamily="49" charset="0"/>
+              </a:rPr>
+              <a:t>VS</a:t>
+            </a:r>
+            <a:r>
+              <a:rPr lang="en-US" altLang="zh-TW" b="0" dirty="0">
+                <a:effectLst/>
+                <a:latin typeface="Consolas" panose="020B0609020204030204" pitchFamily="49" charset="0"/>
+              </a:rPr>
+              <a:t> === </a:t>
+            </a:r>
+            <a:r>
+              <a:rPr lang="zh-TW" altLang="en-US" sz="2400" b="0" dirty="0">
+                <a:effectLst/>
+                <a:latin typeface="Consolas" panose="020B0609020204030204" pitchFamily="49" charset="0"/>
+              </a:rPr>
+              <a:t>判斷式比較</a:t>
+            </a:r>
+            <a:endParaRPr lang="en-US" altLang="zh-TW" sz="2400" b="0" dirty="0">
+              <a:effectLst/>
+              <a:latin typeface="Consolas" panose="020B0609020204030204" pitchFamily="49" charset="0"/>
+            </a:endParaRPr>
+          </a:p>
+          <a:p>
+            <a:r>
+              <a:rPr lang="en-US" altLang="zh-TW" b="0" dirty="0">
+                <a:effectLst/>
+                <a:latin typeface="Consolas" panose="020B0609020204030204" pitchFamily="49" charset="0"/>
+              </a:rPr>
+              <a:t> </a:t>
+            </a:r>
+            <a:r>
+              <a:rPr lang="en-US" altLang="zh-TW" b="0" dirty="0">
+                <a:solidFill>
+                  <a:srgbClr val="FF0000"/>
+                </a:solidFill>
+                <a:effectLst/>
+                <a:latin typeface="Consolas" panose="020B0609020204030204" pitchFamily="49" charset="0"/>
+              </a:rPr>
+              <a:t>"</a:t>
+            </a:r>
+            <a:r>
+              <a:rPr lang="en-US" altLang="zh-TW" b="0" dirty="0">
+                <a:solidFill>
+                  <a:srgbClr val="FFC000"/>
+                </a:solidFill>
+                <a:effectLst/>
+                <a:latin typeface="Consolas" panose="020B0609020204030204" pitchFamily="49" charset="0"/>
+              </a:rPr>
+              <a:t>5</a:t>
+            </a:r>
+            <a:r>
+              <a:rPr lang="en-US" altLang="zh-TW" b="0" dirty="0">
+                <a:solidFill>
+                  <a:srgbClr val="FF0000"/>
+                </a:solidFill>
+                <a:effectLst/>
+                <a:latin typeface="Consolas" panose="020B0609020204030204" pitchFamily="49" charset="0"/>
+              </a:rPr>
+              <a:t>"</a:t>
+            </a:r>
+            <a:r>
+              <a:rPr lang="zh-TW" altLang="en-US" b="0" dirty="0">
+                <a:solidFill>
+                  <a:srgbClr val="D4D4D4"/>
+                </a:solidFill>
+                <a:effectLst/>
+                <a:latin typeface="Consolas" panose="020B0609020204030204" pitchFamily="49" charset="0"/>
+              </a:rPr>
+              <a:t> </a:t>
+            </a:r>
+            <a:r>
+              <a:rPr lang="en-US" altLang="zh-TW" b="0" dirty="0">
+                <a:effectLst/>
+                <a:latin typeface="Consolas" panose="020B0609020204030204" pitchFamily="49" charset="0"/>
+              </a:rPr>
+              <a:t>==</a:t>
+            </a:r>
+            <a:r>
+              <a:rPr lang="en-US" altLang="zh-TW" b="0" dirty="0">
+                <a:solidFill>
+                  <a:srgbClr val="D4D4D4"/>
+                </a:solidFill>
+                <a:effectLst/>
+                <a:latin typeface="Consolas" panose="020B0609020204030204" pitchFamily="49" charset="0"/>
+              </a:rPr>
+              <a:t> </a:t>
+            </a:r>
+            <a:r>
+              <a:rPr lang="en-US" altLang="zh-TW" b="0" dirty="0">
+                <a:solidFill>
+                  <a:srgbClr val="00B050"/>
+                </a:solidFill>
+                <a:effectLst/>
+                <a:latin typeface="Consolas" panose="020B0609020204030204" pitchFamily="49" charset="0"/>
+              </a:rPr>
+              <a:t>5</a:t>
+            </a:r>
+            <a:r>
+              <a:rPr lang="en-US" altLang="zh-TW" b="0" dirty="0">
+                <a:effectLst/>
+                <a:latin typeface="Consolas" panose="020B0609020204030204" pitchFamily="49" charset="0"/>
+              </a:rPr>
+              <a:t>; </a:t>
+            </a:r>
+            <a:r>
+              <a:rPr lang="zh-TW" altLang="en-US" sz="2400" b="0" dirty="0">
+                <a:effectLst/>
+                <a:latin typeface="Consolas" panose="020B0609020204030204" pitchFamily="49" charset="0"/>
+              </a:rPr>
+              <a:t>傳回</a:t>
+            </a:r>
+            <a:r>
+              <a:rPr lang="en-US" altLang="zh-TW" sz="2400" b="0" dirty="0">
+                <a:solidFill>
+                  <a:srgbClr val="FF0000"/>
+                </a:solidFill>
+                <a:effectLst/>
+                <a:latin typeface="Consolas" panose="020B0609020204030204" pitchFamily="49" charset="0"/>
+              </a:rPr>
+              <a:t>True</a:t>
+            </a:r>
+          </a:p>
+          <a:p>
+            <a:r>
+              <a:rPr lang="en-US" altLang="zh-TW" dirty="0">
+                <a:latin typeface="Consolas" panose="020B0609020204030204" pitchFamily="49" charset="0"/>
+              </a:rPr>
+              <a:t> </a:t>
+            </a:r>
+            <a:r>
+              <a:rPr lang="en-US" altLang="zh-TW" b="0" dirty="0">
+                <a:solidFill>
+                  <a:srgbClr val="FF0000"/>
+                </a:solidFill>
+                <a:effectLst/>
+                <a:latin typeface="Consolas" panose="020B0609020204030204" pitchFamily="49" charset="0"/>
+              </a:rPr>
+              <a:t>"</a:t>
+            </a:r>
+            <a:r>
+              <a:rPr lang="en-US" altLang="zh-TW" b="0" dirty="0">
+                <a:solidFill>
+                  <a:srgbClr val="FFC000"/>
+                </a:solidFill>
+                <a:effectLst/>
+                <a:latin typeface="Consolas" panose="020B0609020204030204" pitchFamily="49" charset="0"/>
+              </a:rPr>
+              <a:t>5</a:t>
+            </a:r>
+            <a:r>
+              <a:rPr lang="en-US" altLang="zh-TW" b="0" dirty="0">
+                <a:solidFill>
+                  <a:srgbClr val="FF0000"/>
+                </a:solidFill>
+                <a:effectLst/>
+                <a:latin typeface="Consolas" panose="020B0609020204030204" pitchFamily="49" charset="0"/>
+              </a:rPr>
+              <a:t>"</a:t>
+            </a:r>
+            <a:r>
+              <a:rPr lang="zh-TW" altLang="en-US" b="0" dirty="0">
+                <a:solidFill>
+                  <a:srgbClr val="D4D4D4"/>
+                </a:solidFill>
+                <a:effectLst/>
+                <a:latin typeface="Consolas" panose="020B0609020204030204" pitchFamily="49" charset="0"/>
+              </a:rPr>
+              <a:t> </a:t>
+            </a:r>
+            <a:r>
+              <a:rPr lang="en-US" altLang="zh-TW" b="0" dirty="0">
+                <a:effectLst/>
+                <a:latin typeface="Consolas" panose="020B0609020204030204" pitchFamily="49" charset="0"/>
+              </a:rPr>
+              <a:t>===</a:t>
+            </a:r>
+            <a:r>
+              <a:rPr lang="en-US" altLang="zh-TW" b="0" dirty="0">
+                <a:solidFill>
+                  <a:srgbClr val="D4D4D4"/>
+                </a:solidFill>
+                <a:effectLst/>
+                <a:latin typeface="Consolas" panose="020B0609020204030204" pitchFamily="49" charset="0"/>
+              </a:rPr>
+              <a:t> </a:t>
+            </a:r>
+            <a:r>
+              <a:rPr lang="en-US" altLang="zh-TW" b="0" dirty="0">
+                <a:solidFill>
+                  <a:srgbClr val="00B050"/>
+                </a:solidFill>
+                <a:effectLst/>
+                <a:latin typeface="Consolas" panose="020B0609020204030204" pitchFamily="49" charset="0"/>
+              </a:rPr>
+              <a:t>5</a:t>
+            </a:r>
+            <a:r>
+              <a:rPr lang="en-US" altLang="zh-TW" b="0" dirty="0">
+                <a:effectLst/>
+                <a:latin typeface="Consolas" panose="020B0609020204030204" pitchFamily="49" charset="0"/>
+              </a:rPr>
+              <a:t>; </a:t>
+            </a:r>
+            <a:r>
+              <a:rPr lang="zh-TW" altLang="en-US" sz="2400" b="0" dirty="0">
+                <a:effectLst/>
+                <a:latin typeface="Consolas" panose="020B0609020204030204" pitchFamily="49" charset="0"/>
+              </a:rPr>
+              <a:t>傳回</a:t>
+            </a:r>
+            <a:r>
+              <a:rPr lang="en-US" altLang="zh-TW" sz="2400" b="0" dirty="0">
+                <a:solidFill>
+                  <a:srgbClr val="FF0000"/>
+                </a:solidFill>
+                <a:effectLst/>
+                <a:latin typeface="Consolas" panose="020B0609020204030204" pitchFamily="49" charset="0"/>
+              </a:rPr>
+              <a:t>False</a:t>
+            </a:r>
+          </a:p>
+          <a:p>
+            <a:r>
+              <a:rPr lang="en-US" altLang="zh-TW" b="0" dirty="0">
+                <a:effectLst/>
+                <a:latin typeface="Consolas" panose="020B0609020204030204" pitchFamily="49" charset="0"/>
+              </a:rPr>
+              <a:t> </a:t>
+            </a:r>
+            <a:r>
+              <a:rPr lang="en-US" altLang="zh-TW" b="0" dirty="0">
+                <a:solidFill>
+                  <a:srgbClr val="0070C0"/>
+                </a:solidFill>
+                <a:effectLst/>
+                <a:latin typeface="Consolas" panose="020B0609020204030204" pitchFamily="49" charset="0"/>
+              </a:rPr>
+              <a:t>let</a:t>
+            </a:r>
+            <a:r>
+              <a:rPr lang="en-US" altLang="zh-TW" b="0" dirty="0">
+                <a:solidFill>
+                  <a:srgbClr val="D4D4D4"/>
+                </a:solidFill>
+                <a:effectLst/>
+                <a:latin typeface="Consolas" panose="020B0609020204030204" pitchFamily="49" charset="0"/>
+              </a:rPr>
+              <a:t> </a:t>
+            </a:r>
+            <a:r>
+              <a:rPr lang="en-US" altLang="zh-TW" b="0" dirty="0">
+                <a:solidFill>
+                  <a:srgbClr val="00B0F0"/>
+                </a:solidFill>
+                <a:effectLst/>
+                <a:latin typeface="Consolas" panose="020B0609020204030204" pitchFamily="49" charset="0"/>
+              </a:rPr>
+              <a:t>Array</a:t>
+            </a:r>
+            <a:r>
+              <a:rPr lang="en-US" altLang="zh-TW" b="0" dirty="0">
+                <a:solidFill>
+                  <a:srgbClr val="D4D4D4"/>
+                </a:solidFill>
+                <a:effectLst/>
+                <a:latin typeface="Consolas" panose="020B0609020204030204" pitchFamily="49" charset="0"/>
+              </a:rPr>
+              <a:t> </a:t>
+            </a:r>
+            <a:r>
+              <a:rPr lang="en-US" altLang="zh-TW" b="0" dirty="0">
+                <a:effectLst/>
+                <a:latin typeface="Consolas" panose="020B0609020204030204" pitchFamily="49" charset="0"/>
+              </a:rPr>
+              <a:t>=</a:t>
+            </a:r>
+            <a:r>
+              <a:rPr lang="en-US" altLang="zh-TW" b="0" dirty="0">
+                <a:solidFill>
+                  <a:srgbClr val="D4D4D4"/>
+                </a:solidFill>
+                <a:effectLst/>
+                <a:latin typeface="Consolas" panose="020B0609020204030204" pitchFamily="49" charset="0"/>
+              </a:rPr>
+              <a:t> </a:t>
+            </a:r>
+            <a:r>
+              <a:rPr lang="en-US" altLang="zh-TW" b="0" dirty="0">
+                <a:effectLst/>
+                <a:latin typeface="Consolas" panose="020B0609020204030204" pitchFamily="49" charset="0"/>
+              </a:rPr>
+              <a:t>[</a:t>
+            </a:r>
+            <a:r>
+              <a:rPr lang="en-US" altLang="zh-TW" b="0" dirty="0">
+                <a:solidFill>
+                  <a:srgbClr val="00B050"/>
+                </a:solidFill>
+                <a:effectLst/>
+                <a:latin typeface="Consolas" panose="020B0609020204030204" pitchFamily="49" charset="0"/>
+              </a:rPr>
+              <a:t>1</a:t>
+            </a:r>
+            <a:r>
+              <a:rPr lang="en-US" altLang="zh-TW" b="0" dirty="0">
+                <a:effectLst/>
+                <a:latin typeface="Consolas" panose="020B0609020204030204" pitchFamily="49" charset="0"/>
+              </a:rPr>
+              <a:t>,</a:t>
+            </a:r>
+            <a:r>
+              <a:rPr lang="en-US" altLang="zh-TW" b="0" dirty="0">
+                <a:solidFill>
+                  <a:srgbClr val="00B050"/>
+                </a:solidFill>
+                <a:effectLst/>
+                <a:latin typeface="Consolas" panose="020B0609020204030204" pitchFamily="49" charset="0"/>
+              </a:rPr>
+              <a:t>2</a:t>
+            </a:r>
+            <a:r>
+              <a:rPr lang="en-US" altLang="zh-TW" b="0" dirty="0">
+                <a:effectLst/>
+                <a:latin typeface="Consolas" panose="020B0609020204030204" pitchFamily="49" charset="0"/>
+              </a:rPr>
+              <a:t>,</a:t>
+            </a:r>
+            <a:r>
+              <a:rPr lang="en-US" altLang="zh-TW" b="0" dirty="0">
+                <a:solidFill>
+                  <a:srgbClr val="00B050"/>
+                </a:solidFill>
+                <a:effectLst/>
+                <a:latin typeface="Consolas" panose="020B0609020204030204" pitchFamily="49" charset="0"/>
+              </a:rPr>
+              <a:t>3</a:t>
+            </a:r>
+            <a:r>
+              <a:rPr lang="en-US" altLang="zh-TW" b="0" dirty="0">
+                <a:effectLst/>
+                <a:latin typeface="Consolas" panose="020B0609020204030204" pitchFamily="49" charset="0"/>
+              </a:rPr>
+              <a:t>,</a:t>
+            </a:r>
+            <a:r>
+              <a:rPr lang="en-US" altLang="zh-TW" b="0" dirty="0">
+                <a:solidFill>
+                  <a:srgbClr val="00B050"/>
+                </a:solidFill>
+                <a:effectLst/>
+                <a:latin typeface="Consolas" panose="020B0609020204030204" pitchFamily="49" charset="0"/>
+              </a:rPr>
+              <a:t>4</a:t>
+            </a:r>
+            <a:r>
+              <a:rPr lang="en-US" altLang="zh-TW" b="0" dirty="0">
+                <a:effectLst/>
+                <a:latin typeface="Consolas" panose="020B0609020204030204" pitchFamily="49" charset="0"/>
+              </a:rPr>
+              <a:t>,</a:t>
+            </a:r>
+            <a:r>
+              <a:rPr lang="en-US" altLang="zh-TW" b="0" dirty="0">
+                <a:solidFill>
+                  <a:srgbClr val="00B050"/>
+                </a:solidFill>
+                <a:effectLst/>
+                <a:latin typeface="Consolas" panose="020B0609020204030204" pitchFamily="49" charset="0"/>
+              </a:rPr>
+              <a:t>5</a:t>
+            </a:r>
+            <a:r>
+              <a:rPr lang="en-US" altLang="zh-TW" b="0" dirty="0">
+                <a:effectLst/>
+                <a:latin typeface="Consolas" panose="020B0609020204030204" pitchFamily="49" charset="0"/>
+              </a:rPr>
+              <a:t>,</a:t>
+            </a:r>
+            <a:r>
+              <a:rPr lang="en-US" altLang="zh-TW" b="0" dirty="0">
+                <a:solidFill>
+                  <a:srgbClr val="00B050"/>
+                </a:solidFill>
+                <a:effectLst/>
+                <a:latin typeface="Consolas" panose="020B0609020204030204" pitchFamily="49" charset="0"/>
+              </a:rPr>
+              <a:t>6</a:t>
+            </a:r>
+            <a:r>
+              <a:rPr lang="en-US" altLang="zh-TW" b="0" dirty="0">
+                <a:effectLst/>
+                <a:latin typeface="Consolas" panose="020B0609020204030204" pitchFamily="49" charset="0"/>
+              </a:rPr>
+              <a:t>];</a:t>
+            </a:r>
+          </a:p>
+          <a:p>
+            <a:r>
+              <a:rPr lang="en-US" altLang="zh-TW" dirty="0">
+                <a:latin typeface="Consolas" panose="020B0609020204030204" pitchFamily="49" charset="0"/>
+              </a:rPr>
+              <a:t> </a:t>
+            </a:r>
+            <a:r>
+              <a:rPr lang="en-US" altLang="zh-TW" b="0" dirty="0">
+                <a:solidFill>
+                  <a:srgbClr val="0070C0"/>
+                </a:solidFill>
+                <a:effectLst/>
+                <a:latin typeface="Consolas" panose="020B0609020204030204" pitchFamily="49" charset="0"/>
+              </a:rPr>
+              <a:t>let </a:t>
+            </a:r>
+            <a:r>
+              <a:rPr lang="en-US" altLang="zh-TW" b="0" dirty="0">
+                <a:solidFill>
+                  <a:srgbClr val="00B0F0"/>
+                </a:solidFill>
+                <a:effectLst/>
+                <a:latin typeface="Consolas" panose="020B0609020204030204" pitchFamily="49" charset="0"/>
+              </a:rPr>
+              <a:t>Get</a:t>
+            </a:r>
+            <a:r>
+              <a:rPr lang="en-US" altLang="zh-TW" b="0" dirty="0">
+                <a:solidFill>
+                  <a:srgbClr val="D4D4D4"/>
+                </a:solidFill>
+                <a:effectLst/>
+                <a:latin typeface="Consolas" panose="020B0609020204030204" pitchFamily="49" charset="0"/>
+              </a:rPr>
+              <a:t> </a:t>
+            </a:r>
+            <a:r>
+              <a:rPr lang="en-US" altLang="zh-TW" b="0" dirty="0">
+                <a:effectLst/>
+                <a:latin typeface="Consolas" panose="020B0609020204030204" pitchFamily="49" charset="0"/>
+              </a:rPr>
+              <a:t>=</a:t>
+            </a:r>
+            <a:r>
+              <a:rPr lang="en-US" altLang="zh-TW" b="0" dirty="0">
+                <a:solidFill>
+                  <a:srgbClr val="00B0F0"/>
+                </a:solidFill>
+                <a:effectLst/>
+                <a:latin typeface="Consolas" panose="020B0609020204030204" pitchFamily="49" charset="0"/>
+              </a:rPr>
+              <a:t> Array</a:t>
+            </a:r>
+            <a:r>
+              <a:rPr lang="en-US" altLang="zh-TW" b="0" dirty="0">
+                <a:effectLst/>
+                <a:latin typeface="Consolas" panose="020B0609020204030204" pitchFamily="49" charset="0"/>
+              </a:rPr>
+              <a:t>[40];  </a:t>
+            </a:r>
+            <a:r>
+              <a:rPr lang="en-US" altLang="zh-TW" sz="2800" b="0" dirty="0">
+                <a:solidFill>
+                  <a:srgbClr val="00B0F0"/>
+                </a:solidFill>
+                <a:effectLst/>
+                <a:latin typeface="Consolas" panose="020B0609020204030204" pitchFamily="49" charset="0"/>
+              </a:rPr>
+              <a:t>Get </a:t>
+            </a:r>
+            <a:r>
+              <a:rPr lang="en-US" altLang="zh-TW" sz="2800" b="0" dirty="0">
+                <a:effectLst/>
+                <a:latin typeface="Consolas" panose="020B0609020204030204" pitchFamily="49" charset="0"/>
+              </a:rPr>
+              <a:t>===</a:t>
+            </a:r>
+            <a:r>
+              <a:rPr lang="zh-TW" altLang="en-US" sz="2800" b="0" dirty="0">
+                <a:solidFill>
+                  <a:srgbClr val="00B0F0"/>
+                </a:solidFill>
+                <a:effectLst/>
+                <a:latin typeface="Consolas" panose="020B0609020204030204" pitchFamily="49" charset="0"/>
+              </a:rPr>
+              <a:t> </a:t>
+            </a:r>
+            <a:r>
+              <a:rPr lang="en-US" altLang="zh-TW" sz="2800" b="0" dirty="0" err="1">
+                <a:solidFill>
+                  <a:srgbClr val="0070C0"/>
+                </a:solidFill>
+                <a:effectLst/>
+                <a:latin typeface="Consolas" panose="020B0609020204030204" pitchFamily="49" charset="0"/>
+              </a:rPr>
+              <a:t>undefinde</a:t>
+            </a:r>
+            <a:endParaRPr lang="en-US" altLang="zh-TW" sz="2800" b="0" dirty="0">
+              <a:solidFill>
+                <a:srgbClr val="0070C0"/>
+              </a:solidFill>
+              <a:effectLst/>
+              <a:latin typeface="Consolas" panose="020B0609020204030204" pitchFamily="49" charset="0"/>
+            </a:endParaRPr>
+          </a:p>
+          <a:p>
+            <a:r>
+              <a:rPr lang="en-US" altLang="zh-TW" sz="2800" dirty="0">
+                <a:latin typeface="Consolas" panose="020B0609020204030204" pitchFamily="49" charset="0"/>
+              </a:rPr>
+              <a:t> </a:t>
+            </a:r>
+            <a:r>
+              <a:rPr lang="en-US" altLang="zh-TW" b="0" dirty="0">
+                <a:solidFill>
+                  <a:srgbClr val="FF0000"/>
+                </a:solidFill>
+                <a:effectLst/>
+                <a:latin typeface="Consolas" panose="020B0609020204030204" pitchFamily="49" charset="0"/>
+              </a:rPr>
+              <a:t>""</a:t>
+            </a:r>
+            <a:r>
+              <a:rPr lang="zh-TW" altLang="en-US" b="0" dirty="0">
+                <a:solidFill>
+                  <a:srgbClr val="CE9178"/>
+                </a:solidFill>
+                <a:effectLst/>
+                <a:latin typeface="Consolas" panose="020B0609020204030204" pitchFamily="49" charset="0"/>
+              </a:rPr>
+              <a:t> </a:t>
+            </a:r>
+            <a:r>
+              <a:rPr lang="zh-TW" altLang="en-US" b="0" dirty="0">
+                <a:effectLst/>
+                <a:latin typeface="Consolas" panose="020B0609020204030204" pitchFamily="49" charset="0"/>
+              </a:rPr>
+              <a:t>與 </a:t>
+            </a:r>
+            <a:r>
+              <a:rPr lang="en-US" altLang="zh-TW" b="0" dirty="0">
+                <a:solidFill>
+                  <a:srgbClr val="FF0000"/>
+                </a:solidFill>
+                <a:effectLst/>
+                <a:latin typeface="Consolas" panose="020B0609020204030204" pitchFamily="49" charset="0"/>
+              </a:rPr>
+              <a:t>''</a:t>
+            </a:r>
+            <a:r>
+              <a:rPr lang="zh-TW" altLang="en-US" b="0" dirty="0">
+                <a:solidFill>
+                  <a:srgbClr val="CE9178"/>
+                </a:solidFill>
+                <a:effectLst/>
+                <a:latin typeface="Consolas" panose="020B0609020204030204" pitchFamily="49" charset="0"/>
+              </a:rPr>
+              <a:t> </a:t>
+            </a:r>
+            <a:r>
+              <a:rPr lang="zh-TW" altLang="en-US" b="0" dirty="0">
+                <a:effectLst/>
+                <a:latin typeface="Consolas" panose="020B0609020204030204" pitchFamily="49" charset="0"/>
+              </a:rPr>
+              <a:t>功能一樣，表示字串</a:t>
+            </a:r>
+          </a:p>
+          <a:p>
+            <a:endParaRPr lang="en-US" altLang="zh-TW" sz="2400" b="0" dirty="0">
+              <a:effectLst/>
+              <a:latin typeface="Consolas" panose="020B0609020204030204" pitchFamily="49" charset="0"/>
+            </a:endParaRPr>
           </a:p>
         </p:txBody>
       </p:sp>
     </p:spTree>
     <p:extLst>
       <p:ext uri="{BB962C8B-B14F-4D97-AF65-F5344CB8AC3E}">
-        <p14:creationId xmlns:p14="http://schemas.microsoft.com/office/powerpoint/2010/main" val="1719968163"/>
+        <p14:creationId xmlns:p14="http://schemas.microsoft.com/office/powerpoint/2010/main" val="2448831342"/>
       </p:ext>
     </p:extLst>
   </p:cSld>
   <p:clrMapOvr>
     <a:masterClrMapping/>
   </p:clrMapOvr>
-  <mc:AlternateContent xmlns:mc="http://schemas.openxmlformats.org/markup-compatibility/2006">
-    <mc:Choice xmlns:p14="http://schemas.microsoft.com/office/powerpoint/2010/main" Requires="p14">
+  <mc:AlternateContent xmlns:mc="http://schemas.openxmlformats.org/markup-compatibility/2006" xmlns:p14="http://schemas.microsoft.com/office/powerpoint/2010/main">
+    <mc:Choice Requires="p14">
       <p:transition spd="slow" p14:dur="1600">
         <p14:gallery dir="l"/>
       </p:transition>
     </mc:Choice>
-    <mc:Fallback>
+    <mc:Fallback xmlns="">
       <p:transition spd="slow">
         <p:fade/>
       </p:transition>
@@ -6325,27 +10030,27 @@
           <a:bodyPr/>
           <a:lstStyle/>
           <a:p>
-            <a:endParaRPr lang="zh-TW" altLang="en-US"/>
+            <a:endParaRPr lang="zh-TW" altLang="en-US" dirty="0"/>
           </a:p>
         </p:txBody>
       </p:sp>
     </p:spTree>
     <p:extLst>
       <p:ext uri="{BB962C8B-B14F-4D97-AF65-F5344CB8AC3E}">
-        <p14:creationId xmlns:p14="http://schemas.microsoft.com/office/powerpoint/2010/main" val="163256307"/>
+        <p14:creationId xmlns:p14="http://schemas.microsoft.com/office/powerpoint/2010/main" val="3369053566"/>
       </p:ext>
     </p:extLst>
   </p:cSld>
   <p:clrMapOvr>
     <a:masterClrMapping/>
   </p:clrMapOvr>
-  <mc:AlternateContent xmlns:mc="http://schemas.openxmlformats.org/markup-compatibility/2006">
-    <mc:Choice xmlns:p14="http://schemas.microsoft.com/office/powerpoint/2010/main" Requires="p14">
+  <mc:AlternateContent xmlns:mc="http://schemas.openxmlformats.org/markup-compatibility/2006" xmlns:p14="http://schemas.microsoft.com/office/powerpoint/2010/main">
+    <mc:Choice Requires="p14">
       <p:transition spd="slow" p14:dur="1600">
         <p14:gallery dir="l"/>
       </p:transition>
     </mc:Choice>
-    <mc:Fallback>
+    <mc:Fallback xmlns="">
       <p:transition spd="slow">
         <p:fade/>
       </p:transition>
@@ -6417,27 +10122,27 @@
           <a:bodyPr/>
           <a:lstStyle/>
           <a:p>
-            <a:endParaRPr lang="zh-TW" altLang="en-US"/>
+            <a:endParaRPr lang="zh-TW" altLang="en-US" dirty="0"/>
           </a:p>
         </p:txBody>
       </p:sp>
     </p:spTree>
     <p:extLst>
       <p:ext uri="{BB962C8B-B14F-4D97-AF65-F5344CB8AC3E}">
-        <p14:creationId xmlns:p14="http://schemas.microsoft.com/office/powerpoint/2010/main" val="2557169088"/>
+        <p14:creationId xmlns:p14="http://schemas.microsoft.com/office/powerpoint/2010/main" val="13071740"/>
       </p:ext>
     </p:extLst>
   </p:cSld>
   <p:clrMapOvr>
     <a:masterClrMapping/>
   </p:clrMapOvr>
-  <mc:AlternateContent xmlns:mc="http://schemas.openxmlformats.org/markup-compatibility/2006">
-    <mc:Choice xmlns:p14="http://schemas.microsoft.com/office/powerpoint/2010/main" Requires="p14">
+  <mc:AlternateContent xmlns:mc="http://schemas.openxmlformats.org/markup-compatibility/2006" xmlns:p14="http://schemas.microsoft.com/office/powerpoint/2010/main">
+    <mc:Choice Requires="p14">
       <p:transition spd="slow" p14:dur="1600">
         <p14:gallery dir="l"/>
       </p:transition>
     </mc:Choice>
-    <mc:Fallback>
+    <mc:Fallback xmlns="">
       <p:transition spd="slow">
         <p:fade/>
       </p:transition>
@@ -6516,20 +10221,20 @@
     </p:spTree>
     <p:extLst>
       <p:ext uri="{BB962C8B-B14F-4D97-AF65-F5344CB8AC3E}">
-        <p14:creationId xmlns:p14="http://schemas.microsoft.com/office/powerpoint/2010/main" val="3659070847"/>
+        <p14:creationId xmlns:p14="http://schemas.microsoft.com/office/powerpoint/2010/main" val="891383778"/>
       </p:ext>
     </p:extLst>
   </p:cSld>
   <p:clrMapOvr>
     <a:masterClrMapping/>
   </p:clrMapOvr>
-  <mc:AlternateContent xmlns:mc="http://schemas.openxmlformats.org/markup-compatibility/2006">
-    <mc:Choice xmlns:p14="http://schemas.microsoft.com/office/powerpoint/2010/main" Requires="p14">
+  <mc:AlternateContent xmlns:mc="http://schemas.openxmlformats.org/markup-compatibility/2006" xmlns:p14="http://schemas.microsoft.com/office/powerpoint/2010/main">
+    <mc:Choice Requires="p14">
       <p:transition spd="slow" p14:dur="1600">
         <p14:gallery dir="l"/>
       </p:transition>
     </mc:Choice>
-    <mc:Fallback>
+    <mc:Fallback xmlns="">
       <p:transition spd="slow">
         <p:fade/>
       </p:transition>
@@ -6608,20 +10313,20 @@
     </p:spTree>
     <p:extLst>
       <p:ext uri="{BB962C8B-B14F-4D97-AF65-F5344CB8AC3E}">
-        <p14:creationId xmlns:p14="http://schemas.microsoft.com/office/powerpoint/2010/main" val="1800431961"/>
+        <p14:creationId xmlns:p14="http://schemas.microsoft.com/office/powerpoint/2010/main" val="1719968163"/>
       </p:ext>
     </p:extLst>
   </p:cSld>
   <p:clrMapOvr>
     <a:masterClrMapping/>
   </p:clrMapOvr>
-  <mc:AlternateContent xmlns:mc="http://schemas.openxmlformats.org/markup-compatibility/2006">
-    <mc:Choice xmlns:p14="http://schemas.microsoft.com/office/powerpoint/2010/main" Requires="p14">
+  <mc:AlternateContent xmlns:mc="http://schemas.openxmlformats.org/markup-compatibility/2006" xmlns:p14="http://schemas.microsoft.com/office/powerpoint/2010/main">
+    <mc:Choice Requires="p14">
       <p:transition spd="slow" p14:dur="1600">
         <p14:gallery dir="l"/>
       </p:transition>
     </mc:Choice>
-    <mc:Fallback>
+    <mc:Fallback xmlns="">
       <p:transition spd="slow">
         <p:fade/>
       </p:transition>
@@ -6700,20 +10405,20 @@
     </p:spTree>
     <p:extLst>
       <p:ext uri="{BB962C8B-B14F-4D97-AF65-F5344CB8AC3E}">
-        <p14:creationId xmlns:p14="http://schemas.microsoft.com/office/powerpoint/2010/main" val="1661863843"/>
+        <p14:creationId xmlns:p14="http://schemas.microsoft.com/office/powerpoint/2010/main" val="163256307"/>
       </p:ext>
     </p:extLst>
   </p:cSld>
   <p:clrMapOvr>
     <a:masterClrMapping/>
   </p:clrMapOvr>
-  <mc:AlternateContent xmlns:mc="http://schemas.openxmlformats.org/markup-compatibility/2006">
-    <mc:Choice xmlns:p14="http://schemas.microsoft.com/office/powerpoint/2010/main" Requires="p14">
+  <mc:AlternateContent xmlns:mc="http://schemas.openxmlformats.org/markup-compatibility/2006" xmlns:p14="http://schemas.microsoft.com/office/powerpoint/2010/main">
+    <mc:Choice Requires="p14">
       <p:transition spd="slow" p14:dur="1600">
         <p14:gallery dir="l"/>
       </p:transition>
     </mc:Choice>
-    <mc:Fallback>
+    <mc:Fallback xmlns="">
       <p:transition spd="slow">
         <p:fade/>
       </p:transition>
@@ -6792,20 +10497,20 @@
     </p:spTree>
     <p:extLst>
       <p:ext uri="{BB962C8B-B14F-4D97-AF65-F5344CB8AC3E}">
-        <p14:creationId xmlns:p14="http://schemas.microsoft.com/office/powerpoint/2010/main" val="4243147008"/>
+        <p14:creationId xmlns:p14="http://schemas.microsoft.com/office/powerpoint/2010/main" val="2557169088"/>
       </p:ext>
     </p:extLst>
   </p:cSld>
   <p:clrMapOvr>
     <a:masterClrMapping/>
   </p:clrMapOvr>
-  <mc:AlternateContent xmlns:mc="http://schemas.openxmlformats.org/markup-compatibility/2006">
-    <mc:Choice xmlns:p14="http://schemas.microsoft.com/office/powerpoint/2010/main" Requires="p14">
+  <mc:AlternateContent xmlns:mc="http://schemas.openxmlformats.org/markup-compatibility/2006" xmlns:p14="http://schemas.microsoft.com/office/powerpoint/2010/main">
+    <mc:Choice Requires="p14">
       <p:transition spd="slow" p14:dur="1600">
         <p14:gallery dir="l"/>
       </p:transition>
     </mc:Choice>
-    <mc:Fallback>
+    <mc:Fallback xmlns="">
       <p:transition spd="slow">
         <p:fade/>
       </p:transition>
@@ -6884,20 +10589,20 @@
     </p:spTree>
     <p:extLst>
       <p:ext uri="{BB962C8B-B14F-4D97-AF65-F5344CB8AC3E}">
-        <p14:creationId xmlns:p14="http://schemas.microsoft.com/office/powerpoint/2010/main" val="1637858119"/>
+        <p14:creationId xmlns:p14="http://schemas.microsoft.com/office/powerpoint/2010/main" val="3659070847"/>
       </p:ext>
     </p:extLst>
   </p:cSld>
   <p:clrMapOvr>
     <a:masterClrMapping/>
   </p:clrMapOvr>
-  <mc:AlternateContent xmlns:mc="http://schemas.openxmlformats.org/markup-compatibility/2006">
-    <mc:Choice xmlns:p14="http://schemas.microsoft.com/office/powerpoint/2010/main" Requires="p14">
+  <mc:AlternateContent xmlns:mc="http://schemas.openxmlformats.org/markup-compatibility/2006" xmlns:p14="http://schemas.microsoft.com/office/powerpoint/2010/main">
+    <mc:Choice Requires="p14">
       <p:transition spd="slow" p14:dur="1600">
         <p14:gallery dir="l"/>
       </p:transition>
     </mc:Choice>
-    <mc:Fallback>
+    <mc:Fallback xmlns="">
       <p:transition spd="slow">
         <p:fade/>
       </p:transition>
@@ -6928,7 +10633,7 @@
           <p:cNvPr id="2" name="標題 1">
             <a:extLst>
               <a:ext uri="{FF2B5EF4-FFF2-40B4-BE49-F238E27FC236}">
-                <a16:creationId xmlns:a16="http://schemas.microsoft.com/office/drawing/2014/main" id="{3A72A59E-491F-456D-B6CF-236535FD9B6E}"/>
+                <a16:creationId xmlns:a16="http://schemas.microsoft.com/office/drawing/2014/main" id="{40FAAF0B-F610-4447-AF6C-715571FAE211}"/>
               </a:ext>
             </a:extLst>
           </p:cNvPr>
@@ -6944,13 +10649,14 @@
           <a:bodyPr/>
           <a:lstStyle/>
           <a:p>
+            <a:pPr algn="ctr"/>
             <a:r>
               <a:rPr lang="en-US" altLang="zh-TW" dirty="0"/>
               <a:t>Canvas </a:t>
             </a:r>
             <a:r>
               <a:rPr lang="zh-TW" altLang="en-US" dirty="0"/>
-              <a:t>可以做到甚麼？</a:t>
+              <a:t>基礎性質</a:t>
             </a:r>
           </a:p>
         </p:txBody>
@@ -6960,7 +10666,7 @@
           <p:cNvPr id="3" name="內容版面配置區 2">
             <a:extLst>
               <a:ext uri="{FF2B5EF4-FFF2-40B4-BE49-F238E27FC236}">
-                <a16:creationId xmlns:a16="http://schemas.microsoft.com/office/drawing/2014/main" id="{B1ED2872-96C8-4BCC-8CB5-A79240938615}"/>
+                <a16:creationId xmlns:a16="http://schemas.microsoft.com/office/drawing/2014/main" id="{B524D050-ADA2-46DA-968A-7813AD8B4D1C}"/>
               </a:ext>
             </a:extLst>
           </p:cNvPr>
@@ -6971,47 +10677,82 @@
             <p:ph idx="1"/>
           </p:nvPr>
         </p:nvSpPr>
-        <p:spPr/>
-        <p:txBody>
-          <a:bodyPr/>
+        <p:spPr>
+          <a:xfrm>
+            <a:off x="838200" y="1825625"/>
+            <a:ext cx="10515600" cy="4477204"/>
+          </a:xfrm>
+        </p:spPr>
+        <p:txBody>
+          <a:bodyPr anchor="ctr">
+            <a:normAutofit/>
+          </a:bodyPr>
           <a:lstStyle/>
           <a:p>
-            <a:r>
-              <a:rPr lang="zh-TW" altLang="en-US" dirty="0"/>
-              <a:t>繪製圖形</a:t>
-            </a:r>
-            <a:endParaRPr lang="en-US" altLang="zh-TW" dirty="0"/>
-          </a:p>
-          <a:p>
-            <a:endParaRPr lang="en-US" altLang="zh-TW" dirty="0"/>
-          </a:p>
-          <a:p>
-            <a:r>
-              <a:rPr lang="zh-TW" altLang="en-US" dirty="0"/>
-              <a:t>物驗導向開發 </a:t>
-            </a:r>
-            <a:r>
-              <a:rPr lang="en-US" altLang="zh-TW" dirty="0"/>
-              <a:t>(Class)</a:t>
-            </a:r>
-          </a:p>
-          <a:p>
-            <a:endParaRPr lang="en-US" altLang="zh-TW" dirty="0"/>
-          </a:p>
-          <a:p>
-            <a:r>
-              <a:rPr lang="zh-TW" altLang="en-US" dirty="0"/>
-              <a:t>向量繪圖</a:t>
-            </a:r>
-            <a:endParaRPr lang="en-US" altLang="zh-TW" dirty="0"/>
-          </a:p>
-          <a:p>
-            <a:endParaRPr lang="en-US" altLang="zh-TW" dirty="0"/>
-          </a:p>
-          <a:p>
-            <a:r>
-              <a:rPr lang="zh-TW" altLang="en-US" dirty="0"/>
-              <a:t>操作像素</a:t>
+            <a:pPr>
+              <a:buFont typeface="Wingdings" panose="05000000000000000000" pitchFamily="2" charset="2"/>
+              <a:buChar char="l"/>
+            </a:pPr>
+            <a:r>
+              <a:rPr lang="zh-TW" altLang="en-US" sz="3200" dirty="0">
+                <a:latin typeface="Times New Roman" panose="02020603050405020304" pitchFamily="18" charset="0"/>
+                <a:ea typeface="新細明體" panose="02020500000000000000" pitchFamily="18" charset="-120"/>
+              </a:rPr>
+              <a:t>可以自由繪製</a:t>
+            </a:r>
+            <a:endParaRPr lang="en-US" altLang="zh-TW" sz="3200" dirty="0">
+              <a:latin typeface="Times New Roman" panose="02020603050405020304" pitchFamily="18" charset="0"/>
+              <a:ea typeface="新細明體" panose="02020500000000000000" pitchFamily="18" charset="-120"/>
+            </a:endParaRPr>
+          </a:p>
+          <a:p>
+            <a:pPr>
+              <a:buFont typeface="Wingdings" panose="05000000000000000000" pitchFamily="2" charset="2"/>
+              <a:buChar char="l"/>
+            </a:pPr>
+            <a:endParaRPr lang="en-US" altLang="zh-TW" sz="3200" dirty="0">
+              <a:latin typeface="Times New Roman" panose="02020603050405020304" pitchFamily="18" charset="0"/>
+              <a:ea typeface="新細明體" panose="02020500000000000000" pitchFamily="18" charset="-120"/>
+            </a:endParaRPr>
+          </a:p>
+          <a:p>
+            <a:pPr>
+              <a:buFont typeface="Wingdings" panose="05000000000000000000" pitchFamily="2" charset="2"/>
+              <a:buChar char="l"/>
+            </a:pPr>
+            <a:r>
+              <a:rPr lang="zh-TW" altLang="en-US" sz="3200" dirty="0">
+                <a:latin typeface="Times New Roman" panose="02020603050405020304" pitchFamily="18" charset="0"/>
+                <a:ea typeface="新細明體" panose="02020500000000000000" pitchFamily="18" charset="-120"/>
+              </a:rPr>
+              <a:t>可以控制每個像素的顏色與屬性</a:t>
+            </a:r>
+            <a:endParaRPr lang="en-US" altLang="zh-TW" sz="3200" dirty="0">
+              <a:latin typeface="Times New Roman" panose="02020603050405020304" pitchFamily="18" charset="0"/>
+              <a:ea typeface="新細明體" panose="02020500000000000000" pitchFamily="18" charset="-120"/>
+            </a:endParaRPr>
+          </a:p>
+          <a:p>
+            <a:pPr>
+              <a:buFont typeface="Wingdings" panose="05000000000000000000" pitchFamily="2" charset="2"/>
+              <a:buChar char="l"/>
+            </a:pPr>
+            <a:endParaRPr lang="en-US" altLang="zh-TW" sz="3200" dirty="0">
+              <a:latin typeface="Times New Roman" panose="02020603050405020304" pitchFamily="18" charset="0"/>
+              <a:ea typeface="新細明體" panose="02020500000000000000" pitchFamily="18" charset="-120"/>
+            </a:endParaRPr>
+          </a:p>
+          <a:p>
+            <a:pPr>
+              <a:buFont typeface="Wingdings" panose="05000000000000000000" pitchFamily="2" charset="2"/>
+              <a:buChar char="l"/>
+            </a:pPr>
+            <a:r>
+              <a:rPr lang="zh-TW" altLang="en-US" sz="3200" dirty="0">
+                <a:latin typeface="Times New Roman" panose="02020603050405020304" pitchFamily="18" charset="0"/>
+                <a:ea typeface="新細明體" panose="02020500000000000000" pitchFamily="18" charset="-120"/>
+              </a:rPr>
+              <a:t>擁有高度自由性</a:t>
             </a:r>
           </a:p>
         </p:txBody>
@@ -7019,20 +10760,20 @@
     </p:spTree>
     <p:extLst>
       <p:ext uri="{BB962C8B-B14F-4D97-AF65-F5344CB8AC3E}">
-        <p14:creationId xmlns:p14="http://schemas.microsoft.com/office/powerpoint/2010/main" val="3031190504"/>
+        <p14:creationId xmlns:p14="http://schemas.microsoft.com/office/powerpoint/2010/main" val="3285628971"/>
       </p:ext>
     </p:extLst>
   </p:cSld>
   <p:clrMapOvr>
     <a:masterClrMapping/>
   </p:clrMapOvr>
-  <mc:AlternateContent xmlns:mc="http://schemas.openxmlformats.org/markup-compatibility/2006">
-    <mc:Choice xmlns:p14="http://schemas.microsoft.com/office/powerpoint/2010/main" Requires="p14">
+  <mc:AlternateContent xmlns:mc="http://schemas.openxmlformats.org/markup-compatibility/2006" xmlns:p14="http://schemas.microsoft.com/office/powerpoint/2010/main">
+    <mc:Choice Requires="p14">
       <p:transition spd="slow" p14:dur="1600">
         <p14:gallery dir="l"/>
       </p:transition>
     </mc:Choice>
-    <mc:Fallback>
+    <mc:Fallback xmlns="">
       <p:transition spd="slow">
         <p:fade/>
       </p:transition>
@@ -7111,20 +10852,20 @@
     </p:spTree>
     <p:extLst>
       <p:ext uri="{BB962C8B-B14F-4D97-AF65-F5344CB8AC3E}">
-        <p14:creationId xmlns:p14="http://schemas.microsoft.com/office/powerpoint/2010/main" val="1316932487"/>
+        <p14:creationId xmlns:p14="http://schemas.microsoft.com/office/powerpoint/2010/main" val="1800431961"/>
       </p:ext>
     </p:extLst>
   </p:cSld>
   <p:clrMapOvr>
     <a:masterClrMapping/>
   </p:clrMapOvr>
-  <mc:AlternateContent xmlns:mc="http://schemas.openxmlformats.org/markup-compatibility/2006">
-    <mc:Choice xmlns:p14="http://schemas.microsoft.com/office/powerpoint/2010/main" Requires="p14">
+  <mc:AlternateContent xmlns:mc="http://schemas.openxmlformats.org/markup-compatibility/2006" xmlns:p14="http://schemas.microsoft.com/office/powerpoint/2010/main">
+    <mc:Choice Requires="p14">
       <p:transition spd="slow" p14:dur="1600">
         <p14:gallery dir="l"/>
       </p:transition>
     </mc:Choice>
-    <mc:Fallback>
+    <mc:Fallback xmlns="">
       <p:transition spd="slow">
         <p:fade/>
       </p:transition>
@@ -7171,10 +10912,7 @@
           <a:bodyPr/>
           <a:lstStyle/>
           <a:p>
-            <a:r>
-              <a:rPr lang="zh-TW" altLang="en-US" dirty="0"/>
-              <a:t>資料參考</a:t>
-            </a:r>
+            <a:endParaRPr lang="zh-TW" altLang="en-US"/>
           </a:p>
         </p:txBody>
       </p:sp>
@@ -7194,6 +10932,377 @@
             <p:ph idx="1"/>
           </p:nvPr>
         </p:nvSpPr>
+        <p:spPr/>
+        <p:txBody>
+          <a:bodyPr/>
+          <a:lstStyle/>
+          <a:p>
+            <a:endParaRPr lang="zh-TW" altLang="en-US"/>
+          </a:p>
+        </p:txBody>
+      </p:sp>
+    </p:spTree>
+    <p:extLst>
+      <p:ext uri="{BB962C8B-B14F-4D97-AF65-F5344CB8AC3E}">
+        <p14:creationId xmlns:p14="http://schemas.microsoft.com/office/powerpoint/2010/main" val="1661863843"/>
+      </p:ext>
+    </p:extLst>
+  </p:cSld>
+  <p:clrMapOvr>
+    <a:masterClrMapping/>
+  </p:clrMapOvr>
+  <mc:AlternateContent xmlns:mc="http://schemas.openxmlformats.org/markup-compatibility/2006" xmlns:p14="http://schemas.microsoft.com/office/powerpoint/2010/main">
+    <mc:Choice Requires="p14">
+      <p:transition spd="slow" p14:dur="1600">
+        <p14:gallery dir="l"/>
+      </p:transition>
+    </mc:Choice>
+    <mc:Fallback xmlns="">
+      <p:transition spd="slow">
+        <p:fade/>
+      </p:transition>
+    </mc:Fallback>
+  </mc:AlternateContent>
+</p:sld>
+</file>
+
+<file path=ppt/slides/slide32.xml><?xml version="1.0" encoding="utf-8"?>
+<p:sld xmlns:a="http://schemas.openxmlformats.org/drawingml/2006/main" xmlns:r="http://schemas.openxmlformats.org/officeDocument/2006/relationships" xmlns:p="http://schemas.openxmlformats.org/presentationml/2006/main">
+  <p:cSld>
+    <p:spTree>
+      <p:nvGrpSpPr>
+        <p:cNvPr id="1" name=""/>
+        <p:cNvGrpSpPr/>
+        <p:nvPr/>
+      </p:nvGrpSpPr>
+      <p:grpSpPr>
+        <a:xfrm>
+          <a:off x="0" y="0"/>
+          <a:ext cx="0" cy="0"/>
+          <a:chOff x="0" y="0"/>
+          <a:chExt cx="0" cy="0"/>
+        </a:xfrm>
+      </p:grpSpPr>
+      <p:sp>
+        <p:nvSpPr>
+          <p:cNvPr id="2" name="標題 1">
+            <a:extLst>
+              <a:ext uri="{FF2B5EF4-FFF2-40B4-BE49-F238E27FC236}">
+                <a16:creationId xmlns:a16="http://schemas.microsoft.com/office/drawing/2014/main" id="{A074B34E-1C85-44B9-9FC8-6D52C0DE0B6A}"/>
+              </a:ext>
+            </a:extLst>
+          </p:cNvPr>
+          <p:cNvSpPr>
+            <a:spLocks noGrp="1"/>
+          </p:cNvSpPr>
+          <p:nvPr>
+            <p:ph type="title"/>
+          </p:nvPr>
+        </p:nvSpPr>
+        <p:spPr/>
+        <p:txBody>
+          <a:bodyPr/>
+          <a:lstStyle/>
+          <a:p>
+            <a:endParaRPr lang="zh-TW" altLang="en-US"/>
+          </a:p>
+        </p:txBody>
+      </p:sp>
+      <p:sp>
+        <p:nvSpPr>
+          <p:cNvPr id="3" name="內容版面配置區 2">
+            <a:extLst>
+              <a:ext uri="{FF2B5EF4-FFF2-40B4-BE49-F238E27FC236}">
+                <a16:creationId xmlns:a16="http://schemas.microsoft.com/office/drawing/2014/main" id="{0D313323-E799-45AA-B2AA-CD5256835E63}"/>
+              </a:ext>
+            </a:extLst>
+          </p:cNvPr>
+          <p:cNvSpPr>
+            <a:spLocks noGrp="1"/>
+          </p:cNvSpPr>
+          <p:nvPr>
+            <p:ph idx="1"/>
+          </p:nvPr>
+        </p:nvSpPr>
+        <p:spPr/>
+        <p:txBody>
+          <a:bodyPr/>
+          <a:lstStyle/>
+          <a:p>
+            <a:endParaRPr lang="zh-TW" altLang="en-US"/>
+          </a:p>
+        </p:txBody>
+      </p:sp>
+    </p:spTree>
+    <p:extLst>
+      <p:ext uri="{BB962C8B-B14F-4D97-AF65-F5344CB8AC3E}">
+        <p14:creationId xmlns:p14="http://schemas.microsoft.com/office/powerpoint/2010/main" val="4243147008"/>
+      </p:ext>
+    </p:extLst>
+  </p:cSld>
+  <p:clrMapOvr>
+    <a:masterClrMapping/>
+  </p:clrMapOvr>
+  <mc:AlternateContent xmlns:mc="http://schemas.openxmlformats.org/markup-compatibility/2006" xmlns:p14="http://schemas.microsoft.com/office/powerpoint/2010/main">
+    <mc:Choice Requires="p14">
+      <p:transition spd="slow" p14:dur="1600">
+        <p14:gallery dir="l"/>
+      </p:transition>
+    </mc:Choice>
+    <mc:Fallback xmlns="">
+      <p:transition spd="slow">
+        <p:fade/>
+      </p:transition>
+    </mc:Fallback>
+  </mc:AlternateContent>
+</p:sld>
+</file>
+
+<file path=ppt/slides/slide33.xml><?xml version="1.0" encoding="utf-8"?>
+<p:sld xmlns:a="http://schemas.openxmlformats.org/drawingml/2006/main" xmlns:r="http://schemas.openxmlformats.org/officeDocument/2006/relationships" xmlns:p="http://schemas.openxmlformats.org/presentationml/2006/main">
+  <p:cSld>
+    <p:spTree>
+      <p:nvGrpSpPr>
+        <p:cNvPr id="1" name=""/>
+        <p:cNvGrpSpPr/>
+        <p:nvPr/>
+      </p:nvGrpSpPr>
+      <p:grpSpPr>
+        <a:xfrm>
+          <a:off x="0" y="0"/>
+          <a:ext cx="0" cy="0"/>
+          <a:chOff x="0" y="0"/>
+          <a:chExt cx="0" cy="0"/>
+        </a:xfrm>
+      </p:grpSpPr>
+      <p:sp>
+        <p:nvSpPr>
+          <p:cNvPr id="2" name="標題 1">
+            <a:extLst>
+              <a:ext uri="{FF2B5EF4-FFF2-40B4-BE49-F238E27FC236}">
+                <a16:creationId xmlns:a16="http://schemas.microsoft.com/office/drawing/2014/main" id="{A074B34E-1C85-44B9-9FC8-6D52C0DE0B6A}"/>
+              </a:ext>
+            </a:extLst>
+          </p:cNvPr>
+          <p:cNvSpPr>
+            <a:spLocks noGrp="1"/>
+          </p:cNvSpPr>
+          <p:nvPr>
+            <p:ph type="title"/>
+          </p:nvPr>
+        </p:nvSpPr>
+        <p:spPr/>
+        <p:txBody>
+          <a:bodyPr/>
+          <a:lstStyle/>
+          <a:p>
+            <a:endParaRPr lang="zh-TW" altLang="en-US"/>
+          </a:p>
+        </p:txBody>
+      </p:sp>
+      <p:sp>
+        <p:nvSpPr>
+          <p:cNvPr id="3" name="內容版面配置區 2">
+            <a:extLst>
+              <a:ext uri="{FF2B5EF4-FFF2-40B4-BE49-F238E27FC236}">
+                <a16:creationId xmlns:a16="http://schemas.microsoft.com/office/drawing/2014/main" id="{0D313323-E799-45AA-B2AA-CD5256835E63}"/>
+              </a:ext>
+            </a:extLst>
+          </p:cNvPr>
+          <p:cNvSpPr>
+            <a:spLocks noGrp="1"/>
+          </p:cNvSpPr>
+          <p:nvPr>
+            <p:ph idx="1"/>
+          </p:nvPr>
+        </p:nvSpPr>
+        <p:spPr/>
+        <p:txBody>
+          <a:bodyPr/>
+          <a:lstStyle/>
+          <a:p>
+            <a:endParaRPr lang="zh-TW" altLang="en-US"/>
+          </a:p>
+        </p:txBody>
+      </p:sp>
+    </p:spTree>
+    <p:extLst>
+      <p:ext uri="{BB962C8B-B14F-4D97-AF65-F5344CB8AC3E}">
+        <p14:creationId xmlns:p14="http://schemas.microsoft.com/office/powerpoint/2010/main" val="1637858119"/>
+      </p:ext>
+    </p:extLst>
+  </p:cSld>
+  <p:clrMapOvr>
+    <a:masterClrMapping/>
+  </p:clrMapOvr>
+  <mc:AlternateContent xmlns:mc="http://schemas.openxmlformats.org/markup-compatibility/2006" xmlns:p14="http://schemas.microsoft.com/office/powerpoint/2010/main">
+    <mc:Choice Requires="p14">
+      <p:transition spd="slow" p14:dur="1600">
+        <p14:gallery dir="l"/>
+      </p:transition>
+    </mc:Choice>
+    <mc:Fallback xmlns="">
+      <p:transition spd="slow">
+        <p:fade/>
+      </p:transition>
+    </mc:Fallback>
+  </mc:AlternateContent>
+</p:sld>
+</file>
+
+<file path=ppt/slides/slide34.xml><?xml version="1.0" encoding="utf-8"?>
+<p:sld xmlns:a="http://schemas.openxmlformats.org/drawingml/2006/main" xmlns:r="http://schemas.openxmlformats.org/officeDocument/2006/relationships" xmlns:p="http://schemas.openxmlformats.org/presentationml/2006/main">
+  <p:cSld>
+    <p:spTree>
+      <p:nvGrpSpPr>
+        <p:cNvPr id="1" name=""/>
+        <p:cNvGrpSpPr/>
+        <p:nvPr/>
+      </p:nvGrpSpPr>
+      <p:grpSpPr>
+        <a:xfrm>
+          <a:off x="0" y="0"/>
+          <a:ext cx="0" cy="0"/>
+          <a:chOff x="0" y="0"/>
+          <a:chExt cx="0" cy="0"/>
+        </a:xfrm>
+      </p:grpSpPr>
+      <p:sp>
+        <p:nvSpPr>
+          <p:cNvPr id="2" name="標題 1">
+            <a:extLst>
+              <a:ext uri="{FF2B5EF4-FFF2-40B4-BE49-F238E27FC236}">
+                <a16:creationId xmlns:a16="http://schemas.microsoft.com/office/drawing/2014/main" id="{A074B34E-1C85-44B9-9FC8-6D52C0DE0B6A}"/>
+              </a:ext>
+            </a:extLst>
+          </p:cNvPr>
+          <p:cNvSpPr>
+            <a:spLocks noGrp="1"/>
+          </p:cNvSpPr>
+          <p:nvPr>
+            <p:ph type="title"/>
+          </p:nvPr>
+        </p:nvSpPr>
+        <p:spPr/>
+        <p:txBody>
+          <a:bodyPr/>
+          <a:lstStyle/>
+          <a:p>
+            <a:endParaRPr lang="zh-TW" altLang="en-US"/>
+          </a:p>
+        </p:txBody>
+      </p:sp>
+      <p:sp>
+        <p:nvSpPr>
+          <p:cNvPr id="3" name="內容版面配置區 2">
+            <a:extLst>
+              <a:ext uri="{FF2B5EF4-FFF2-40B4-BE49-F238E27FC236}">
+                <a16:creationId xmlns:a16="http://schemas.microsoft.com/office/drawing/2014/main" id="{0D313323-E799-45AA-B2AA-CD5256835E63}"/>
+              </a:ext>
+            </a:extLst>
+          </p:cNvPr>
+          <p:cNvSpPr>
+            <a:spLocks noGrp="1"/>
+          </p:cNvSpPr>
+          <p:nvPr>
+            <p:ph idx="1"/>
+          </p:nvPr>
+        </p:nvSpPr>
+        <p:spPr/>
+        <p:txBody>
+          <a:bodyPr/>
+          <a:lstStyle/>
+          <a:p>
+            <a:endParaRPr lang="zh-TW" altLang="en-US"/>
+          </a:p>
+        </p:txBody>
+      </p:sp>
+    </p:spTree>
+    <p:extLst>
+      <p:ext uri="{BB962C8B-B14F-4D97-AF65-F5344CB8AC3E}">
+        <p14:creationId xmlns:p14="http://schemas.microsoft.com/office/powerpoint/2010/main" val="1316932487"/>
+      </p:ext>
+    </p:extLst>
+  </p:cSld>
+  <p:clrMapOvr>
+    <a:masterClrMapping/>
+  </p:clrMapOvr>
+  <mc:AlternateContent xmlns:mc="http://schemas.openxmlformats.org/markup-compatibility/2006" xmlns:p14="http://schemas.microsoft.com/office/powerpoint/2010/main">
+    <mc:Choice Requires="p14">
+      <p:transition spd="slow" p14:dur="1600">
+        <p14:gallery dir="l"/>
+      </p:transition>
+    </mc:Choice>
+    <mc:Fallback xmlns="">
+      <p:transition spd="slow">
+        <p:fade/>
+      </p:transition>
+    </mc:Fallback>
+  </mc:AlternateContent>
+</p:sld>
+</file>
+
+<file path=ppt/slides/slide35.xml><?xml version="1.0" encoding="utf-8"?>
+<p:sld xmlns:a="http://schemas.openxmlformats.org/drawingml/2006/main" xmlns:r="http://schemas.openxmlformats.org/officeDocument/2006/relationships" xmlns:p="http://schemas.openxmlformats.org/presentationml/2006/main">
+  <p:cSld>
+    <p:spTree>
+      <p:nvGrpSpPr>
+        <p:cNvPr id="1" name=""/>
+        <p:cNvGrpSpPr/>
+        <p:nvPr/>
+      </p:nvGrpSpPr>
+      <p:grpSpPr>
+        <a:xfrm>
+          <a:off x="0" y="0"/>
+          <a:ext cx="0" cy="0"/>
+          <a:chOff x="0" y="0"/>
+          <a:chExt cx="0" cy="0"/>
+        </a:xfrm>
+      </p:grpSpPr>
+      <p:sp>
+        <p:nvSpPr>
+          <p:cNvPr id="2" name="標題 1">
+            <a:extLst>
+              <a:ext uri="{FF2B5EF4-FFF2-40B4-BE49-F238E27FC236}">
+                <a16:creationId xmlns:a16="http://schemas.microsoft.com/office/drawing/2014/main" id="{A074B34E-1C85-44B9-9FC8-6D52C0DE0B6A}"/>
+              </a:ext>
+            </a:extLst>
+          </p:cNvPr>
+          <p:cNvSpPr>
+            <a:spLocks noGrp="1"/>
+          </p:cNvSpPr>
+          <p:nvPr>
+            <p:ph type="title"/>
+          </p:nvPr>
+        </p:nvSpPr>
+        <p:spPr/>
+        <p:txBody>
+          <a:bodyPr/>
+          <a:lstStyle/>
+          <a:p>
+            <a:r>
+              <a:rPr lang="zh-TW" altLang="en-US" dirty="0"/>
+              <a:t>資料參考</a:t>
+            </a:r>
+          </a:p>
+        </p:txBody>
+      </p:sp>
+      <p:sp>
+        <p:nvSpPr>
+          <p:cNvPr id="3" name="內容版面配置區 2">
+            <a:extLst>
+              <a:ext uri="{FF2B5EF4-FFF2-40B4-BE49-F238E27FC236}">
+                <a16:creationId xmlns:a16="http://schemas.microsoft.com/office/drawing/2014/main" id="{0D313323-E799-45AA-B2AA-CD5256835E63}"/>
+              </a:ext>
+            </a:extLst>
+          </p:cNvPr>
+          <p:cNvSpPr>
+            <a:spLocks noGrp="1"/>
+          </p:cNvSpPr>
+          <p:nvPr>
+            <p:ph idx="1"/>
+          </p:nvPr>
+        </p:nvSpPr>
         <p:spPr>
           <a:xfrm>
             <a:off x="114301" y="1825625"/>
@@ -7207,11 +11316,14 @@
           <a:lstStyle/>
           <a:p>
             <a:r>
-              <a:rPr lang="en-US" altLang="zh-TW" sz="2400" dirty="0">
+              <a:rPr lang="zh-TW" altLang="en-US" sz="2400" dirty="0">
                 <a:hlinkClick r:id="rId2"/>
               </a:rPr>
-              <a:t>https://hackmd.io/gXGXV89pR7GdTQdGEsHaZQ?both</a:t>
-            </a:r>
+              <a:t>六角學院</a:t>
+            </a:r>
+            <a:endParaRPr lang="en-US" altLang="zh-TW" sz="2400" dirty="0"/>
+          </a:p>
+          <a:p>
             <a:endParaRPr lang="en-US" altLang="zh-TW" sz="2400" dirty="0"/>
           </a:p>
           <a:p>
@@ -7219,16 +11331,35 @@
               <a:rPr lang="en-US" altLang="zh-TW" sz="2400" dirty="0">
                 <a:hlinkClick r:id="rId3"/>
               </a:rPr>
-              <a:t>https://www.w3schools.com/</a:t>
+              <a:t>W3schools</a:t>
+            </a:r>
+            <a:r>
+              <a:rPr lang="zh-TW" altLang="en-US" sz="2400" dirty="0">
+                <a:hlinkClick r:id="rId3"/>
+              </a:rPr>
+              <a:t>學院</a:t>
             </a:r>
             <a:endParaRPr lang="en-US" altLang="zh-TW" sz="2400" dirty="0"/>
           </a:p>
           <a:p>
-            <a:r>
-              <a:rPr lang="en-US" altLang="zh-TW" sz="2400" dirty="0"/>
-              <a:t>https://developer.mozilla.org/zh-TW/docs/Web/API/Canvas_API/Tutorial</a:t>
-            </a:r>
-            <a:endParaRPr lang="zh-TW" altLang="en-US" sz="2400" dirty="0"/>
+            <a:endParaRPr lang="en-US" altLang="zh-TW" sz="2400" dirty="0">
+              <a:hlinkClick r:id="rId3"/>
+            </a:endParaRPr>
+          </a:p>
+          <a:p>
+            <a:r>
+              <a:rPr lang="en-US" altLang="zh-TW" sz="2400" dirty="0">
+                <a:hlinkClick r:id="rId4"/>
+              </a:rPr>
+              <a:t>Canvas </a:t>
+            </a:r>
+            <a:r>
+              <a:rPr lang="zh-TW" altLang="en-US" sz="2400" dirty="0">
+                <a:hlinkClick r:id="rId4"/>
+              </a:rPr>
+              <a:t>教學文件</a:t>
+            </a:r>
+            <a:endParaRPr lang="en-US" altLang="zh-TW" sz="2400" dirty="0"/>
           </a:p>
         </p:txBody>
       </p:sp>
@@ -7242,13 +11373,13 @@
   <p:clrMapOvr>
     <a:masterClrMapping/>
   </p:clrMapOvr>
-  <mc:AlternateContent xmlns:mc="http://schemas.openxmlformats.org/markup-compatibility/2006">
-    <mc:Choice xmlns:p14="http://schemas.microsoft.com/office/powerpoint/2010/main" Requires="p14">
+  <mc:AlternateContent xmlns:mc="http://schemas.openxmlformats.org/markup-compatibility/2006" xmlns:p14="http://schemas.microsoft.com/office/powerpoint/2010/main">
+    <mc:Choice Requires="p14">
       <p:transition spd="slow" p14:dur="1600">
         <p14:gallery dir="l"/>
       </p:transition>
     </mc:Choice>
-    <mc:Fallback>
+    <mc:Fallback xmlns="">
       <p:transition spd="slow">
         <p:fade/>
       </p:transition>
@@ -7258,6 +11389,141 @@
 </file>
 
 <file path=ppt/slides/slide4.xml><?xml version="1.0" encoding="utf-8"?>
+<p:sld xmlns:a="http://schemas.openxmlformats.org/drawingml/2006/main" xmlns:r="http://schemas.openxmlformats.org/officeDocument/2006/relationships" xmlns:p="http://schemas.openxmlformats.org/presentationml/2006/main">
+  <p:cSld>
+    <p:spTree>
+      <p:nvGrpSpPr>
+        <p:cNvPr id="1" name=""/>
+        <p:cNvGrpSpPr/>
+        <p:nvPr/>
+      </p:nvGrpSpPr>
+      <p:grpSpPr>
+        <a:xfrm>
+          <a:off x="0" y="0"/>
+          <a:ext cx="0" cy="0"/>
+          <a:chOff x="0" y="0"/>
+          <a:chExt cx="0" cy="0"/>
+        </a:xfrm>
+      </p:grpSpPr>
+      <p:sp>
+        <p:nvSpPr>
+          <p:cNvPr id="2" name="標題 1">
+            <a:extLst>
+              <a:ext uri="{FF2B5EF4-FFF2-40B4-BE49-F238E27FC236}">
+                <a16:creationId xmlns:a16="http://schemas.microsoft.com/office/drawing/2014/main" id="{3A72A59E-491F-456D-B6CF-236535FD9B6E}"/>
+              </a:ext>
+            </a:extLst>
+          </p:cNvPr>
+          <p:cNvSpPr>
+            <a:spLocks noGrp="1"/>
+          </p:cNvSpPr>
+          <p:nvPr>
+            <p:ph type="title"/>
+          </p:nvPr>
+        </p:nvSpPr>
+        <p:spPr/>
+        <p:txBody>
+          <a:bodyPr/>
+          <a:lstStyle/>
+          <a:p>
+            <a:r>
+              <a:rPr lang="en-US" altLang="zh-TW" dirty="0"/>
+              <a:t>Canvas </a:t>
+            </a:r>
+            <a:r>
+              <a:rPr lang="zh-TW" altLang="en-US" dirty="0"/>
+              <a:t>可以做到甚麼？</a:t>
+            </a:r>
+          </a:p>
+        </p:txBody>
+      </p:sp>
+      <p:sp>
+        <p:nvSpPr>
+          <p:cNvPr id="3" name="內容版面配置區 2">
+            <a:extLst>
+              <a:ext uri="{FF2B5EF4-FFF2-40B4-BE49-F238E27FC236}">
+                <a16:creationId xmlns:a16="http://schemas.microsoft.com/office/drawing/2014/main" id="{B1ED2872-96C8-4BCC-8CB5-A79240938615}"/>
+              </a:ext>
+            </a:extLst>
+          </p:cNvPr>
+          <p:cNvSpPr>
+            <a:spLocks noGrp="1"/>
+          </p:cNvSpPr>
+          <p:nvPr>
+            <p:ph idx="1"/>
+          </p:nvPr>
+        </p:nvSpPr>
+        <p:spPr/>
+        <p:txBody>
+          <a:bodyPr/>
+          <a:lstStyle/>
+          <a:p>
+            <a:r>
+              <a:rPr lang="zh-TW" altLang="en-US" dirty="0"/>
+              <a:t>繪製圖形</a:t>
+            </a:r>
+            <a:endParaRPr lang="en-US" altLang="zh-TW" dirty="0"/>
+          </a:p>
+          <a:p>
+            <a:endParaRPr lang="en-US" altLang="zh-TW" dirty="0"/>
+          </a:p>
+          <a:p>
+            <a:r>
+              <a:rPr lang="zh-TW" altLang="en-US" dirty="0"/>
+              <a:t>物驗導向開發 </a:t>
+            </a:r>
+            <a:r>
+              <a:rPr lang="en-US" altLang="zh-TW" dirty="0"/>
+              <a:t>(Class)</a:t>
+            </a:r>
+          </a:p>
+          <a:p>
+            <a:endParaRPr lang="en-US" altLang="zh-TW" dirty="0"/>
+          </a:p>
+          <a:p>
+            <a:r>
+              <a:rPr lang="zh-TW" altLang="en-US" dirty="0"/>
+              <a:t>向量繪圖</a:t>
+            </a:r>
+            <a:endParaRPr lang="en-US" altLang="zh-TW" dirty="0"/>
+          </a:p>
+          <a:p>
+            <a:endParaRPr lang="en-US" altLang="zh-TW" dirty="0"/>
+          </a:p>
+          <a:p>
+            <a:r>
+              <a:rPr lang="zh-TW" altLang="en-US" dirty="0"/>
+              <a:t>操作像素</a:t>
+            </a:r>
+          </a:p>
+        </p:txBody>
+      </p:sp>
+    </p:spTree>
+    <p:extLst>
+      <p:ext uri="{BB962C8B-B14F-4D97-AF65-F5344CB8AC3E}">
+        <p14:creationId xmlns:p14="http://schemas.microsoft.com/office/powerpoint/2010/main" val="3031190504"/>
+      </p:ext>
+    </p:extLst>
+  </p:cSld>
+  <p:clrMapOvr>
+    <a:masterClrMapping/>
+  </p:clrMapOvr>
+  <mc:AlternateContent xmlns:mc="http://schemas.openxmlformats.org/markup-compatibility/2006" xmlns:p14="http://schemas.microsoft.com/office/powerpoint/2010/main">
+    <mc:Choice Requires="p14">
+      <p:transition spd="slow" p14:dur="1600">
+        <p14:gallery dir="l"/>
+      </p:transition>
+    </mc:Choice>
+    <mc:Fallback xmlns="">
+      <p:transition spd="slow">
+        <p:fade/>
+      </p:transition>
+    </mc:Fallback>
+  </mc:AlternateContent>
+</p:sld>
+</file>
+
+<file path=ppt/slides/slide5.xml><?xml version="1.0" encoding="utf-8"?>
 <p:sld xmlns:a="http://schemas.openxmlformats.org/drawingml/2006/main" xmlns:r="http://schemas.openxmlformats.org/officeDocument/2006/relationships" xmlns:p="http://schemas.openxmlformats.org/presentationml/2006/main">
   <p:cSld>
     <p:spTree>
@@ -7793,13 +12059,13 @@
   <p:clrMapOvr>
     <a:masterClrMapping/>
   </p:clrMapOvr>
-  <mc:AlternateContent xmlns:mc="http://schemas.openxmlformats.org/markup-compatibility/2006">
-    <mc:Choice xmlns:p14="http://schemas.microsoft.com/office/powerpoint/2010/main" Requires="p14">
+  <mc:AlternateContent xmlns:mc="http://schemas.openxmlformats.org/markup-compatibility/2006" xmlns:p14="http://schemas.microsoft.com/office/powerpoint/2010/main">
+    <mc:Choice Requires="p14">
       <p:transition spd="slow" p14:dur="1600">
         <p14:gallery dir="l"/>
       </p:transition>
     </mc:Choice>
-    <mc:Fallback>
+    <mc:Fallback xmlns="">
       <p:transition spd="slow">
         <p:fade/>
       </p:transition>
@@ -7808,7 +12074,7 @@
 </p:sld>
 </file>
 
-<file path=ppt/slides/slide5.xml><?xml version="1.0" encoding="utf-8"?>
+<file path=ppt/slides/slide6.xml><?xml version="1.0" encoding="utf-8"?>
 <p:sld xmlns:a="http://schemas.openxmlformats.org/drawingml/2006/main" xmlns:r="http://schemas.openxmlformats.org/officeDocument/2006/relationships" xmlns:p="http://schemas.openxmlformats.org/presentationml/2006/main">
   <p:cSld>
     <p:spTree>
@@ -8162,13 +12428,13 @@
   <p:clrMapOvr>
     <a:masterClrMapping/>
   </p:clrMapOvr>
-  <mc:AlternateContent xmlns:mc="http://schemas.openxmlformats.org/markup-compatibility/2006">
-    <mc:Choice xmlns:p14="http://schemas.microsoft.com/office/powerpoint/2010/main" Requires="p14">
+  <mc:AlternateContent xmlns:mc="http://schemas.openxmlformats.org/markup-compatibility/2006" xmlns:p14="http://schemas.microsoft.com/office/powerpoint/2010/main">
+    <mc:Choice Requires="p14">
       <p:transition spd="slow" p14:dur="1600">
         <p14:gallery dir="l"/>
       </p:transition>
     </mc:Choice>
-    <mc:Fallback>
+    <mc:Fallback xmlns="">
       <p:transition spd="slow">
         <p:fade/>
       </p:transition>
@@ -8177,7 +12443,7 @@
 </p:sld>
 </file>
 
-<file path=ppt/slides/slide6.xml><?xml version="1.0" encoding="utf-8"?>
+<file path=ppt/slides/slide7.xml><?xml version="1.0" encoding="utf-8"?>
 <p:sld xmlns:a="http://schemas.openxmlformats.org/drawingml/2006/main" xmlns:r="http://schemas.openxmlformats.org/officeDocument/2006/relationships" xmlns:p="http://schemas.openxmlformats.org/presentationml/2006/main">
   <p:cSld>
     <p:spTree>
@@ -8300,13 +12566,13 @@
   <p:clrMapOvr>
     <a:masterClrMapping/>
   </p:clrMapOvr>
-  <mc:AlternateContent xmlns:mc="http://schemas.openxmlformats.org/markup-compatibility/2006">
-    <mc:Choice xmlns:p14="http://schemas.microsoft.com/office/powerpoint/2010/main" Requires="p14">
+  <mc:AlternateContent xmlns:mc="http://schemas.openxmlformats.org/markup-compatibility/2006" xmlns:p14="http://schemas.microsoft.com/office/powerpoint/2010/main">
+    <mc:Choice Requires="p14">
       <p:transition spd="slow" p14:dur="1600">
         <p14:gallery dir="l"/>
       </p:transition>
     </mc:Choice>
-    <mc:Fallback>
+    <mc:Fallback xmlns="">
       <p:transition spd="slow">
         <p:fade/>
       </p:transition>
@@ -8315,7 +12581,7 @@
 </p:sld>
 </file>
 
-<file path=ppt/slides/slide7.xml><?xml version="1.0" encoding="utf-8"?>
+<file path=ppt/slides/slide8.xml><?xml version="1.0" encoding="utf-8"?>
 <p:sld xmlns:a="http://schemas.openxmlformats.org/drawingml/2006/main" xmlns:r="http://schemas.openxmlformats.org/officeDocument/2006/relationships" xmlns:p="http://schemas.openxmlformats.org/presentationml/2006/main">
   <p:cSld>
     <p:spTree>
@@ -8807,13 +13073,13 @@
   <p:clrMapOvr>
     <a:masterClrMapping/>
   </p:clrMapOvr>
-  <mc:AlternateContent xmlns:mc="http://schemas.openxmlformats.org/markup-compatibility/2006">
-    <mc:Choice xmlns:p14="http://schemas.microsoft.com/office/powerpoint/2010/main" Requires="p14">
+  <mc:AlternateContent xmlns:mc="http://schemas.openxmlformats.org/markup-compatibility/2006" xmlns:p14="http://schemas.microsoft.com/office/powerpoint/2010/main">
+    <mc:Choice Requires="p14">
       <p:transition spd="slow" p14:dur="1600">
         <p14:gallery dir="l"/>
       </p:transition>
     </mc:Choice>
-    <mc:Fallback>
+    <mc:Fallback xmlns="">
       <p:transition spd="slow">
         <p:fade/>
       </p:transition>
@@ -8822,7 +13088,7 @@
 </p:sld>
 </file>
 
-<file path=ppt/slides/slide8.xml><?xml version="1.0" encoding="utf-8"?>
+<file path=ppt/slides/slide9.xml><?xml version="1.0" encoding="utf-8"?>
 <p:sld xmlns:a="http://schemas.openxmlformats.org/drawingml/2006/main" xmlns:r="http://schemas.openxmlformats.org/officeDocument/2006/relationships" xmlns:p="http://schemas.openxmlformats.org/presentationml/2006/main">
   <p:cSld>
     <p:spTree>
@@ -8914,43 +13180,21 @@
               <a:buNone/>
             </a:pPr>
             <a:r>
-              <a:rPr lang="zh-TW" altLang="en-US" sz="2800" dirty="0"/>
+              <a:rPr lang="zh-TW" altLang="en-US" sz="2400" dirty="0"/>
               <a:t>矩行填滿</a:t>
             </a:r>
-            <a:endParaRPr lang="en-US" altLang="zh-TW" sz="2800" dirty="0"/>
-          </a:p>
-          <a:p>
-            <a:r>
-              <a:rPr lang="en-US" altLang="zh-TW" dirty="0" err="1"/>
-              <a:t>strokeRect</a:t>
-            </a:r>
-            <a:r>
-              <a:rPr lang="en-US" altLang="zh-TW" dirty="0"/>
-              <a:t>(</a:t>
-            </a:r>
-            <a:r>
-              <a:rPr lang="en-US" altLang="zh-TW" dirty="0" err="1"/>
-              <a:t>x,y,w,h</a:t>
-            </a:r>
-            <a:r>
-              <a:rPr lang="en-US" altLang="zh-TW" dirty="0"/>
-              <a:t>)</a:t>
-            </a:r>
+            <a:endParaRPr lang="en-US" altLang="zh-TW" sz="2400" dirty="0"/>
           </a:p>
           <a:p>
             <a:pPr lvl="1">
               <a:buNone/>
             </a:pPr>
-            <a:r>
-              <a:rPr lang="zh-TW" altLang="en-US" sz="2800" dirty="0"/>
-              <a:t>繪製矩行邊框</a:t>
-            </a:r>
-            <a:endParaRPr lang="en-US" altLang="zh-TW" dirty="0"/>
+            <a:endParaRPr lang="en-US" altLang="zh-TW" sz="2400" dirty="0"/>
           </a:p>
           <a:p>
             <a:r>
               <a:rPr lang="en-US" altLang="zh-TW" dirty="0" err="1"/>
-              <a:t>clearRect</a:t>
+              <a:t>strokeRect</a:t>
             </a:r>
             <a:r>
               <a:rPr lang="en-US" altLang="zh-TW" dirty="0"/>
@@ -8970,10 +13214,44 @@
               <a:buNone/>
             </a:pPr>
             <a:r>
-              <a:rPr lang="zh-TW" altLang="en-US" sz="2800" dirty="0"/>
+              <a:rPr lang="zh-TW" altLang="en-US" sz="2400" dirty="0"/>
+              <a:t>繪製矩行邊框</a:t>
+            </a:r>
+            <a:endParaRPr lang="en-US" altLang="zh-TW" sz="2400" dirty="0"/>
+          </a:p>
+          <a:p>
+            <a:pPr lvl="1">
+              <a:buNone/>
+            </a:pPr>
+            <a:endParaRPr lang="en-US" altLang="zh-TW" sz="2400" dirty="0"/>
+          </a:p>
+          <a:p>
+            <a:r>
+              <a:rPr lang="en-US" altLang="zh-TW" dirty="0" err="1"/>
+              <a:t>clearRect</a:t>
+            </a:r>
+            <a:r>
+              <a:rPr lang="en-US" altLang="zh-TW" dirty="0"/>
+              <a:t>(</a:t>
+            </a:r>
+            <a:r>
+              <a:rPr lang="en-US" altLang="zh-TW" dirty="0" err="1"/>
+              <a:t>x,y,w,h</a:t>
+            </a:r>
+            <a:r>
+              <a:rPr lang="en-US" altLang="zh-TW" dirty="0"/>
+              <a:t>)</a:t>
+            </a:r>
+          </a:p>
+          <a:p>
+            <a:pPr lvl="1">
+              <a:buNone/>
+            </a:pPr>
+            <a:r>
+              <a:rPr lang="zh-TW" altLang="en-US" sz="2400" dirty="0"/>
               <a:t>清除矩形</a:t>
             </a:r>
-            <a:endParaRPr lang="en-US" altLang="zh-TW" sz="2800" dirty="0"/>
+            <a:endParaRPr lang="en-US" altLang="zh-TW" sz="2400" dirty="0"/>
           </a:p>
         </p:txBody>
       </p:sp>
@@ -9248,236 +13526,13 @@
   <p:clrMapOvr>
     <a:masterClrMapping/>
   </p:clrMapOvr>
-  <mc:AlternateContent xmlns:mc="http://schemas.openxmlformats.org/markup-compatibility/2006">
-    <mc:Choice xmlns:p14="http://schemas.microsoft.com/office/powerpoint/2010/main" Requires="p14">
+  <mc:AlternateContent xmlns:mc="http://schemas.openxmlformats.org/markup-compatibility/2006" xmlns:p14="http://schemas.microsoft.com/office/powerpoint/2010/main">
+    <mc:Choice Requires="p14">
       <p:transition spd="slow" p14:dur="1600">
         <p14:gallery dir="l"/>
       </p:transition>
     </mc:Choice>
-    <mc:Fallback>
-      <p:transition spd="slow">
-        <p:fade/>
-      </p:transition>
-    </mc:Fallback>
-  </mc:AlternateContent>
-</p:sld>
-</file>
-
-<file path=ppt/slides/slide9.xml><?xml version="1.0" encoding="utf-8"?>
-<p:sld xmlns:a="http://schemas.openxmlformats.org/drawingml/2006/main" xmlns:r="http://schemas.openxmlformats.org/officeDocument/2006/relationships" xmlns:p="http://schemas.openxmlformats.org/presentationml/2006/main">
-  <p:cSld>
-    <p:spTree>
-      <p:nvGrpSpPr>
-        <p:cNvPr id="1" name=""/>
-        <p:cNvGrpSpPr/>
-        <p:nvPr/>
-      </p:nvGrpSpPr>
-      <p:grpSpPr>
-        <a:xfrm>
-          <a:off x="0" y="0"/>
-          <a:ext cx="0" cy="0"/>
-          <a:chOff x="0" y="0"/>
-          <a:chExt cx="0" cy="0"/>
-        </a:xfrm>
-      </p:grpSpPr>
-      <p:sp>
-        <p:nvSpPr>
-          <p:cNvPr id="2" name="標題 1">
-            <a:extLst>
-              <a:ext uri="{FF2B5EF4-FFF2-40B4-BE49-F238E27FC236}">
-                <a16:creationId xmlns:a16="http://schemas.microsoft.com/office/drawing/2014/main" id="{A074B34E-1C85-44B9-9FC8-6D52C0DE0B6A}"/>
-              </a:ext>
-            </a:extLst>
-          </p:cNvPr>
-          <p:cNvSpPr>
-            <a:spLocks noGrp="1"/>
-          </p:cNvSpPr>
-          <p:nvPr>
-            <p:ph type="title"/>
-          </p:nvPr>
-        </p:nvSpPr>
-        <p:spPr/>
-        <p:txBody>
-          <a:bodyPr/>
-          <a:lstStyle/>
-          <a:p>
-            <a:r>
-              <a:rPr lang="zh-TW" altLang="en-US" dirty="0"/>
-              <a:t>路徑圖形</a:t>
-            </a:r>
-          </a:p>
-        </p:txBody>
-      </p:sp>
-      <p:sp>
-        <p:nvSpPr>
-          <p:cNvPr id="3" name="內容版面配置區 2">
-            <a:extLst>
-              <a:ext uri="{FF2B5EF4-FFF2-40B4-BE49-F238E27FC236}">
-                <a16:creationId xmlns:a16="http://schemas.microsoft.com/office/drawing/2014/main" id="{0D313323-E799-45AA-B2AA-CD5256835E63}"/>
-              </a:ext>
-            </a:extLst>
-          </p:cNvPr>
-          <p:cNvSpPr>
-            <a:spLocks noGrp="1"/>
-          </p:cNvSpPr>
-          <p:nvPr>
-            <p:ph idx="1"/>
-          </p:nvPr>
-        </p:nvSpPr>
-        <p:spPr/>
-        <p:txBody>
-          <a:bodyPr/>
-          <a:lstStyle/>
-          <a:p>
-            <a:r>
-              <a:rPr lang="zh-TW" altLang="en-US" dirty="0"/>
-              <a:t>路徑開始與封閉： </a:t>
-            </a:r>
-            <a:r>
-              <a:rPr lang="en-US" altLang="zh-TW" dirty="0" err="1"/>
-              <a:t>beginPath</a:t>
-            </a:r>
-            <a:r>
-              <a:rPr lang="en-US" altLang="zh-TW" dirty="0"/>
-              <a:t>() / </a:t>
-            </a:r>
-            <a:r>
-              <a:rPr lang="en-US" altLang="zh-TW" dirty="0" err="1"/>
-              <a:t>closePath</a:t>
-            </a:r>
-            <a:r>
-              <a:rPr lang="en-US" altLang="zh-TW" dirty="0"/>
-              <a:t> ()</a:t>
-            </a:r>
-          </a:p>
-          <a:p>
-            <a:endParaRPr lang="en-US" altLang="zh-TW" dirty="0"/>
-          </a:p>
-          <a:p>
-            <a:r>
-              <a:rPr lang="zh-TW" altLang="en-US" dirty="0"/>
-              <a:t>設定移動與移置線條：</a:t>
-            </a:r>
-            <a:r>
-              <a:rPr lang="en-US" altLang="zh-TW" dirty="0" err="1"/>
-              <a:t>moveTo</a:t>
-            </a:r>
-            <a:r>
-              <a:rPr lang="en-US" altLang="zh-TW" dirty="0"/>
-              <a:t>(</a:t>
-            </a:r>
-            <a:r>
-              <a:rPr lang="en-US" altLang="zh-TW" dirty="0" err="1"/>
-              <a:t>x,y</a:t>
-            </a:r>
-            <a:r>
-              <a:rPr lang="en-US" altLang="zh-TW" dirty="0"/>
-              <a:t>) / </a:t>
-            </a:r>
-            <a:r>
-              <a:rPr lang="en-US" altLang="zh-TW" dirty="0" err="1"/>
-              <a:t>lineTo</a:t>
-            </a:r>
-            <a:r>
-              <a:rPr lang="en-US" altLang="zh-TW" dirty="0"/>
-              <a:t>(</a:t>
-            </a:r>
-            <a:r>
-              <a:rPr lang="en-US" altLang="zh-TW" dirty="0" err="1"/>
-              <a:t>x,y</a:t>
-            </a:r>
-            <a:r>
-              <a:rPr lang="en-US" altLang="zh-TW" dirty="0"/>
-              <a:t>)</a:t>
-            </a:r>
-          </a:p>
-          <a:p>
-            <a:endParaRPr lang="en-US" altLang="zh-TW" dirty="0"/>
-          </a:p>
-          <a:p>
-            <a:r>
-              <a:rPr lang="zh-TW" altLang="en-US" dirty="0"/>
-              <a:t>指定線條 </a:t>
-            </a:r>
-            <a:r>
-              <a:rPr lang="en-US" altLang="zh-TW" dirty="0"/>
-              <a:t>/</a:t>
-            </a:r>
-            <a:r>
-              <a:rPr lang="zh-TW" altLang="en-US" dirty="0"/>
-              <a:t> 圖形顏色：</a:t>
-            </a:r>
-            <a:r>
-              <a:rPr lang="en-US" altLang="zh-TW" dirty="0" err="1"/>
-              <a:t>fillStyle</a:t>
-            </a:r>
-            <a:r>
-              <a:rPr lang="en-US" altLang="zh-TW" dirty="0"/>
-              <a:t> / </a:t>
-            </a:r>
-            <a:r>
-              <a:rPr lang="en-US" altLang="zh-TW" dirty="0" err="1"/>
-              <a:t>lineStyle</a:t>
-            </a:r>
-            <a:r>
-              <a:rPr lang="en-US" altLang="zh-TW" dirty="0"/>
-              <a:t> / </a:t>
-            </a:r>
-            <a:r>
-              <a:rPr lang="en-US" altLang="zh-TW" dirty="0" err="1"/>
-              <a:t>strokeStyle</a:t>
-            </a:r>
-            <a:endParaRPr lang="en-US" altLang="zh-TW" dirty="0"/>
-          </a:p>
-          <a:p>
-            <a:endParaRPr lang="en-US" altLang="zh-TW" dirty="0"/>
-          </a:p>
-          <a:p>
-            <a:r>
-              <a:rPr lang="zh-TW" altLang="en-US" dirty="0"/>
-              <a:t>最後路徑繪製</a:t>
-            </a:r>
-            <a:r>
-              <a:rPr lang="en-US" altLang="zh-TW" dirty="0"/>
-              <a:t>(</a:t>
-            </a:r>
-            <a:r>
-              <a:rPr lang="zh-TW" altLang="en-US" dirty="0"/>
-              <a:t>連結到起點</a:t>
-            </a:r>
-            <a:r>
-              <a:rPr lang="en-US" altLang="zh-TW" dirty="0"/>
-              <a:t>)</a:t>
-            </a:r>
-            <a:r>
-              <a:rPr lang="zh-TW" altLang="en-US" dirty="0"/>
-              <a:t>：</a:t>
-            </a:r>
-            <a:r>
-              <a:rPr lang="en-US" altLang="zh-TW" dirty="0"/>
-              <a:t>stroke() / fill()</a:t>
-            </a:r>
-            <a:endParaRPr lang="zh-TW" altLang="en-US" dirty="0"/>
-          </a:p>
-        </p:txBody>
-      </p:sp>
-    </p:spTree>
-    <p:extLst>
-      <p:ext uri="{BB962C8B-B14F-4D97-AF65-F5344CB8AC3E}">
-        <p14:creationId xmlns:p14="http://schemas.microsoft.com/office/powerpoint/2010/main" val="1398520314"/>
-      </p:ext>
-    </p:extLst>
-  </p:cSld>
-  <p:clrMapOvr>
-    <a:masterClrMapping/>
-  </p:clrMapOvr>
-  <mc:AlternateContent xmlns:mc="http://schemas.openxmlformats.org/markup-compatibility/2006">
-    <mc:Choice xmlns:p14="http://schemas.microsoft.com/office/powerpoint/2010/main" Requires="p14">
-      <p:transition spd="slow" p14:dur="1600">
-        <p14:gallery dir="l"/>
-      </p:transition>
-    </mc:Choice>
-    <mc:Fallback>
+    <mc:Fallback xmlns="">
       <p:transition spd="slow">
         <p:fade/>
       </p:transition>
@@ -9489,7 +13544,7 @@
 <file path=ppt/theme/theme1.xml><?xml version="1.0" encoding="utf-8"?>
 <a:theme xmlns:a="http://schemas.openxmlformats.org/drawingml/2006/main" name="Office 佈景主題">
   <a:themeElements>
-    <a:clrScheme name="Office">
+    <a:clrScheme name="自訂 1">
       <a:dk1>
         <a:sysClr val="windowText" lastClr="000000"/>
       </a:dk1>
